--- a/SQL/Day 1 Intro to SQL/Basic SQL.pptx
+++ b/SQL/Day 1 Intro to SQL/Basic SQL.pptx
@@ -8,27 +8,29 @@
     <p:sldMasterId id="2147493470" r:id="rId7"/>
   </p:sldMasterIdLst>
   <p:notesMasterIdLst>
-    <p:notesMasterId r:id="rId23"/>
+    <p:notesMasterId r:id="rId25"/>
   </p:notesMasterIdLst>
   <p:handoutMasterIdLst>
-    <p:handoutMasterId r:id="rId24"/>
+    <p:handoutMasterId r:id="rId26"/>
   </p:handoutMasterIdLst>
   <p:sldIdLst>
     <p:sldId id="256" r:id="rId8"/>
     <p:sldId id="310" r:id="rId9"/>
     <p:sldId id="349" r:id="rId10"/>
     <p:sldId id="352" r:id="rId11"/>
-    <p:sldId id="312" r:id="rId12"/>
-    <p:sldId id="336" r:id="rId13"/>
-    <p:sldId id="333" r:id="rId14"/>
-    <p:sldId id="337" r:id="rId15"/>
-    <p:sldId id="334" r:id="rId16"/>
-    <p:sldId id="338" r:id="rId17"/>
-    <p:sldId id="347" r:id="rId18"/>
-    <p:sldId id="404" r:id="rId19"/>
-    <p:sldId id="340" r:id="rId20"/>
-    <p:sldId id="405" r:id="rId21"/>
-    <p:sldId id="406" r:id="rId22"/>
+    <p:sldId id="407" r:id="rId12"/>
+    <p:sldId id="408" r:id="rId13"/>
+    <p:sldId id="312" r:id="rId14"/>
+    <p:sldId id="336" r:id="rId15"/>
+    <p:sldId id="333" r:id="rId16"/>
+    <p:sldId id="337" r:id="rId17"/>
+    <p:sldId id="334" r:id="rId18"/>
+    <p:sldId id="338" r:id="rId19"/>
+    <p:sldId id="347" r:id="rId20"/>
+    <p:sldId id="404" r:id="rId21"/>
+    <p:sldId id="340" r:id="rId22"/>
+    <p:sldId id="405" r:id="rId23"/>
+    <p:sldId id="406" r:id="rId24"/>
   </p:sldIdLst>
   <p:sldSz cx="9144000" cy="6858000" type="screen4x3"/>
   <p:notesSz cx="7010400" cy="9296400"/>
@@ -172,6 +174,12 @@
             <p14:sldId id="352"/>
           </p14:sldIdLst>
         </p14:section>
+        <p14:section name="What is a Query?" id="{B299EAB8-4134-2844-B67D-1E97E8F9CCEB}">
+          <p14:sldIdLst>
+            <p14:sldId id="407"/>
+            <p14:sldId id="408"/>
+          </p14:sldIdLst>
+        </p14:section>
         <p14:section name="SQL Clause" id="{5E2631FC-45F7-F840-B687-B27DB8B04065}">
           <p14:sldIdLst>
             <p14:sldId id="312"/>
@@ -337,7 +345,7 @@
               <a:pPr>
                 <a:defRPr/>
               </a:pPr>
-              <a:t>1/13/24</a:t>
+              <a:t>1/27/24</a:t>
             </a:fld>
             <a:endParaRPr lang="en-US" dirty="0"/>
           </a:p>
@@ -547,7 +555,7 @@
               <a:pPr>
                 <a:defRPr/>
               </a:pPr>
-              <a:t>1/13/24</a:t>
+              <a:t>1/27/24</a:t>
             </a:fld>
             <a:endParaRPr lang="en-US" dirty="0"/>
           </a:p>
@@ -1151,6 +1159,962 @@
 </p:notes>
 </file>
 
+<file path=ppt/notesSlides/notesSlide10.xml><?xml version="1.0" encoding="utf-8"?>
+<p:notes xmlns:a="http://schemas.openxmlformats.org/drawingml/2006/main" xmlns:r="http://schemas.openxmlformats.org/officeDocument/2006/relationships" xmlns:p="http://schemas.openxmlformats.org/presentationml/2006/main">
+  <p:cSld>
+    <p:spTree>
+      <p:nvGrpSpPr>
+        <p:cNvPr id="1" name=""/>
+        <p:cNvGrpSpPr/>
+        <p:nvPr/>
+      </p:nvGrpSpPr>
+      <p:grpSpPr>
+        <a:xfrm>
+          <a:off x="0" y="0"/>
+          <a:ext cx="0" cy="0"/>
+          <a:chOff x="0" y="0"/>
+          <a:chExt cx="0" cy="0"/>
+        </a:xfrm>
+      </p:grpSpPr>
+      <p:sp>
+        <p:nvSpPr>
+          <p:cNvPr id="2" name="Slide Image Placeholder 1"/>
+          <p:cNvSpPr>
+            <a:spLocks noGrp="1" noRot="1" noChangeAspect="1"/>
+          </p:cNvSpPr>
+          <p:nvPr>
+            <p:ph type="sldImg"/>
+          </p:nvPr>
+        </p:nvSpPr>
+        <p:spPr/>
+      </p:sp>
+      <p:sp>
+        <p:nvSpPr>
+          <p:cNvPr id="3" name="Notes Placeholder 2"/>
+          <p:cNvSpPr>
+            <a:spLocks noGrp="1"/>
+          </p:cNvSpPr>
+          <p:nvPr>
+            <p:ph type="body" idx="1"/>
+          </p:nvPr>
+        </p:nvSpPr>
+        <p:spPr/>
+        <p:txBody>
+          <a:bodyPr/>
+          <a:lstStyle/>
+          <a:p>
+            <a:pPr algn="l"/>
+            <a:r>
+              <a:rPr lang="en-US" b="0" i="0" dirty="0">
+                <a:solidFill>
+                  <a:srgbClr val="374151"/>
+                </a:solidFill>
+                <a:effectLst/>
+                <a:latin typeface="Söhne"/>
+              </a:rPr>
+              <a:t>Speaker Notes:</a:t>
+            </a:r>
+          </a:p>
+          <a:p>
+            <a:pPr algn="l"/>
+            <a:r>
+              <a:rPr lang="en-US" b="0" i="0" dirty="0">
+                <a:solidFill>
+                  <a:srgbClr val="374151"/>
+                </a:solidFill>
+                <a:effectLst/>
+                <a:latin typeface="Söhne"/>
+              </a:rPr>
+              <a:t>As we continue to explore the art of crafting SQL statements, let's focus on another key aspect: specifying filtering conditions.</a:t>
+            </a:r>
+          </a:p>
+          <a:p>
+            <a:pPr algn="l"/>
+            <a:r>
+              <a:rPr lang="en-US" b="1" i="0" dirty="0">
+                <a:solidFill>
+                  <a:srgbClr val="374151"/>
+                </a:solidFill>
+                <a:effectLst/>
+                <a:latin typeface="Söhne"/>
+              </a:rPr>
+              <a:t>Specify Filtering Conditions (Optional):</a:t>
+            </a:r>
+            <a:endParaRPr lang="en-US" b="0" i="0" dirty="0">
+              <a:solidFill>
+                <a:srgbClr val="374151"/>
+              </a:solidFill>
+              <a:effectLst/>
+              <a:latin typeface="Söhne"/>
+            </a:endParaRPr>
+          </a:p>
+          <a:p>
+            <a:pPr algn="l">
+              <a:buFont typeface="Arial" panose="020B0604020202020204" pitchFamily="34" charset="0"/>
+              <a:buChar char="•"/>
+            </a:pPr>
+            <a:r>
+              <a:rPr lang="en-US" b="0" i="0" dirty="0">
+                <a:solidFill>
+                  <a:srgbClr val="374151"/>
+                </a:solidFill>
+                <a:effectLst/>
+                <a:latin typeface="Söhne"/>
+              </a:rPr>
+              <a:t>While not always required, specifying filtering conditions allows you to narrow down your data selection based on specific criteria. This is an optional but powerful step in SQL statement creation.</a:t>
+            </a:r>
+          </a:p>
+          <a:p>
+            <a:pPr algn="l"/>
+            <a:r>
+              <a:rPr lang="en-US" b="1" i="0" dirty="0">
+                <a:solidFill>
+                  <a:srgbClr val="374151"/>
+                </a:solidFill>
+                <a:effectLst/>
+                <a:latin typeface="Söhne"/>
+              </a:rPr>
+              <a:t>Using the WHERE Clause:</a:t>
+            </a:r>
+            <a:endParaRPr lang="en-US" b="0" i="0" dirty="0">
+              <a:solidFill>
+                <a:srgbClr val="374151"/>
+              </a:solidFill>
+              <a:effectLst/>
+              <a:latin typeface="Söhne"/>
+            </a:endParaRPr>
+          </a:p>
+          <a:p>
+            <a:pPr algn="l">
+              <a:buFont typeface="Arial" panose="020B0604020202020204" pitchFamily="34" charset="0"/>
+              <a:buChar char="•"/>
+            </a:pPr>
+            <a:r>
+              <a:rPr lang="en-US" b="0" i="0" dirty="0">
+                <a:solidFill>
+                  <a:srgbClr val="374151"/>
+                </a:solidFill>
+                <a:effectLst/>
+                <a:latin typeface="Söhne"/>
+              </a:rPr>
+              <a:t>In SQL, filtering conditions are typically added using a WHERE clause. The WHERE clause employs conditional logic to determine which data rows meet the specified criteria.</a:t>
+            </a:r>
+          </a:p>
+          <a:p>
+            <a:pPr algn="l"/>
+            <a:r>
+              <a:rPr lang="en-US" b="1" i="0" dirty="0">
+                <a:solidFill>
+                  <a:srgbClr val="374151"/>
+                </a:solidFill>
+                <a:effectLst/>
+                <a:latin typeface="Söhne"/>
+              </a:rPr>
+              <a:t>Example SQL Statement:</a:t>
+            </a:r>
+            <a:endParaRPr lang="en-US" b="0" i="0" dirty="0">
+              <a:solidFill>
+                <a:srgbClr val="374151"/>
+              </a:solidFill>
+              <a:effectLst/>
+              <a:latin typeface="Söhne"/>
+            </a:endParaRPr>
+          </a:p>
+          <a:p>
+            <a:pPr algn="l">
+              <a:buFont typeface="Arial" panose="020B0604020202020204" pitchFamily="34" charset="0"/>
+              <a:buChar char="•"/>
+            </a:pPr>
+            <a:r>
+              <a:rPr lang="en-US" b="0" i="0" dirty="0">
+                <a:solidFill>
+                  <a:srgbClr val="374151"/>
+                </a:solidFill>
+                <a:effectLst/>
+                <a:latin typeface="Söhne"/>
+              </a:rPr>
+              <a:t>In our example, we're using the SELECT statement to query data from the 'Customers' table.</a:t>
+            </a:r>
+          </a:p>
+          <a:p>
+            <a:pPr algn="l">
+              <a:buFont typeface="Arial" panose="020B0604020202020204" pitchFamily="34" charset="0"/>
+              <a:buChar char="•"/>
+            </a:pPr>
+            <a:r>
+              <a:rPr lang="en-US" b="0" i="0" dirty="0">
+                <a:solidFill>
+                  <a:srgbClr val="374151"/>
+                </a:solidFill>
+                <a:effectLst/>
+                <a:latin typeface="Söhne"/>
+              </a:rPr>
+              <a:t>However, we're not interested in all customers; we want to filter for those located in California. To achieve this, we include a WHERE clause with the condition 'state = 'CA''.</a:t>
+            </a:r>
+          </a:p>
+          <a:p>
+            <a:pPr algn="l">
+              <a:buFont typeface="Arial" panose="020B0604020202020204" pitchFamily="34" charset="0"/>
+              <a:buChar char="•"/>
+            </a:pPr>
+            <a:r>
+              <a:rPr lang="en-US" b="0" i="0" dirty="0">
+                <a:solidFill>
+                  <a:srgbClr val="374151"/>
+                </a:solidFill>
+                <a:effectLst/>
+                <a:latin typeface="Söhne"/>
+              </a:rPr>
+              <a:t>This means that only rows where the 'state' column equals 'CA' will be included in the result set.</a:t>
+            </a:r>
+          </a:p>
+          <a:p>
+            <a:pPr algn="l"/>
+            <a:r>
+              <a:rPr lang="en-US" b="0" i="0" dirty="0">
+                <a:solidFill>
+                  <a:srgbClr val="374151"/>
+                </a:solidFill>
+                <a:effectLst/>
+                <a:latin typeface="Söhne"/>
+              </a:rPr>
+              <a:t>By adding filtering conditions to your SQL statements, you gain precise control over the data you retrieve or manipulate, ensuring that it aligns with your specific needs and criteria. It's like applying a magnifying glass to focus on the exact information you require.</a:t>
+            </a:r>
+          </a:p>
+          <a:p>
+            <a:endParaRPr lang="en-US" dirty="0"/>
+          </a:p>
+        </p:txBody>
+      </p:sp>
+      <p:sp>
+        <p:nvSpPr>
+          <p:cNvPr id="4" name="Slide Number Placeholder 3"/>
+          <p:cNvSpPr>
+            <a:spLocks noGrp="1"/>
+          </p:cNvSpPr>
+          <p:nvPr>
+            <p:ph type="sldNum" sz="quarter" idx="5"/>
+          </p:nvPr>
+        </p:nvSpPr>
+        <p:spPr/>
+        <p:txBody>
+          <a:bodyPr/>
+          <a:lstStyle/>
+          <a:p>
+            <a:pPr>
+              <a:defRPr/>
+            </a:pPr>
+            <a:fld id="{D0B7D74D-C969-4920-A7A6-E44C909EE3F2}" type="slidenum">
+              <a:rPr lang="en-US" smtClean="0"/>
+              <a:pPr>
+                <a:defRPr/>
+              </a:pPr>
+              <a:t>10</a:t>
+            </a:fld>
+            <a:endParaRPr lang="en-US" dirty="0"/>
+          </a:p>
+        </p:txBody>
+      </p:sp>
+    </p:spTree>
+    <p:extLst>
+      <p:ext uri="{BB962C8B-B14F-4D97-AF65-F5344CB8AC3E}">
+        <p14:creationId xmlns:p14="http://schemas.microsoft.com/office/powerpoint/2010/main" val="489755235"/>
+      </p:ext>
+    </p:extLst>
+  </p:cSld>
+  <p:clrMapOvr>
+    <a:masterClrMapping/>
+  </p:clrMapOvr>
+</p:notes>
+</file>
+
+<file path=ppt/notesSlides/notesSlide11.xml><?xml version="1.0" encoding="utf-8"?>
+<p:notes xmlns:a="http://schemas.openxmlformats.org/drawingml/2006/main" xmlns:r="http://schemas.openxmlformats.org/officeDocument/2006/relationships" xmlns:p="http://schemas.openxmlformats.org/presentationml/2006/main">
+  <p:cSld>
+    <p:spTree>
+      <p:nvGrpSpPr>
+        <p:cNvPr id="1" name=""/>
+        <p:cNvGrpSpPr/>
+        <p:nvPr/>
+      </p:nvGrpSpPr>
+      <p:grpSpPr>
+        <a:xfrm>
+          <a:off x="0" y="0"/>
+          <a:ext cx="0" cy="0"/>
+          <a:chOff x="0" y="0"/>
+          <a:chExt cx="0" cy="0"/>
+        </a:xfrm>
+      </p:grpSpPr>
+      <p:sp>
+        <p:nvSpPr>
+          <p:cNvPr id="2" name="Slide Image Placeholder 1"/>
+          <p:cNvSpPr>
+            <a:spLocks noGrp="1" noRot="1" noChangeAspect="1"/>
+          </p:cNvSpPr>
+          <p:nvPr>
+            <p:ph type="sldImg"/>
+          </p:nvPr>
+        </p:nvSpPr>
+        <p:spPr/>
+      </p:sp>
+      <p:sp>
+        <p:nvSpPr>
+          <p:cNvPr id="3" name="Notes Placeholder 2"/>
+          <p:cNvSpPr>
+            <a:spLocks noGrp="1"/>
+          </p:cNvSpPr>
+          <p:nvPr>
+            <p:ph type="body" idx="1"/>
+          </p:nvPr>
+        </p:nvSpPr>
+        <p:spPr/>
+        <p:txBody>
+          <a:bodyPr/>
+          <a:lstStyle/>
+          <a:p>
+            <a:pPr algn="l"/>
+            <a:r>
+              <a:rPr lang="en-US" b="0" i="0" dirty="0">
+                <a:solidFill>
+                  <a:srgbClr val="374151"/>
+                </a:solidFill>
+                <a:effectLst/>
+                <a:latin typeface="Söhne"/>
+              </a:rPr>
+              <a:t>Let's continue our journey through crafting SQL statements by exploring the optional but valuable steps of specifying sorting and grouping options.</a:t>
+            </a:r>
+          </a:p>
+          <a:p>
+            <a:pPr algn="l"/>
+            <a:r>
+              <a:rPr lang="en-US" b="1" i="0" dirty="0">
+                <a:solidFill>
+                  <a:srgbClr val="374151"/>
+                </a:solidFill>
+                <a:effectLst/>
+                <a:latin typeface="Söhne"/>
+              </a:rPr>
+              <a:t>Specify Sorting and Grouping (Optional):</a:t>
+            </a:r>
+            <a:endParaRPr lang="en-US" b="0" i="0" dirty="0">
+              <a:solidFill>
+                <a:srgbClr val="374151"/>
+              </a:solidFill>
+              <a:effectLst/>
+              <a:latin typeface="Söhne"/>
+            </a:endParaRPr>
+          </a:p>
+          <a:p>
+            <a:pPr algn="l">
+              <a:buFont typeface="Arial" panose="020B0604020202020204" pitchFamily="34" charset="0"/>
+              <a:buChar char="•"/>
+            </a:pPr>
+            <a:r>
+              <a:rPr lang="en-US" b="0" i="0" dirty="0">
+                <a:solidFill>
+                  <a:srgbClr val="374151"/>
+                </a:solidFill>
+                <a:effectLst/>
+                <a:latin typeface="Söhne"/>
+              </a:rPr>
+              <a:t>While it's not always necessary, you have the option to control how the rows in your SQL query result are sorted or grouped. This can greatly impact the readability and usefulness of your data.</a:t>
+            </a:r>
+          </a:p>
+          <a:p>
+            <a:pPr algn="l"/>
+            <a:r>
+              <a:rPr lang="en-US" b="1" i="0" dirty="0">
+                <a:solidFill>
+                  <a:srgbClr val="374151"/>
+                </a:solidFill>
+                <a:effectLst/>
+                <a:latin typeface="Söhne"/>
+              </a:rPr>
+              <a:t>Using ORDER BY for Sorting:</a:t>
+            </a:r>
+            <a:endParaRPr lang="en-US" b="0" i="0" dirty="0">
+              <a:solidFill>
+                <a:srgbClr val="374151"/>
+              </a:solidFill>
+              <a:effectLst/>
+              <a:latin typeface="Söhne"/>
+            </a:endParaRPr>
+          </a:p>
+          <a:p>
+            <a:pPr algn="l">
+              <a:buFont typeface="Arial" panose="020B0604020202020204" pitchFamily="34" charset="0"/>
+              <a:buChar char="•"/>
+            </a:pPr>
+            <a:r>
+              <a:rPr lang="en-US" b="0" i="0" dirty="0">
+                <a:solidFill>
+                  <a:srgbClr val="374151"/>
+                </a:solidFill>
+                <a:effectLst/>
+                <a:latin typeface="Söhne"/>
+              </a:rPr>
+              <a:t>To sort rows in the output, you can use the ORDER BY clause followed by the column by which you want to sort. In our example, we're sorting the results by the 'name' column in ascending order.</a:t>
+            </a:r>
+          </a:p>
+          <a:p>
+            <a:pPr algn="l"/>
+            <a:r>
+              <a:rPr lang="en-US" b="1" i="0" dirty="0">
+                <a:solidFill>
+                  <a:srgbClr val="374151"/>
+                </a:solidFill>
+                <a:effectLst/>
+                <a:latin typeface="Söhne"/>
+              </a:rPr>
+              <a:t>Using GROUP BY for Grouping:</a:t>
+            </a:r>
+            <a:endParaRPr lang="en-US" b="0" i="0" dirty="0">
+              <a:solidFill>
+                <a:srgbClr val="374151"/>
+              </a:solidFill>
+              <a:effectLst/>
+              <a:latin typeface="Söhne"/>
+            </a:endParaRPr>
+          </a:p>
+          <a:p>
+            <a:pPr algn="l">
+              <a:buFont typeface="Arial" panose="020B0604020202020204" pitchFamily="34" charset="0"/>
+              <a:buChar char="•"/>
+            </a:pPr>
+            <a:r>
+              <a:rPr lang="en-US" b="0" i="0" dirty="0">
+                <a:solidFill>
+                  <a:srgbClr val="374151"/>
+                </a:solidFill>
+                <a:effectLst/>
+                <a:latin typeface="Söhne"/>
+              </a:rPr>
+              <a:t>Additionally, you can use the GROUP BY clause to group rows based on common values in a specific column. This is especially useful when you want to perform aggregate functions on grouped data.</a:t>
+            </a:r>
+          </a:p>
+          <a:p>
+            <a:pPr algn="l"/>
+            <a:r>
+              <a:rPr lang="en-US" b="1" i="0" dirty="0">
+                <a:solidFill>
+                  <a:srgbClr val="374151"/>
+                </a:solidFill>
+                <a:effectLst/>
+                <a:latin typeface="Söhne"/>
+              </a:rPr>
+              <a:t>Example SQL Statement:</a:t>
+            </a:r>
+            <a:endParaRPr lang="en-US" b="0" i="0" dirty="0">
+              <a:solidFill>
+                <a:srgbClr val="374151"/>
+              </a:solidFill>
+              <a:effectLst/>
+              <a:latin typeface="Söhne"/>
+            </a:endParaRPr>
+          </a:p>
+          <a:p>
+            <a:pPr algn="l">
+              <a:buFont typeface="Arial" panose="020B0604020202020204" pitchFamily="34" charset="0"/>
+              <a:buChar char="•"/>
+            </a:pPr>
+            <a:r>
+              <a:rPr lang="en-US" b="0" i="0" dirty="0">
+                <a:solidFill>
+                  <a:srgbClr val="374151"/>
+                </a:solidFill>
+                <a:effectLst/>
+                <a:latin typeface="Söhne"/>
+              </a:rPr>
+              <a:t>In the example provided, we're using the SELECT statement to query data from the 'Customers' table.</a:t>
+            </a:r>
+          </a:p>
+          <a:p>
+            <a:pPr algn="l">
+              <a:buFont typeface="Arial" panose="020B0604020202020204" pitchFamily="34" charset="0"/>
+              <a:buChar char="•"/>
+            </a:pPr>
+            <a:r>
+              <a:rPr lang="en-US" b="0" i="0" dirty="0">
+                <a:solidFill>
+                  <a:srgbClr val="374151"/>
+                </a:solidFill>
+                <a:effectLst/>
+                <a:latin typeface="Söhne"/>
+              </a:rPr>
+              <a:t>We've added a WHERE clause to filter for customers in California ('state = 'CA'').</a:t>
+            </a:r>
+          </a:p>
+          <a:p>
+            <a:pPr algn="l">
+              <a:buFont typeface="Arial" panose="020B0604020202020204" pitchFamily="34" charset="0"/>
+              <a:buChar char="•"/>
+            </a:pPr>
+            <a:r>
+              <a:rPr lang="en-US" b="0" i="0" dirty="0">
+                <a:solidFill>
+                  <a:srgbClr val="374151"/>
+                </a:solidFill>
+                <a:effectLst/>
+                <a:latin typeface="Söhne"/>
+              </a:rPr>
+              <a:t>Furthermore, we've included an ORDER BY clause to ensure that the results are presented in alphabetical order based on the 'name' column.</a:t>
+            </a:r>
+          </a:p>
+          <a:p>
+            <a:pPr algn="l"/>
+            <a:r>
+              <a:rPr lang="en-US" b="0" i="0" dirty="0">
+                <a:solidFill>
+                  <a:srgbClr val="374151"/>
+                </a:solidFill>
+                <a:effectLst/>
+                <a:latin typeface="Söhne"/>
+              </a:rPr>
+              <a:t>Adding sorting and grouping options to your SQL statements provides you with the flexibility to present and analyze data in a meaningful way. It's like arranging pieces of a puzzle to see the bigger picture.</a:t>
+            </a:r>
+          </a:p>
+          <a:p>
+            <a:endParaRPr lang="en-US" dirty="0"/>
+          </a:p>
+        </p:txBody>
+      </p:sp>
+      <p:sp>
+        <p:nvSpPr>
+          <p:cNvPr id="4" name="Slide Number Placeholder 3"/>
+          <p:cNvSpPr>
+            <a:spLocks noGrp="1"/>
+          </p:cNvSpPr>
+          <p:nvPr>
+            <p:ph type="sldNum" sz="quarter" idx="5"/>
+          </p:nvPr>
+        </p:nvSpPr>
+        <p:spPr/>
+        <p:txBody>
+          <a:bodyPr/>
+          <a:lstStyle/>
+          <a:p>
+            <a:pPr>
+              <a:defRPr/>
+            </a:pPr>
+            <a:fld id="{D0B7D74D-C969-4920-A7A6-E44C909EE3F2}" type="slidenum">
+              <a:rPr lang="en-US" smtClean="0"/>
+              <a:pPr>
+                <a:defRPr/>
+              </a:pPr>
+              <a:t>11</a:t>
+            </a:fld>
+            <a:endParaRPr lang="en-US" dirty="0"/>
+          </a:p>
+        </p:txBody>
+      </p:sp>
+    </p:spTree>
+    <p:extLst>
+      <p:ext uri="{BB962C8B-B14F-4D97-AF65-F5344CB8AC3E}">
+        <p14:creationId xmlns:p14="http://schemas.microsoft.com/office/powerpoint/2010/main" val="2462059564"/>
+      </p:ext>
+    </p:extLst>
+  </p:cSld>
+  <p:clrMapOvr>
+    <a:masterClrMapping/>
+  </p:clrMapOvr>
+</p:notes>
+</file>
+
+<file path=ppt/notesSlides/notesSlide12.xml><?xml version="1.0" encoding="utf-8"?>
+<p:notes xmlns:a="http://schemas.openxmlformats.org/drawingml/2006/main" xmlns:r="http://schemas.openxmlformats.org/officeDocument/2006/relationships" xmlns:p="http://schemas.openxmlformats.org/presentationml/2006/main">
+  <p:cSld>
+    <p:spTree>
+      <p:nvGrpSpPr>
+        <p:cNvPr id="1" name=""/>
+        <p:cNvGrpSpPr/>
+        <p:nvPr/>
+      </p:nvGrpSpPr>
+      <p:grpSpPr>
+        <a:xfrm>
+          <a:off x="0" y="0"/>
+          <a:ext cx="0" cy="0"/>
+          <a:chOff x="0" y="0"/>
+          <a:chExt cx="0" cy="0"/>
+        </a:xfrm>
+      </p:grpSpPr>
+      <p:sp>
+        <p:nvSpPr>
+          <p:cNvPr id="2" name="Slide Image Placeholder 1"/>
+          <p:cNvSpPr>
+            <a:spLocks noGrp="1" noRot="1" noChangeAspect="1"/>
+          </p:cNvSpPr>
+          <p:nvPr>
+            <p:ph type="sldImg"/>
+          </p:nvPr>
+        </p:nvSpPr>
+        <p:spPr/>
+      </p:sp>
+      <p:sp>
+        <p:nvSpPr>
+          <p:cNvPr id="3" name="Notes Placeholder 2"/>
+          <p:cNvSpPr>
+            <a:spLocks noGrp="1"/>
+          </p:cNvSpPr>
+          <p:nvPr>
+            <p:ph type="body" idx="1"/>
+          </p:nvPr>
+        </p:nvSpPr>
+        <p:spPr/>
+        <p:txBody>
+          <a:bodyPr/>
+          <a:lstStyle/>
+          <a:p>
+            <a:pPr algn="l"/>
+            <a:r>
+              <a:rPr lang="en-US" b="0" i="0" dirty="0">
+                <a:solidFill>
+                  <a:srgbClr val="374151"/>
+                </a:solidFill>
+                <a:effectLst/>
+                <a:latin typeface="Söhne"/>
+              </a:rPr>
+              <a:t>As we wrap up our exploration of crafting SQL statements, there's one last important detail to keep in mind: adding the semicolon at the end.</a:t>
+            </a:r>
+          </a:p>
+          <a:p>
+            <a:pPr algn="l"/>
+            <a:r>
+              <a:rPr lang="en-US" b="1" i="0" dirty="0">
+                <a:solidFill>
+                  <a:srgbClr val="374151"/>
+                </a:solidFill>
+                <a:effectLst/>
+                <a:latin typeface="Söhne"/>
+              </a:rPr>
+              <a:t>End with a Semicolon:</a:t>
+            </a:r>
+            <a:endParaRPr lang="en-US" b="0" i="0" dirty="0">
+              <a:solidFill>
+                <a:srgbClr val="374151"/>
+              </a:solidFill>
+              <a:effectLst/>
+              <a:latin typeface="Söhne"/>
+            </a:endParaRPr>
+          </a:p>
+          <a:p>
+            <a:pPr algn="l">
+              <a:buFont typeface="Arial" panose="020B0604020202020204" pitchFamily="34" charset="0"/>
+              <a:buChar char="•"/>
+            </a:pPr>
+            <a:r>
+              <a:rPr lang="en-US" b="0" i="0" dirty="0">
+                <a:solidFill>
+                  <a:srgbClr val="374151"/>
+                </a:solidFill>
+                <a:effectLst/>
+                <a:latin typeface="Söhne"/>
+              </a:rPr>
+              <a:t>All SQL statements must be terminated with a semicolon. Think of it as a period at the end of a sentence in the SQL language.</a:t>
+            </a:r>
+          </a:p>
+          <a:p>
+            <a:pPr algn="l"/>
+            <a:r>
+              <a:rPr lang="en-US" b="1" i="0" dirty="0">
+                <a:solidFill>
+                  <a:srgbClr val="374151"/>
+                </a:solidFill>
+                <a:effectLst/>
+                <a:latin typeface="Söhne"/>
+              </a:rPr>
+              <a:t>Example SQL Statement:</a:t>
+            </a:r>
+            <a:endParaRPr lang="en-US" b="0" i="0" dirty="0">
+              <a:solidFill>
+                <a:srgbClr val="374151"/>
+              </a:solidFill>
+              <a:effectLst/>
+              <a:latin typeface="Söhne"/>
+            </a:endParaRPr>
+          </a:p>
+          <a:p>
+            <a:pPr algn="l">
+              <a:buFont typeface="Arial" panose="020B0604020202020204" pitchFamily="34" charset="0"/>
+              <a:buChar char="•"/>
+            </a:pPr>
+            <a:r>
+              <a:rPr lang="en-US" b="0" i="0" dirty="0">
+                <a:solidFill>
+                  <a:srgbClr val="374151"/>
+                </a:solidFill>
+                <a:effectLst/>
+                <a:latin typeface="Söhne"/>
+              </a:rPr>
+              <a:t>In the SQL statement example provided, you can see that it concludes with a semicolon after the ORDER BY clause.</a:t>
+            </a:r>
+          </a:p>
+          <a:p>
+            <a:pPr algn="l"/>
+            <a:r>
+              <a:rPr lang="en-US" b="0" i="0" dirty="0">
+                <a:solidFill>
+                  <a:srgbClr val="374151"/>
+                </a:solidFill>
+                <a:effectLst/>
+                <a:latin typeface="Söhne"/>
+              </a:rPr>
+              <a:t>Adding this semicolon is not just a formality; it's a crucial part of writing SQL correctly. It tells the database engine that your statement is complete and ready to be executed.</a:t>
+            </a:r>
+          </a:p>
+          <a:p>
+            <a:pPr algn="l"/>
+            <a:r>
+              <a:rPr lang="en-US" b="0" i="0" dirty="0">
+                <a:solidFill>
+                  <a:srgbClr val="374151"/>
+                </a:solidFill>
+                <a:effectLst/>
+                <a:latin typeface="Söhne"/>
+              </a:rPr>
+              <a:t>So, always remember to include that final semicolon in your SQL statements to ensure they work as intended. It's like placing the finishing touch on your data query or manipulation.</a:t>
+            </a:r>
+          </a:p>
+          <a:p>
+            <a:endParaRPr lang="en-US" dirty="0"/>
+          </a:p>
+        </p:txBody>
+      </p:sp>
+      <p:sp>
+        <p:nvSpPr>
+          <p:cNvPr id="4" name="Slide Number Placeholder 3"/>
+          <p:cNvSpPr>
+            <a:spLocks noGrp="1"/>
+          </p:cNvSpPr>
+          <p:nvPr>
+            <p:ph type="sldNum" sz="quarter" idx="5"/>
+          </p:nvPr>
+        </p:nvSpPr>
+        <p:spPr/>
+        <p:txBody>
+          <a:bodyPr/>
+          <a:lstStyle/>
+          <a:p>
+            <a:pPr>
+              <a:defRPr/>
+            </a:pPr>
+            <a:fld id="{D0B7D74D-C969-4920-A7A6-E44C909EE3F2}" type="slidenum">
+              <a:rPr lang="en-US" smtClean="0"/>
+              <a:pPr>
+                <a:defRPr/>
+              </a:pPr>
+              <a:t>12</a:t>
+            </a:fld>
+            <a:endParaRPr lang="en-US" dirty="0"/>
+          </a:p>
+        </p:txBody>
+      </p:sp>
+    </p:spTree>
+    <p:extLst>
+      <p:ext uri="{BB962C8B-B14F-4D97-AF65-F5344CB8AC3E}">
+        <p14:creationId xmlns:p14="http://schemas.microsoft.com/office/powerpoint/2010/main" val="696477622"/>
+      </p:ext>
+    </p:extLst>
+  </p:cSld>
+  <p:clrMapOvr>
+    <a:masterClrMapping/>
+  </p:clrMapOvr>
+</p:notes>
+</file>
+
+<file path=ppt/notesSlides/notesSlide13.xml><?xml version="1.0" encoding="utf-8"?>
+<p:notes xmlns:a="http://schemas.openxmlformats.org/drawingml/2006/main" xmlns:r="http://schemas.openxmlformats.org/officeDocument/2006/relationships" xmlns:p="http://schemas.openxmlformats.org/presentationml/2006/main">
+  <p:cSld>
+    <p:spTree>
+      <p:nvGrpSpPr>
+        <p:cNvPr id="1" name=""/>
+        <p:cNvGrpSpPr/>
+        <p:nvPr/>
+      </p:nvGrpSpPr>
+      <p:grpSpPr>
+        <a:xfrm>
+          <a:off x="0" y="0"/>
+          <a:ext cx="0" cy="0"/>
+          <a:chOff x="0" y="0"/>
+          <a:chExt cx="0" cy="0"/>
+        </a:xfrm>
+      </p:grpSpPr>
+      <p:sp>
+        <p:nvSpPr>
+          <p:cNvPr id="2" name="Slide Image Placeholder 1"/>
+          <p:cNvSpPr>
+            <a:spLocks noGrp="1" noRot="1" noChangeAspect="1"/>
+          </p:cNvSpPr>
+          <p:nvPr>
+            <p:ph type="sldImg"/>
+          </p:nvPr>
+        </p:nvSpPr>
+        <p:spPr/>
+      </p:sp>
+      <p:sp>
+        <p:nvSpPr>
+          <p:cNvPr id="3" name="Notes Placeholder 2"/>
+          <p:cNvSpPr>
+            <a:spLocks noGrp="1"/>
+          </p:cNvSpPr>
+          <p:nvPr>
+            <p:ph type="body" idx="1"/>
+          </p:nvPr>
+        </p:nvSpPr>
+        <p:spPr/>
+        <p:txBody>
+          <a:bodyPr/>
+          <a:lstStyle/>
+          <a:p>
+            <a:r>
+              <a:rPr lang="en-US" dirty="0"/>
+              <a:t>Walk through each function</a:t>
+            </a:r>
+          </a:p>
+        </p:txBody>
+      </p:sp>
+      <p:sp>
+        <p:nvSpPr>
+          <p:cNvPr id="4" name="Slide Number Placeholder 3"/>
+          <p:cNvSpPr>
+            <a:spLocks noGrp="1"/>
+          </p:cNvSpPr>
+          <p:nvPr>
+            <p:ph type="sldNum" sz="quarter" idx="5"/>
+          </p:nvPr>
+        </p:nvSpPr>
+        <p:spPr/>
+        <p:txBody>
+          <a:bodyPr/>
+          <a:lstStyle/>
+          <a:p>
+            <a:pPr>
+              <a:defRPr/>
+            </a:pPr>
+            <a:fld id="{D0B7D74D-C969-4920-A7A6-E44C909EE3F2}" type="slidenum">
+              <a:rPr lang="en-US" smtClean="0"/>
+              <a:pPr>
+                <a:defRPr/>
+              </a:pPr>
+              <a:t>16</a:t>
+            </a:fld>
+            <a:endParaRPr lang="en-US" dirty="0"/>
+          </a:p>
+        </p:txBody>
+      </p:sp>
+    </p:spTree>
+    <p:extLst>
+      <p:ext uri="{BB962C8B-B14F-4D97-AF65-F5344CB8AC3E}">
+        <p14:creationId xmlns:p14="http://schemas.microsoft.com/office/powerpoint/2010/main" val="3313796763"/>
+      </p:ext>
+    </p:extLst>
+  </p:cSld>
+  <p:clrMapOvr>
+    <a:masterClrMapping/>
+  </p:clrMapOvr>
+</p:notes>
+</file>
+
+<file path=ppt/notesSlides/notesSlide14.xml><?xml version="1.0" encoding="utf-8"?>
+<p:notes xmlns:a="http://schemas.openxmlformats.org/drawingml/2006/main" xmlns:r="http://schemas.openxmlformats.org/officeDocument/2006/relationships" xmlns:p="http://schemas.openxmlformats.org/presentationml/2006/main">
+  <p:cSld>
+    <p:spTree>
+      <p:nvGrpSpPr>
+        <p:cNvPr id="1" name=""/>
+        <p:cNvGrpSpPr/>
+        <p:nvPr/>
+      </p:nvGrpSpPr>
+      <p:grpSpPr>
+        <a:xfrm>
+          <a:off x="0" y="0"/>
+          <a:ext cx="0" cy="0"/>
+          <a:chOff x="0" y="0"/>
+          <a:chExt cx="0" cy="0"/>
+        </a:xfrm>
+      </p:grpSpPr>
+      <p:sp>
+        <p:nvSpPr>
+          <p:cNvPr id="2" name="Slide Image Placeholder 1"/>
+          <p:cNvSpPr>
+            <a:spLocks noGrp="1" noRot="1" noChangeAspect="1"/>
+          </p:cNvSpPr>
+          <p:nvPr>
+            <p:ph type="sldImg"/>
+          </p:nvPr>
+        </p:nvSpPr>
+        <p:spPr/>
+      </p:sp>
+      <p:sp>
+        <p:nvSpPr>
+          <p:cNvPr id="3" name="Notes Placeholder 2"/>
+          <p:cNvSpPr>
+            <a:spLocks noGrp="1"/>
+          </p:cNvSpPr>
+          <p:nvPr>
+            <p:ph type="body" idx="1"/>
+          </p:nvPr>
+        </p:nvSpPr>
+        <p:spPr/>
+        <p:txBody>
+          <a:bodyPr/>
+          <a:lstStyle/>
+          <a:p>
+            <a:r>
+              <a:rPr lang="en-US" dirty="0"/>
+              <a:t>Answers are stored in the Exercise </a:t>
+            </a:r>
+            <a:r>
+              <a:rPr lang="en-US" dirty="0" err="1"/>
+              <a:t>Answers.sql</a:t>
+            </a:r>
+            <a:r>
+              <a:rPr lang="en-US" dirty="0"/>
+              <a:t> file</a:t>
+            </a:r>
+          </a:p>
+        </p:txBody>
+      </p:sp>
+      <p:sp>
+        <p:nvSpPr>
+          <p:cNvPr id="4" name="Slide Number Placeholder 3"/>
+          <p:cNvSpPr>
+            <a:spLocks noGrp="1"/>
+          </p:cNvSpPr>
+          <p:nvPr>
+            <p:ph type="sldNum" sz="quarter" idx="5"/>
+          </p:nvPr>
+        </p:nvSpPr>
+        <p:spPr/>
+        <p:txBody>
+          <a:bodyPr/>
+          <a:lstStyle/>
+          <a:p>
+            <a:pPr>
+              <a:defRPr/>
+            </a:pPr>
+            <a:fld id="{D0B7D74D-C969-4920-A7A6-E44C909EE3F2}" type="slidenum">
+              <a:rPr lang="en-US" smtClean="0"/>
+              <a:pPr>
+                <a:defRPr/>
+              </a:pPr>
+              <a:t>17</a:t>
+            </a:fld>
+            <a:endParaRPr lang="en-US" dirty="0"/>
+          </a:p>
+        </p:txBody>
+      </p:sp>
+    </p:spTree>
+    <p:extLst>
+      <p:ext uri="{BB962C8B-B14F-4D97-AF65-F5344CB8AC3E}">
+        <p14:creationId xmlns:p14="http://schemas.microsoft.com/office/powerpoint/2010/main" val="2239918596"/>
+      </p:ext>
+    </p:extLst>
+  </p:cSld>
+  <p:clrMapOvr>
+    <a:masterClrMapping/>
+  </p:clrMapOvr>
+</p:notes>
+</file>
+
 <file path=ppt/notesSlides/notesSlide2.xml><?xml version="1.0" encoding="utf-8"?>
 <p:notes xmlns:a="http://schemas.openxmlformats.org/drawingml/2006/main" xmlns:r="http://schemas.openxmlformats.org/officeDocument/2006/relationships" xmlns:p="http://schemas.openxmlformats.org/presentationml/2006/main">
   <p:cSld>
@@ -1195,29 +2159,90 @@
           <a:bodyPr/>
           <a:lstStyle/>
           <a:p>
-            <a:pPr lvl="1"/>
+            <a:pPr algn="l"/>
             <a:r>
               <a:rPr lang="en-US" b="0" i="0" dirty="0">
                 <a:solidFill>
-                  <a:srgbClr val="1C1917"/>
-                </a:solidFill>
-                <a:effectLst/>
-                <a:latin typeface="-apple-system"/>
-              </a:rPr>
-              <a:t>Wide range of applications - web/mobile apps, analytics, ETL, etc.</a:t>
-            </a:r>
-          </a:p>
-          <a:p>
-            <a:pPr lvl="1"/>
+                  <a:srgbClr val="374151"/>
+                </a:solidFill>
+                <a:effectLst/>
+                <a:latin typeface="Söhne"/>
+              </a:rPr>
+              <a:t>"Welcome everyone to today's lesson on SQL and SELECT queries. By the end of this lesson, you will have gained some fundamental knowledge about SQL and be able to perform basic queries using the SELECT statement. Let's dive right in!</a:t>
+            </a:r>
+          </a:p>
+          <a:p>
+            <a:pPr algn="l"/>
             <a:r>
               <a:rPr lang="en-US" b="0" i="0" dirty="0">
                 <a:solidFill>
-                  <a:srgbClr val="1C1917"/>
-                </a:solidFill>
-                <a:effectLst/>
-                <a:latin typeface="-apple-system"/>
-              </a:rPr>
-              <a:t>In-demand skill for jobs involving databases</a:t>
+                  <a:srgbClr val="374151"/>
+                </a:solidFill>
+                <a:effectLst/>
+                <a:latin typeface="Söhne"/>
+              </a:rPr>
+              <a:t>First, we'll start by defining three key terms:</a:t>
+            </a:r>
+          </a:p>
+          <a:p>
+            <a:pPr algn="l">
+              <a:buFont typeface="+mj-lt"/>
+              <a:buAutoNum type="arabicPeriod"/>
+            </a:pPr>
+            <a:r>
+              <a:rPr lang="en-US" b="0" i="0" dirty="0">
+                <a:solidFill>
+                  <a:srgbClr val="374151"/>
+                </a:solidFill>
+                <a:effectLst/>
+                <a:latin typeface="Söhne"/>
+              </a:rPr>
+              <a:t>SQL, which stands for Structured Query Language, is a powerful programming language specifically designed for managing and manipulating relational databases. It provides a standardized way to interact with databases.</a:t>
+            </a:r>
+          </a:p>
+          <a:p>
+            <a:pPr algn="l">
+              <a:buFont typeface="+mj-lt"/>
+              <a:buAutoNum type="arabicPeriod"/>
+            </a:pPr>
+            <a:r>
+              <a:rPr lang="en-US" b="0" i="0" dirty="0">
+                <a:solidFill>
+                  <a:srgbClr val="374151"/>
+                </a:solidFill>
+                <a:effectLst/>
+                <a:latin typeface="Söhne"/>
+              </a:rPr>
+              <a:t>A statement in SQL refers to a single instruction or command that performs a specific action within the database. SQL offers various types of statements, and today, we'll focus on the SELECT statement.</a:t>
+            </a:r>
+          </a:p>
+          <a:p>
+            <a:pPr algn="l">
+              <a:buFont typeface="+mj-lt"/>
+              <a:buAutoNum type="arabicPeriod"/>
+            </a:pPr>
+            <a:r>
+              <a:rPr lang="en-US" b="0" i="0" dirty="0">
+                <a:solidFill>
+                  <a:srgbClr val="374151"/>
+                </a:solidFill>
+                <a:effectLst/>
+                <a:latin typeface="Söhne"/>
+              </a:rPr>
+              <a:t>Lastly, a query is a specific request for data from a database. It's essentially a question you pose to the database, asking for specific information. We'll learn how to construct queries using the SELECT statement in this session.</a:t>
+            </a:r>
+          </a:p>
+          <a:p>
+            <a:pPr algn="l"/>
+            <a:r>
+              <a:rPr lang="en-US" b="0" i="0" dirty="0">
+                <a:solidFill>
+                  <a:srgbClr val="374151"/>
+                </a:solidFill>
+                <a:effectLst/>
+                <a:latin typeface="Söhne"/>
+              </a:rPr>
+              <a:t>So, by the end of this lesson, you'll not only have a clear understanding of these fundamental terms but also be able to utilize the SELECT statement to extract data from a database table. Let's get started!"</a:t>
             </a:r>
           </a:p>
           <a:p>
@@ -1248,7 +2273,7 @@
               <a:pPr>
                 <a:defRPr/>
               </a:pPr>
-              <a:t>3</a:t>
+              <a:t>2</a:t>
             </a:fld>
             <a:endParaRPr lang="en-US" dirty="0"/>
           </a:p>
@@ -1257,7 +2282,7 @@
     </p:spTree>
     <p:extLst>
       <p:ext uri="{BB962C8B-B14F-4D97-AF65-F5344CB8AC3E}">
-        <p14:creationId xmlns:p14="http://schemas.microsoft.com/office/powerpoint/2010/main" val="1163611752"/>
+        <p14:creationId xmlns:p14="http://schemas.microsoft.com/office/powerpoint/2010/main" val="3665484302"/>
       </p:ext>
     </p:extLst>
   </p:cSld>
@@ -1311,10 +2336,206 @@
           <a:bodyPr/>
           <a:lstStyle/>
           <a:p>
-            <a:r>
-              <a:rPr lang="en-US" dirty="0"/>
-              <a:t>Walk through each function</a:t>
-            </a:r>
+            <a:pPr algn="l"/>
+            <a:r>
+              <a:rPr lang="en-US" b="0" i="0" dirty="0">
+                <a:solidFill>
+                  <a:srgbClr val="374151"/>
+                </a:solidFill>
+                <a:effectLst/>
+                <a:latin typeface="Söhne"/>
+              </a:rPr>
+              <a:t>Speaker Notes:</a:t>
+            </a:r>
+          </a:p>
+          <a:p>
+            <a:pPr algn="l"/>
+            <a:r>
+              <a:rPr lang="en-US" b="0" i="0" dirty="0">
+                <a:solidFill>
+                  <a:srgbClr val="374151"/>
+                </a:solidFill>
+                <a:effectLst/>
+                <a:latin typeface="Söhne"/>
+              </a:rPr>
+              <a:t>Welcome to our introduction to SQL, the language that forms the bedrock of modern database management. Let's explore why SQL is so important for anyone diving into the world of data and databases.</a:t>
+            </a:r>
+          </a:p>
+          <a:p>
+            <a:pPr algn="l"/>
+            <a:r>
+              <a:rPr lang="en-US" b="1" i="0" dirty="0">
+                <a:solidFill>
+                  <a:srgbClr val="374151"/>
+                </a:solidFill>
+                <a:effectLst/>
+                <a:latin typeface="Söhne"/>
+              </a:rPr>
+              <a:t>SQL: The Cornerstone:</a:t>
+            </a:r>
+            <a:endParaRPr lang="en-US" b="0" i="0" dirty="0">
+              <a:solidFill>
+                <a:srgbClr val="374151"/>
+              </a:solidFill>
+              <a:effectLst/>
+              <a:latin typeface="Söhne"/>
+            </a:endParaRPr>
+          </a:p>
+          <a:p>
+            <a:pPr algn="l">
+              <a:buFont typeface="Arial" panose="020B0604020202020204" pitchFamily="34" charset="0"/>
+              <a:buChar char="•"/>
+            </a:pPr>
+            <a:r>
+              <a:rPr lang="en-US" b="0" i="0" dirty="0">
+                <a:solidFill>
+                  <a:srgbClr val="374151"/>
+                </a:solidFill>
+                <a:effectLst/>
+                <a:latin typeface="Söhne"/>
+              </a:rPr>
+              <a:t>SQL, which stands for Structured Query Language, is like the foundation of a strong building. It's what makes modern database management possible.</a:t>
+            </a:r>
+          </a:p>
+          <a:p>
+            <a:pPr algn="l"/>
+            <a:r>
+              <a:rPr lang="en-US" b="1" i="0" dirty="0">
+                <a:solidFill>
+                  <a:srgbClr val="374151"/>
+                </a:solidFill>
+                <a:effectLst/>
+                <a:latin typeface="Söhne"/>
+              </a:rPr>
+              <a:t>Universal Data Language:</a:t>
+            </a:r>
+            <a:endParaRPr lang="en-US" b="0" i="0" dirty="0">
+              <a:solidFill>
+                <a:srgbClr val="374151"/>
+              </a:solidFill>
+              <a:effectLst/>
+              <a:latin typeface="Söhne"/>
+            </a:endParaRPr>
+          </a:p>
+          <a:p>
+            <a:pPr algn="l">
+              <a:buFont typeface="Arial" panose="020B0604020202020204" pitchFamily="34" charset="0"/>
+              <a:buChar char="•"/>
+            </a:pPr>
+            <a:r>
+              <a:rPr lang="en-US" b="0" i="0" dirty="0">
+                <a:solidFill>
+                  <a:srgbClr val="374151"/>
+                </a:solidFill>
+                <a:effectLst/>
+                <a:latin typeface="Söhne"/>
+              </a:rPr>
+              <a:t>Think of SQL as a universal language for managing and working with data in databases. Whether you're dealing with customer information, inventory records, or any other data, SQL is your go-to tool.</a:t>
+            </a:r>
+          </a:p>
+          <a:p>
+            <a:pPr algn="l"/>
+            <a:r>
+              <a:rPr lang="en-US" b="1" i="0" dirty="0">
+                <a:solidFill>
+                  <a:srgbClr val="374151"/>
+                </a:solidFill>
+                <a:effectLst/>
+                <a:latin typeface="Söhne"/>
+              </a:rPr>
+              <a:t>Compatible with Popular Systems:</a:t>
+            </a:r>
+            <a:endParaRPr lang="en-US" b="0" i="0" dirty="0">
+              <a:solidFill>
+                <a:srgbClr val="374151"/>
+              </a:solidFill>
+              <a:effectLst/>
+              <a:latin typeface="Söhne"/>
+            </a:endParaRPr>
+          </a:p>
+          <a:p>
+            <a:pPr algn="l">
+              <a:buFont typeface="Arial" panose="020B0604020202020204" pitchFamily="34" charset="0"/>
+              <a:buChar char="•"/>
+            </a:pPr>
+            <a:r>
+              <a:rPr lang="en-US" b="0" i="0" dirty="0">
+                <a:solidFill>
+                  <a:srgbClr val="374151"/>
+                </a:solidFill>
+                <a:effectLst/>
+                <a:latin typeface="Söhne"/>
+              </a:rPr>
+              <a:t>SQL is versatile. It can seamlessly work with widely-used database systems like Oracle, MySQL, SQL Server, and more. This means your SQL skills are transferable and valuable across different database platforms.</a:t>
+            </a:r>
+          </a:p>
+          <a:p>
+            <a:pPr algn="l"/>
+            <a:r>
+              <a:rPr lang="en-US" b="1" i="0" dirty="0">
+                <a:solidFill>
+                  <a:srgbClr val="374151"/>
+                </a:solidFill>
+                <a:effectLst/>
+                <a:latin typeface="Söhne"/>
+              </a:rPr>
+              <a:t>Declarative and User-Friendly:</a:t>
+            </a:r>
+            <a:endParaRPr lang="en-US" b="0" i="0" dirty="0">
+              <a:solidFill>
+                <a:srgbClr val="374151"/>
+              </a:solidFill>
+              <a:effectLst/>
+              <a:latin typeface="Söhne"/>
+            </a:endParaRPr>
+          </a:p>
+          <a:p>
+            <a:pPr algn="l">
+              <a:buFont typeface="Arial" panose="020B0604020202020204" pitchFamily="34" charset="0"/>
+              <a:buChar char="•"/>
+            </a:pPr>
+            <a:r>
+              <a:rPr lang="en-US" b="0" i="0" dirty="0">
+                <a:solidFill>
+                  <a:srgbClr val="374151"/>
+                </a:solidFill>
+                <a:effectLst/>
+                <a:latin typeface="Söhne"/>
+              </a:rPr>
+              <a:t>One of SQL's standout features is its declarative nature. You don't need to worry about how to retrieve data; you simply specify what you want, and SQL takes care of the rest. It's like telling someone what you want to eat at a restaurant without needing to know how to cook it.</a:t>
+            </a:r>
+          </a:p>
+          <a:p>
+            <a:pPr algn="l">
+              <a:buFont typeface="Arial" panose="020B0604020202020204" pitchFamily="34" charset="0"/>
+              <a:buChar char="•"/>
+            </a:pPr>
+            <a:r>
+              <a:rPr lang="en-US" b="0" i="0" dirty="0">
+                <a:solidFill>
+                  <a:srgbClr val="374151"/>
+                </a:solidFill>
+                <a:effectLst/>
+                <a:latin typeface="Söhne"/>
+              </a:rPr>
+              <a:t>SQL's user-friendly, English-like syntax further simplifies your journey. Even if you're not a tech expert, SQL is designed to be accessible and easy to learn.</a:t>
+            </a:r>
+          </a:p>
+          <a:p>
+            <a:pPr algn="l"/>
+            <a:r>
+              <a:rPr lang="en-US" b="0" i="0" dirty="0">
+                <a:solidFill>
+                  <a:srgbClr val="374151"/>
+                </a:solidFill>
+                <a:effectLst/>
+                <a:latin typeface="Söhne"/>
+              </a:rPr>
+              <a:t>In summary, SQL is your key to efficiently manage and work with data, no matter where your career takes you. It's versatile, user-friendly, and empowers you to make the most of data in a digital age. Let's dive deeper into SQL and explore its practical applications!</a:t>
+            </a:r>
+          </a:p>
+          <a:p>
+            <a:endParaRPr lang="en-US" dirty="0"/>
           </a:p>
         </p:txBody>
       </p:sp>
@@ -1341,7 +2562,7 @@
               <a:pPr>
                 <a:defRPr/>
               </a:pPr>
-              <a:t>14</a:t>
+              <a:t>3</a:t>
             </a:fld>
             <a:endParaRPr lang="en-US" dirty="0"/>
           </a:p>
@@ -1350,7 +2571,7 @@
     </p:spTree>
     <p:extLst>
       <p:ext uri="{BB962C8B-B14F-4D97-AF65-F5344CB8AC3E}">
-        <p14:creationId xmlns:p14="http://schemas.microsoft.com/office/powerpoint/2010/main" val="3313796763"/>
+        <p14:creationId xmlns:p14="http://schemas.microsoft.com/office/powerpoint/2010/main" val="1163611752"/>
       </p:ext>
     </p:extLst>
   </p:cSld>
@@ -1404,18 +2625,190 @@
           <a:bodyPr/>
           <a:lstStyle/>
           <a:p>
-            <a:r>
-              <a:rPr lang="en-US" dirty="0"/>
-              <a:t>Answers are stored in the Exercise </a:t>
-            </a:r>
-            <a:r>
-              <a:rPr lang="en-US" dirty="0" err="1"/>
-              <a:t>Answers.sql</a:t>
-            </a:r>
-            <a:r>
-              <a:rPr lang="en-US" dirty="0"/>
-              <a:t> file</a:t>
-            </a:r>
+            <a:pPr algn="l"/>
+            <a:r>
+              <a:rPr lang="en-US" b="0" i="0" dirty="0">
+                <a:solidFill>
+                  <a:srgbClr val="374151"/>
+                </a:solidFill>
+                <a:effectLst/>
+                <a:latin typeface="Söhne"/>
+              </a:rPr>
+              <a:t>Speaker Notes:</a:t>
+            </a:r>
+          </a:p>
+          <a:p>
+            <a:pPr algn="l"/>
+            <a:r>
+              <a:rPr lang="en-US" b="0" i="0" dirty="0">
+                <a:solidFill>
+                  <a:srgbClr val="374151"/>
+                </a:solidFill>
+                <a:effectLst/>
+                <a:latin typeface="Söhne"/>
+              </a:rPr>
+              <a:t>Today, we're going to explore the pivotal role that SQL plays in various technology careers, especially for those new to the world of data and analytics.</a:t>
+            </a:r>
+          </a:p>
+          <a:p>
+            <a:pPr algn="l"/>
+            <a:r>
+              <a:rPr lang="en-US" b="1" i="0" dirty="0">
+                <a:solidFill>
+                  <a:srgbClr val="374151"/>
+                </a:solidFill>
+                <a:effectLst/>
+                <a:latin typeface="Söhne"/>
+              </a:rPr>
+              <a:t>SQL: Essential for Technology Roles:</a:t>
+            </a:r>
+            <a:endParaRPr lang="en-US" b="0" i="0" dirty="0">
+              <a:solidFill>
+                <a:srgbClr val="374151"/>
+              </a:solidFill>
+              <a:effectLst/>
+              <a:latin typeface="Söhne"/>
+            </a:endParaRPr>
+          </a:p>
+          <a:p>
+            <a:pPr algn="l">
+              <a:buFont typeface="Arial" panose="020B0604020202020204" pitchFamily="34" charset="0"/>
+              <a:buChar char="•"/>
+            </a:pPr>
+            <a:r>
+              <a:rPr lang="en-US" b="0" i="0" dirty="0">
+                <a:solidFill>
+                  <a:srgbClr val="374151"/>
+                </a:solidFill>
+                <a:effectLst/>
+                <a:latin typeface="Söhne"/>
+              </a:rPr>
+              <a:t>SQL isn't just a niche skill; it's an indispensable tool for a broad spectrum of technology roles. Whether you're aiming to become a Database Administrator, Data Analyst, Data Engineer, or an Application Developer, SQL is a fundamental skill that will be at the heart of your daily work.</a:t>
+            </a:r>
+          </a:p>
+          <a:p>
+            <a:pPr algn="l"/>
+            <a:r>
+              <a:rPr lang="en-US" b="1" i="0" dirty="0">
+                <a:solidFill>
+                  <a:srgbClr val="374151"/>
+                </a:solidFill>
+                <a:effectLst/>
+                <a:latin typeface="Söhne"/>
+              </a:rPr>
+              <a:t>Empowering Data Interaction:</a:t>
+            </a:r>
+            <a:endParaRPr lang="en-US" b="0" i="0" dirty="0">
+              <a:solidFill>
+                <a:srgbClr val="374151"/>
+              </a:solidFill>
+              <a:effectLst/>
+              <a:latin typeface="Söhne"/>
+            </a:endParaRPr>
+          </a:p>
+          <a:p>
+            <a:pPr algn="l">
+              <a:buFont typeface="Arial" panose="020B0604020202020204" pitchFamily="34" charset="0"/>
+              <a:buChar char="•"/>
+            </a:pPr>
+            <a:r>
+              <a:rPr lang="en-US" b="0" i="0" dirty="0">
+                <a:solidFill>
+                  <a:srgbClr val="374151"/>
+                </a:solidFill>
+                <a:effectLst/>
+                <a:latin typeface="Söhne"/>
+              </a:rPr>
+              <a:t>Mastering SQL empowers you to confidently engage with data-driven systems. It's like having a set of keys that unlocks the doors to valuable insights and decision-making.</a:t>
+            </a:r>
+          </a:p>
+          <a:p>
+            <a:pPr algn="l"/>
+            <a:r>
+              <a:rPr lang="en-US" b="1" i="0" dirty="0">
+                <a:solidFill>
+                  <a:srgbClr val="374151"/>
+                </a:solidFill>
+                <a:effectLst/>
+                <a:latin typeface="Söhne"/>
+              </a:rPr>
+              <a:t>Opening Doors to Career Opportunities:</a:t>
+            </a:r>
+            <a:endParaRPr lang="en-US" b="0" i="0" dirty="0">
+              <a:solidFill>
+                <a:srgbClr val="374151"/>
+              </a:solidFill>
+              <a:effectLst/>
+              <a:latin typeface="Söhne"/>
+            </a:endParaRPr>
+          </a:p>
+          <a:p>
+            <a:pPr algn="l">
+              <a:buFont typeface="Arial" panose="020B0604020202020204" pitchFamily="34" charset="0"/>
+              <a:buChar char="•"/>
+            </a:pPr>
+            <a:r>
+              <a:rPr lang="en-US" b="0" i="0" dirty="0">
+                <a:solidFill>
+                  <a:srgbClr val="374151"/>
+                </a:solidFill>
+                <a:effectLst/>
+                <a:latin typeface="Söhne"/>
+              </a:rPr>
+              <a:t>SQL proficiency isn't just limited to a single industry; it transcends boundaries. It opens doors to career opportunities in various sectors that heavily rely on databases, from finance to healthcare, e-commerce to education.</a:t>
+            </a:r>
+          </a:p>
+          <a:p>
+            <a:pPr algn="l"/>
+            <a:r>
+              <a:rPr lang="en-US" b="1" i="0" dirty="0">
+                <a:solidFill>
+                  <a:srgbClr val="374151"/>
+                </a:solidFill>
+                <a:effectLst/>
+                <a:latin typeface="Söhne"/>
+              </a:rPr>
+              <a:t>Enhancing Your Skill Set:</a:t>
+            </a:r>
+            <a:endParaRPr lang="en-US" b="0" i="0" dirty="0">
+              <a:solidFill>
+                <a:srgbClr val="374151"/>
+              </a:solidFill>
+              <a:effectLst/>
+              <a:latin typeface="Söhne"/>
+            </a:endParaRPr>
+          </a:p>
+          <a:p>
+            <a:pPr algn="l">
+              <a:buFont typeface="Arial" panose="020B0604020202020204" pitchFamily="34" charset="0"/>
+              <a:buChar char="•"/>
+            </a:pPr>
+            <a:r>
+              <a:rPr lang="en-US" b="0" i="0" dirty="0">
+                <a:solidFill>
+                  <a:srgbClr val="374151"/>
+                </a:solidFill>
+                <a:effectLst/>
+                <a:latin typeface="Söhne"/>
+              </a:rPr>
+              <a:t>Think of SQL as a valuable upgrade to your technical skill set. It's not just about landing new roles; it's about excelling in your current position by harnessing the power of data.</a:t>
+            </a:r>
+          </a:p>
+          <a:p>
+            <a:pPr algn="l"/>
+            <a:r>
+              <a:rPr lang="en-US" b="0" i="0" dirty="0">
+                <a:solidFill>
+                  <a:srgbClr val="374151"/>
+                </a:solidFill>
+                <a:effectLst/>
+                <a:latin typeface="Söhne"/>
+              </a:rPr>
+              <a:t>So, as you embark on your journey into the world of data and technology, keep in mind that SQL is your passport to countless possibilities. It's a versatile skill that will help you thrive in a data-driven world and enhance your career prospects. Let's continue this exciting journey!</a:t>
+            </a:r>
+          </a:p>
+          <a:p>
+            <a:endParaRPr lang="en-US" dirty="0"/>
           </a:p>
         </p:txBody>
       </p:sp>
@@ -1442,7 +2835,7 @@
               <a:pPr>
                 <a:defRPr/>
               </a:pPr>
-              <a:t>15</a:t>
+              <a:t>4</a:t>
             </a:fld>
             <a:endParaRPr lang="en-US" dirty="0"/>
           </a:p>
@@ -1451,7 +2844,1465 @@
     </p:spTree>
     <p:extLst>
       <p:ext uri="{BB962C8B-B14F-4D97-AF65-F5344CB8AC3E}">
-        <p14:creationId xmlns:p14="http://schemas.microsoft.com/office/powerpoint/2010/main" val="2239918596"/>
+        <p14:creationId xmlns:p14="http://schemas.microsoft.com/office/powerpoint/2010/main" val="889118719"/>
+      </p:ext>
+    </p:extLst>
+  </p:cSld>
+  <p:clrMapOvr>
+    <a:masterClrMapping/>
+  </p:clrMapOvr>
+</p:notes>
+</file>
+
+<file path=ppt/notesSlides/notesSlide5.xml><?xml version="1.0" encoding="utf-8"?>
+<p:notes xmlns:a="http://schemas.openxmlformats.org/drawingml/2006/main" xmlns:r="http://schemas.openxmlformats.org/officeDocument/2006/relationships" xmlns:p="http://schemas.openxmlformats.org/presentationml/2006/main">
+  <p:cSld>
+    <p:spTree>
+      <p:nvGrpSpPr>
+        <p:cNvPr id="1" name="">
+          <a:extLst>
+            <a:ext uri="{FF2B5EF4-FFF2-40B4-BE49-F238E27FC236}">
+              <a16:creationId xmlns:a16="http://schemas.microsoft.com/office/drawing/2014/main" id="{9432FDFA-6EA2-1C48-BFFB-1B80DEB17F42}"/>
+            </a:ext>
+          </a:extLst>
+        </p:cNvPr>
+        <p:cNvGrpSpPr/>
+        <p:nvPr/>
+      </p:nvGrpSpPr>
+      <p:grpSpPr>
+        <a:xfrm>
+          <a:off x="0" y="0"/>
+          <a:ext cx="0" cy="0"/>
+          <a:chOff x="0" y="0"/>
+          <a:chExt cx="0" cy="0"/>
+        </a:xfrm>
+      </p:grpSpPr>
+      <p:sp>
+        <p:nvSpPr>
+          <p:cNvPr id="2" name="Slide Image Placeholder 1">
+            <a:extLst>
+              <a:ext uri="{FF2B5EF4-FFF2-40B4-BE49-F238E27FC236}">
+                <a16:creationId xmlns:a16="http://schemas.microsoft.com/office/drawing/2014/main" id="{44612E13-23C0-0530-9FFB-88F302759093}"/>
+              </a:ext>
+            </a:extLst>
+          </p:cNvPr>
+          <p:cNvSpPr>
+            <a:spLocks noGrp="1" noRot="1" noChangeAspect="1"/>
+          </p:cNvSpPr>
+          <p:nvPr>
+            <p:ph type="sldImg"/>
+          </p:nvPr>
+        </p:nvSpPr>
+        <p:spPr/>
+      </p:sp>
+      <p:sp>
+        <p:nvSpPr>
+          <p:cNvPr id="3" name="Notes Placeholder 2">
+            <a:extLst>
+              <a:ext uri="{FF2B5EF4-FFF2-40B4-BE49-F238E27FC236}">
+                <a16:creationId xmlns:a16="http://schemas.microsoft.com/office/drawing/2014/main" id="{E5DE3EB0-F54B-F229-4115-6663B0F66373}"/>
+              </a:ext>
+            </a:extLst>
+          </p:cNvPr>
+          <p:cNvSpPr>
+            <a:spLocks noGrp="1"/>
+          </p:cNvSpPr>
+          <p:nvPr>
+            <p:ph type="body" idx="1"/>
+          </p:nvPr>
+        </p:nvSpPr>
+        <p:spPr/>
+        <p:txBody>
+          <a:bodyPr/>
+          <a:lstStyle/>
+          <a:p>
+            <a:pPr algn="l"/>
+            <a:r>
+              <a:rPr lang="en-US" b="0" i="0" dirty="0">
+                <a:solidFill>
+                  <a:srgbClr val="374151"/>
+                </a:solidFill>
+                <a:effectLst/>
+                <a:latin typeface="Söhne"/>
+              </a:rPr>
+              <a:t>Speaker Notes:</a:t>
+            </a:r>
+          </a:p>
+          <a:p>
+            <a:pPr algn="l"/>
+            <a:r>
+              <a:rPr lang="en-US" b="0" i="0" dirty="0">
+                <a:solidFill>
+                  <a:srgbClr val="374151"/>
+                </a:solidFill>
+                <a:effectLst/>
+                <a:latin typeface="Söhne"/>
+              </a:rPr>
+              <a:t>Let's dive deeper into the concept of a query in the context of databases and SQL.</a:t>
+            </a:r>
+          </a:p>
+          <a:p>
+            <a:pPr algn="l"/>
+            <a:r>
+              <a:rPr lang="en-US" b="1" i="0" dirty="0">
+                <a:solidFill>
+                  <a:srgbClr val="374151"/>
+                </a:solidFill>
+                <a:effectLst/>
+                <a:latin typeface="Söhne"/>
+              </a:rPr>
+              <a:t>What is a Query?</a:t>
+            </a:r>
+            <a:endParaRPr lang="en-US" b="0" i="0" dirty="0">
+              <a:solidFill>
+                <a:srgbClr val="374151"/>
+              </a:solidFill>
+              <a:effectLst/>
+              <a:latin typeface="Söhne"/>
+            </a:endParaRPr>
+          </a:p>
+          <a:p>
+            <a:pPr algn="l">
+              <a:buFont typeface="Arial" panose="020B0604020202020204" pitchFamily="34" charset="0"/>
+              <a:buChar char="•"/>
+            </a:pPr>
+            <a:r>
+              <a:rPr lang="en-US" b="0" i="0" dirty="0">
+                <a:solidFill>
+                  <a:srgbClr val="374151"/>
+                </a:solidFill>
+                <a:effectLst/>
+                <a:latin typeface="Söhne"/>
+              </a:rPr>
+              <a:t>At its core, a query is a specific request for data from a database. Think of it as your way of asking the database to provide you with specific information.</a:t>
+            </a:r>
+          </a:p>
+          <a:p>
+            <a:pPr algn="l"/>
+            <a:r>
+              <a:rPr lang="en-US" b="1" i="0" dirty="0">
+                <a:solidFill>
+                  <a:srgbClr val="374151"/>
+                </a:solidFill>
+                <a:effectLst/>
+                <a:latin typeface="Söhne"/>
+              </a:rPr>
+              <a:t>A Type of SQL Statement:</a:t>
+            </a:r>
+            <a:endParaRPr lang="en-US" b="0" i="0" dirty="0">
+              <a:solidFill>
+                <a:srgbClr val="374151"/>
+              </a:solidFill>
+              <a:effectLst/>
+              <a:latin typeface="Söhne"/>
+            </a:endParaRPr>
+          </a:p>
+          <a:p>
+            <a:pPr algn="l">
+              <a:buFont typeface="Arial" panose="020B0604020202020204" pitchFamily="34" charset="0"/>
+              <a:buChar char="•"/>
+            </a:pPr>
+            <a:r>
+              <a:rPr lang="en-US" b="0" i="0" dirty="0">
+                <a:solidFill>
+                  <a:srgbClr val="374151"/>
+                </a:solidFill>
+                <a:effectLst/>
+                <a:latin typeface="Söhne"/>
+              </a:rPr>
+              <a:t>In the world of SQL, a query is a type of SQL statement. Its primary purpose is to retrieve information from one or more tables within the database.</a:t>
+            </a:r>
+          </a:p>
+          <a:p>
+            <a:pPr algn="l"/>
+            <a:r>
+              <a:rPr lang="en-US" b="1" i="0" dirty="0">
+                <a:solidFill>
+                  <a:srgbClr val="374151"/>
+                </a:solidFill>
+                <a:effectLst/>
+                <a:latin typeface="Söhne"/>
+              </a:rPr>
+              <a:t>Interacting with Databases:</a:t>
+            </a:r>
+            <a:endParaRPr lang="en-US" b="0" i="0" dirty="0">
+              <a:solidFill>
+                <a:srgbClr val="374151"/>
+              </a:solidFill>
+              <a:effectLst/>
+              <a:latin typeface="Söhne"/>
+            </a:endParaRPr>
+          </a:p>
+          <a:p>
+            <a:pPr algn="l">
+              <a:buFont typeface="Arial" panose="020B0604020202020204" pitchFamily="34" charset="0"/>
+              <a:buChar char="•"/>
+            </a:pPr>
+            <a:r>
+              <a:rPr lang="en-US" b="0" i="0" dirty="0">
+                <a:solidFill>
+                  <a:srgbClr val="374151"/>
+                </a:solidFill>
+                <a:effectLst/>
+                <a:latin typeface="Söhne"/>
+              </a:rPr>
+              <a:t>Queries are a fundamental tool for interacting with databases. They enable you to extract meaningful insights from the data stored within the database.</a:t>
+            </a:r>
+          </a:p>
+          <a:p>
+            <a:pPr algn="l"/>
+            <a:r>
+              <a:rPr lang="en-US" b="1" i="0" dirty="0">
+                <a:solidFill>
+                  <a:srgbClr val="374151"/>
+                </a:solidFill>
+                <a:effectLst/>
+                <a:latin typeface="Söhne"/>
+              </a:rPr>
+              <a:t>Simple to Complex:</a:t>
+            </a:r>
+            <a:endParaRPr lang="en-US" b="0" i="0" dirty="0">
+              <a:solidFill>
+                <a:srgbClr val="374151"/>
+              </a:solidFill>
+              <a:effectLst/>
+              <a:latin typeface="Söhne"/>
+            </a:endParaRPr>
+          </a:p>
+          <a:p>
+            <a:pPr algn="l">
+              <a:buFont typeface="Arial" panose="020B0604020202020204" pitchFamily="34" charset="0"/>
+              <a:buChar char="•"/>
+            </a:pPr>
+            <a:r>
+              <a:rPr lang="en-US" b="0" i="0" dirty="0">
+                <a:solidFill>
+                  <a:srgbClr val="374151"/>
+                </a:solidFill>
+                <a:effectLst/>
+                <a:latin typeface="Söhne"/>
+              </a:rPr>
+              <a:t>SQL queries can range from simple to highly complex. A simple query might retrieve individual records, while a complex one could involve multiple tables, advanced filtering criteria, and calculations.</a:t>
+            </a:r>
+          </a:p>
+          <a:p>
+            <a:pPr algn="l"/>
+            <a:r>
+              <a:rPr lang="en-US" b="1" i="0" dirty="0">
+                <a:solidFill>
+                  <a:srgbClr val="374151"/>
+                </a:solidFill>
+                <a:effectLst/>
+                <a:latin typeface="Söhne"/>
+              </a:rPr>
+              <a:t>Structured Results:</a:t>
+            </a:r>
+            <a:endParaRPr lang="en-US" b="0" i="0" dirty="0">
+              <a:solidFill>
+                <a:srgbClr val="374151"/>
+              </a:solidFill>
+              <a:effectLst/>
+              <a:latin typeface="Söhne"/>
+            </a:endParaRPr>
+          </a:p>
+          <a:p>
+            <a:pPr algn="l">
+              <a:buFont typeface="Arial" panose="020B0604020202020204" pitchFamily="34" charset="0"/>
+              <a:buChar char="•"/>
+            </a:pPr>
+            <a:r>
+              <a:rPr lang="en-US" b="0" i="0" dirty="0">
+                <a:solidFill>
+                  <a:srgbClr val="374151"/>
+                </a:solidFill>
+                <a:effectLst/>
+                <a:latin typeface="Söhne"/>
+              </a:rPr>
+              <a:t>The results of a query are presented in a structured format, making it easy to analyze and work with the retrieved data. This structure allows you to make informed decisions and gain valuable insights.</a:t>
+            </a:r>
+          </a:p>
+          <a:p>
+            <a:pPr algn="l"/>
+            <a:r>
+              <a:rPr lang="en-US" b="0" i="0" dirty="0">
+                <a:solidFill>
+                  <a:srgbClr val="374151"/>
+                </a:solidFill>
+                <a:effectLst/>
+                <a:latin typeface="Söhne"/>
+              </a:rPr>
+              <a:t>In summary, a query is your means of communicating with a database to access and retrieve the specific data you need. Whether you're looking for basic information or conducting in-depth analysis, SQL queries are your pathway to harnessing the power of data.</a:t>
+            </a:r>
+          </a:p>
+          <a:p>
+            <a:endParaRPr lang="en-US" dirty="0"/>
+          </a:p>
+        </p:txBody>
+      </p:sp>
+      <p:sp>
+        <p:nvSpPr>
+          <p:cNvPr id="4" name="Slide Number Placeholder 3">
+            <a:extLst>
+              <a:ext uri="{FF2B5EF4-FFF2-40B4-BE49-F238E27FC236}">
+                <a16:creationId xmlns:a16="http://schemas.microsoft.com/office/drawing/2014/main" id="{D187747D-F5EC-D76F-9582-1EE82DC00C56}"/>
+              </a:ext>
+            </a:extLst>
+          </p:cNvPr>
+          <p:cNvSpPr>
+            <a:spLocks noGrp="1"/>
+          </p:cNvSpPr>
+          <p:nvPr>
+            <p:ph type="sldNum" sz="quarter" idx="5"/>
+          </p:nvPr>
+        </p:nvSpPr>
+        <p:spPr/>
+        <p:txBody>
+          <a:bodyPr/>
+          <a:lstStyle/>
+          <a:p>
+            <a:pPr>
+              <a:defRPr/>
+            </a:pPr>
+            <a:fld id="{D0B7D74D-C969-4920-A7A6-E44C909EE3F2}" type="slidenum">
+              <a:rPr lang="en-US" smtClean="0"/>
+              <a:pPr>
+                <a:defRPr/>
+              </a:pPr>
+              <a:t>5</a:t>
+            </a:fld>
+            <a:endParaRPr lang="en-US" dirty="0"/>
+          </a:p>
+        </p:txBody>
+      </p:sp>
+    </p:spTree>
+    <p:extLst>
+      <p:ext uri="{BB962C8B-B14F-4D97-AF65-F5344CB8AC3E}">
+        <p14:creationId xmlns:p14="http://schemas.microsoft.com/office/powerpoint/2010/main" val="4172080329"/>
+      </p:ext>
+    </p:extLst>
+  </p:cSld>
+  <p:clrMapOvr>
+    <a:masterClrMapping/>
+  </p:clrMapOvr>
+</p:notes>
+</file>
+
+<file path=ppt/notesSlides/notesSlide6.xml><?xml version="1.0" encoding="utf-8"?>
+<p:notes xmlns:a="http://schemas.openxmlformats.org/drawingml/2006/main" xmlns:r="http://schemas.openxmlformats.org/officeDocument/2006/relationships" xmlns:p="http://schemas.openxmlformats.org/presentationml/2006/main">
+  <p:cSld>
+    <p:spTree>
+      <p:nvGrpSpPr>
+        <p:cNvPr id="1" name="">
+          <a:extLst>
+            <a:ext uri="{FF2B5EF4-FFF2-40B4-BE49-F238E27FC236}">
+              <a16:creationId xmlns:a16="http://schemas.microsoft.com/office/drawing/2014/main" id="{F2D52248-0C81-539E-798F-F1B149B380DD}"/>
+            </a:ext>
+          </a:extLst>
+        </p:cNvPr>
+        <p:cNvGrpSpPr/>
+        <p:nvPr/>
+      </p:nvGrpSpPr>
+      <p:grpSpPr>
+        <a:xfrm>
+          <a:off x="0" y="0"/>
+          <a:ext cx="0" cy="0"/>
+          <a:chOff x="0" y="0"/>
+          <a:chExt cx="0" cy="0"/>
+        </a:xfrm>
+      </p:grpSpPr>
+      <p:sp>
+        <p:nvSpPr>
+          <p:cNvPr id="2" name="Slide Image Placeholder 1">
+            <a:extLst>
+              <a:ext uri="{FF2B5EF4-FFF2-40B4-BE49-F238E27FC236}">
+                <a16:creationId xmlns:a16="http://schemas.microsoft.com/office/drawing/2014/main" id="{D6161623-20AE-1201-D64D-F3BA898586BD}"/>
+              </a:ext>
+            </a:extLst>
+          </p:cNvPr>
+          <p:cNvSpPr>
+            <a:spLocks noGrp="1" noRot="1" noChangeAspect="1"/>
+          </p:cNvSpPr>
+          <p:nvPr>
+            <p:ph type="sldImg"/>
+          </p:nvPr>
+        </p:nvSpPr>
+        <p:spPr/>
+      </p:sp>
+      <p:sp>
+        <p:nvSpPr>
+          <p:cNvPr id="3" name="Notes Placeholder 2">
+            <a:extLst>
+              <a:ext uri="{FF2B5EF4-FFF2-40B4-BE49-F238E27FC236}">
+                <a16:creationId xmlns:a16="http://schemas.microsoft.com/office/drawing/2014/main" id="{1D8475BB-6BFD-F7AC-1220-A72B74108F81}"/>
+              </a:ext>
+            </a:extLst>
+          </p:cNvPr>
+          <p:cNvSpPr>
+            <a:spLocks noGrp="1"/>
+          </p:cNvSpPr>
+          <p:nvPr>
+            <p:ph type="body" idx="1"/>
+          </p:nvPr>
+        </p:nvSpPr>
+        <p:spPr/>
+        <p:txBody>
+          <a:bodyPr/>
+          <a:lstStyle/>
+          <a:p>
+            <a:pPr algn="l"/>
+            <a:r>
+              <a:rPr lang="en-US" b="0" i="0" dirty="0">
+                <a:solidFill>
+                  <a:srgbClr val="374151"/>
+                </a:solidFill>
+                <a:effectLst/>
+                <a:latin typeface="Söhne"/>
+              </a:rPr>
+              <a:t>Speaker Notes:</a:t>
+            </a:r>
+          </a:p>
+          <a:p>
+            <a:pPr algn="l"/>
+            <a:r>
+              <a:rPr lang="en-US" b="0" i="0" dirty="0">
+                <a:solidFill>
+                  <a:srgbClr val="374151"/>
+                </a:solidFill>
+                <a:effectLst/>
+                <a:latin typeface="Söhne"/>
+              </a:rPr>
+              <a:t>Let's explore the different types of SQL queries, which are like tools in your data toolbox.</a:t>
+            </a:r>
+          </a:p>
+          <a:p>
+            <a:pPr algn="l"/>
+            <a:r>
+              <a:rPr lang="en-US" b="1" i="0" dirty="0">
+                <a:solidFill>
+                  <a:srgbClr val="374151"/>
+                </a:solidFill>
+                <a:effectLst/>
+                <a:latin typeface="Söhne"/>
+              </a:rPr>
+              <a:t>Types of SQL Queries:</a:t>
+            </a:r>
+            <a:endParaRPr lang="en-US" b="0" i="0" dirty="0">
+              <a:solidFill>
+                <a:srgbClr val="374151"/>
+              </a:solidFill>
+              <a:effectLst/>
+              <a:latin typeface="Söhne"/>
+            </a:endParaRPr>
+          </a:p>
+          <a:p>
+            <a:pPr algn="l">
+              <a:buFont typeface="Arial" panose="020B0604020202020204" pitchFamily="34" charset="0"/>
+              <a:buChar char="•"/>
+            </a:pPr>
+            <a:r>
+              <a:rPr lang="en-US" b="0" i="0" dirty="0">
+                <a:solidFill>
+                  <a:srgbClr val="374151"/>
+                </a:solidFill>
+                <a:effectLst/>
+                <a:latin typeface="Söhne"/>
+              </a:rPr>
+              <a:t>SQL queries are categorized into various types, each with its own purpose.</a:t>
+            </a:r>
+          </a:p>
+          <a:p>
+            <a:pPr algn="l"/>
+            <a:r>
+              <a:rPr lang="en-US" b="1" i="0" dirty="0">
+                <a:solidFill>
+                  <a:srgbClr val="374151"/>
+                </a:solidFill>
+                <a:effectLst/>
+                <a:latin typeface="Söhne"/>
+              </a:rPr>
+              <a:t>1. SELECT Queries:</a:t>
+            </a:r>
+            <a:endParaRPr lang="en-US" b="0" i="0" dirty="0">
+              <a:solidFill>
+                <a:srgbClr val="374151"/>
+              </a:solidFill>
+              <a:effectLst/>
+              <a:latin typeface="Söhne"/>
+            </a:endParaRPr>
+          </a:p>
+          <a:p>
+            <a:pPr algn="l">
+              <a:buFont typeface="Arial" panose="020B0604020202020204" pitchFamily="34" charset="0"/>
+              <a:buChar char="•"/>
+            </a:pPr>
+            <a:r>
+              <a:rPr lang="en-US" b="0" i="0" dirty="0">
+                <a:solidFill>
+                  <a:srgbClr val="374151"/>
+                </a:solidFill>
+                <a:effectLst/>
+                <a:latin typeface="Söhne"/>
+              </a:rPr>
+              <a:t>These queries are for retrieving data from tables. Imagine it as grabbing specific items from a shelf.</a:t>
+            </a:r>
+          </a:p>
+          <a:p>
+            <a:pPr algn="l"/>
+            <a:r>
+              <a:rPr lang="en-US" b="1" i="0" dirty="0">
+                <a:solidFill>
+                  <a:srgbClr val="374151"/>
+                </a:solidFill>
+                <a:effectLst/>
+                <a:latin typeface="Söhne"/>
+              </a:rPr>
+              <a:t>2. INSERT Queries:</a:t>
+            </a:r>
+            <a:endParaRPr lang="en-US" b="0" i="0" dirty="0">
+              <a:solidFill>
+                <a:srgbClr val="374151"/>
+              </a:solidFill>
+              <a:effectLst/>
+              <a:latin typeface="Söhne"/>
+            </a:endParaRPr>
+          </a:p>
+          <a:p>
+            <a:pPr algn="l">
+              <a:buFont typeface="Arial" panose="020B0604020202020204" pitchFamily="34" charset="0"/>
+              <a:buChar char="•"/>
+            </a:pPr>
+            <a:r>
+              <a:rPr lang="en-US" b="0" i="0" dirty="0">
+                <a:solidFill>
+                  <a:srgbClr val="374151"/>
+                </a:solidFill>
+                <a:effectLst/>
+                <a:latin typeface="Söhne"/>
+              </a:rPr>
+              <a:t>Use INSERT queries to add new data to tables, like putting new items on the shelf.</a:t>
+            </a:r>
+          </a:p>
+          <a:p>
+            <a:pPr algn="l"/>
+            <a:r>
+              <a:rPr lang="en-US" b="1" i="0" dirty="0">
+                <a:solidFill>
+                  <a:srgbClr val="374151"/>
+                </a:solidFill>
+                <a:effectLst/>
+                <a:latin typeface="Söhne"/>
+              </a:rPr>
+              <a:t>3. UPDATE Queries:</a:t>
+            </a:r>
+            <a:endParaRPr lang="en-US" b="0" i="0" dirty="0">
+              <a:solidFill>
+                <a:srgbClr val="374151"/>
+              </a:solidFill>
+              <a:effectLst/>
+              <a:latin typeface="Söhne"/>
+            </a:endParaRPr>
+          </a:p>
+          <a:p>
+            <a:pPr algn="l">
+              <a:buFont typeface="Arial" panose="020B0604020202020204" pitchFamily="34" charset="0"/>
+              <a:buChar char="•"/>
+            </a:pPr>
+            <a:r>
+              <a:rPr lang="en-US" b="0" i="0" dirty="0">
+                <a:solidFill>
+                  <a:srgbClr val="374151"/>
+                </a:solidFill>
+                <a:effectLst/>
+                <a:latin typeface="Söhne"/>
+              </a:rPr>
+              <a:t>Think of UPDATE queries as editing existing items on the shelf, making changes.</a:t>
+            </a:r>
+          </a:p>
+          <a:p>
+            <a:pPr algn="l"/>
+            <a:r>
+              <a:rPr lang="en-US" b="1" i="0" dirty="0">
+                <a:solidFill>
+                  <a:srgbClr val="374151"/>
+                </a:solidFill>
+                <a:effectLst/>
+                <a:latin typeface="Söhne"/>
+              </a:rPr>
+              <a:t>4. DELETE Queries:</a:t>
+            </a:r>
+            <a:endParaRPr lang="en-US" b="0" i="0" dirty="0">
+              <a:solidFill>
+                <a:srgbClr val="374151"/>
+              </a:solidFill>
+              <a:effectLst/>
+              <a:latin typeface="Söhne"/>
+            </a:endParaRPr>
+          </a:p>
+          <a:p>
+            <a:pPr algn="l">
+              <a:buFont typeface="Arial" panose="020B0604020202020204" pitchFamily="34" charset="0"/>
+              <a:buChar char="•"/>
+            </a:pPr>
+            <a:r>
+              <a:rPr lang="en-US" b="0" i="0" dirty="0">
+                <a:solidFill>
+                  <a:srgbClr val="374151"/>
+                </a:solidFill>
+                <a:effectLst/>
+                <a:latin typeface="Söhne"/>
+              </a:rPr>
+              <a:t>DELETE queries remove data from tables, just like removing items from the shelf.</a:t>
+            </a:r>
+          </a:p>
+          <a:p>
+            <a:pPr algn="l"/>
+            <a:r>
+              <a:rPr lang="en-US" b="1" i="0" dirty="0">
+                <a:solidFill>
+                  <a:srgbClr val="374151"/>
+                </a:solidFill>
+                <a:effectLst/>
+                <a:latin typeface="Söhne"/>
+              </a:rPr>
+              <a:t>5. JOIN Queries:</a:t>
+            </a:r>
+            <a:endParaRPr lang="en-US" b="0" i="0" dirty="0">
+              <a:solidFill>
+                <a:srgbClr val="374151"/>
+              </a:solidFill>
+              <a:effectLst/>
+              <a:latin typeface="Söhne"/>
+            </a:endParaRPr>
+          </a:p>
+          <a:p>
+            <a:pPr algn="l">
+              <a:buFont typeface="Arial" panose="020B0604020202020204" pitchFamily="34" charset="0"/>
+              <a:buChar char="•"/>
+            </a:pPr>
+            <a:r>
+              <a:rPr lang="en-US" b="0" i="0" dirty="0">
+                <a:solidFill>
+                  <a:srgbClr val="374151"/>
+                </a:solidFill>
+                <a:effectLst/>
+                <a:latin typeface="Söhne"/>
+              </a:rPr>
+              <a:t>JOIN queries combine data from multiple tables, like merging two shelves into one.</a:t>
+            </a:r>
+          </a:p>
+          <a:p>
+            <a:pPr algn="l"/>
+            <a:r>
+              <a:rPr lang="en-US" b="1" i="0" dirty="0">
+                <a:solidFill>
+                  <a:srgbClr val="374151"/>
+                </a:solidFill>
+                <a:effectLst/>
+                <a:latin typeface="Söhne"/>
+              </a:rPr>
+              <a:t>6. AGGREGATE Queries:</a:t>
+            </a:r>
+            <a:endParaRPr lang="en-US" b="0" i="0" dirty="0">
+              <a:solidFill>
+                <a:srgbClr val="374151"/>
+              </a:solidFill>
+              <a:effectLst/>
+              <a:latin typeface="Söhne"/>
+            </a:endParaRPr>
+          </a:p>
+          <a:p>
+            <a:pPr algn="l">
+              <a:buFont typeface="Arial" panose="020B0604020202020204" pitchFamily="34" charset="0"/>
+              <a:buChar char="•"/>
+            </a:pPr>
+            <a:r>
+              <a:rPr lang="en-US" b="0" i="0" dirty="0">
+                <a:solidFill>
+                  <a:srgbClr val="374151"/>
+                </a:solidFill>
+                <a:effectLst/>
+                <a:latin typeface="Söhne"/>
+              </a:rPr>
+              <a:t>These queries perform calculations on data, such as finding the total or average.</a:t>
+            </a:r>
+          </a:p>
+          <a:p>
+            <a:pPr algn="l"/>
+            <a:r>
+              <a:rPr lang="en-US" b="1" i="0" dirty="0">
+                <a:solidFill>
+                  <a:srgbClr val="374151"/>
+                </a:solidFill>
+                <a:effectLst/>
+                <a:latin typeface="Söhne"/>
+              </a:rPr>
+              <a:t>Versatile Tools:</a:t>
+            </a:r>
+            <a:endParaRPr lang="en-US" b="0" i="0" dirty="0">
+              <a:solidFill>
+                <a:srgbClr val="374151"/>
+              </a:solidFill>
+              <a:effectLst/>
+              <a:latin typeface="Söhne"/>
+            </a:endParaRPr>
+          </a:p>
+          <a:p>
+            <a:pPr algn="l">
+              <a:buFont typeface="Arial" panose="020B0604020202020204" pitchFamily="34" charset="0"/>
+              <a:buChar char="•"/>
+            </a:pPr>
+            <a:r>
+              <a:rPr lang="en-US" b="0" i="0" dirty="0">
+                <a:solidFill>
+                  <a:srgbClr val="374151"/>
+                </a:solidFill>
+                <a:effectLst/>
+                <a:latin typeface="Söhne"/>
+              </a:rPr>
+              <a:t>Each type of query serves a unique purpose and is a versatile tool in your SQL toolkit. Depending on your data manipulation and analysis needs, you can choose the appropriate query type to achieve your objectives.</a:t>
+            </a:r>
+          </a:p>
+          <a:p>
+            <a:pPr algn="l"/>
+            <a:r>
+              <a:rPr lang="en-US" b="0" i="0" dirty="0">
+                <a:solidFill>
+                  <a:srgbClr val="374151"/>
+                </a:solidFill>
+                <a:effectLst/>
+                <a:latin typeface="Söhne"/>
+              </a:rPr>
+              <a:t>Understanding these query types will empower you to work effectively with databases, retrieve the data you need, and perform various data operations.</a:t>
+            </a:r>
+          </a:p>
+          <a:p>
+            <a:endParaRPr lang="en-US" dirty="0"/>
+          </a:p>
+        </p:txBody>
+      </p:sp>
+      <p:sp>
+        <p:nvSpPr>
+          <p:cNvPr id="4" name="Slide Number Placeholder 3">
+            <a:extLst>
+              <a:ext uri="{FF2B5EF4-FFF2-40B4-BE49-F238E27FC236}">
+                <a16:creationId xmlns:a16="http://schemas.microsoft.com/office/drawing/2014/main" id="{6B175DB8-F773-C632-0069-3D8D91B4A2EA}"/>
+              </a:ext>
+            </a:extLst>
+          </p:cNvPr>
+          <p:cNvSpPr>
+            <a:spLocks noGrp="1"/>
+          </p:cNvSpPr>
+          <p:nvPr>
+            <p:ph type="sldNum" sz="quarter" idx="5"/>
+          </p:nvPr>
+        </p:nvSpPr>
+        <p:spPr/>
+        <p:txBody>
+          <a:bodyPr/>
+          <a:lstStyle/>
+          <a:p>
+            <a:pPr>
+              <a:defRPr/>
+            </a:pPr>
+            <a:fld id="{D0B7D74D-C969-4920-A7A6-E44C909EE3F2}" type="slidenum">
+              <a:rPr lang="en-US" smtClean="0"/>
+              <a:pPr>
+                <a:defRPr/>
+              </a:pPr>
+              <a:t>6</a:t>
+            </a:fld>
+            <a:endParaRPr lang="en-US" dirty="0"/>
+          </a:p>
+        </p:txBody>
+      </p:sp>
+    </p:spTree>
+    <p:extLst>
+      <p:ext uri="{BB962C8B-B14F-4D97-AF65-F5344CB8AC3E}">
+        <p14:creationId xmlns:p14="http://schemas.microsoft.com/office/powerpoint/2010/main" val="2489386703"/>
+      </p:ext>
+    </p:extLst>
+  </p:cSld>
+  <p:clrMapOvr>
+    <a:masterClrMapping/>
+  </p:clrMapOvr>
+</p:notes>
+</file>
+
+<file path=ppt/notesSlides/notesSlide7.xml><?xml version="1.0" encoding="utf-8"?>
+<p:notes xmlns:a="http://schemas.openxmlformats.org/drawingml/2006/main" xmlns:r="http://schemas.openxmlformats.org/officeDocument/2006/relationships" xmlns:p="http://schemas.openxmlformats.org/presentationml/2006/main">
+  <p:cSld>
+    <p:spTree>
+      <p:nvGrpSpPr>
+        <p:cNvPr id="1" name=""/>
+        <p:cNvGrpSpPr/>
+        <p:nvPr/>
+      </p:nvGrpSpPr>
+      <p:grpSpPr>
+        <a:xfrm>
+          <a:off x="0" y="0"/>
+          <a:ext cx="0" cy="0"/>
+          <a:chOff x="0" y="0"/>
+          <a:chExt cx="0" cy="0"/>
+        </a:xfrm>
+      </p:grpSpPr>
+      <p:sp>
+        <p:nvSpPr>
+          <p:cNvPr id="2" name="Slide Image Placeholder 1"/>
+          <p:cNvSpPr>
+            <a:spLocks noGrp="1" noRot="1" noChangeAspect="1"/>
+          </p:cNvSpPr>
+          <p:nvPr>
+            <p:ph type="sldImg"/>
+          </p:nvPr>
+        </p:nvSpPr>
+        <p:spPr/>
+      </p:sp>
+      <p:sp>
+        <p:nvSpPr>
+          <p:cNvPr id="3" name="Notes Placeholder 2"/>
+          <p:cNvSpPr>
+            <a:spLocks noGrp="1"/>
+          </p:cNvSpPr>
+          <p:nvPr>
+            <p:ph type="body" idx="1"/>
+          </p:nvPr>
+        </p:nvSpPr>
+        <p:spPr/>
+        <p:txBody>
+          <a:bodyPr/>
+          <a:lstStyle/>
+          <a:p>
+            <a:pPr algn="l"/>
+            <a:r>
+              <a:rPr lang="en-US" b="0" i="0" dirty="0">
+                <a:solidFill>
+                  <a:srgbClr val="374151"/>
+                </a:solidFill>
+                <a:effectLst/>
+                <a:latin typeface="Söhne"/>
+              </a:rPr>
+              <a:t>Speaker Notes:</a:t>
+            </a:r>
+          </a:p>
+          <a:p>
+            <a:pPr algn="l"/>
+            <a:r>
+              <a:rPr lang="en-US" b="0" i="0" dirty="0">
+                <a:solidFill>
+                  <a:srgbClr val="374151"/>
+                </a:solidFill>
+                <a:effectLst/>
+                <a:latin typeface="Söhne"/>
+              </a:rPr>
+              <a:t>Let's dive into the core of SQL: statements. SQL commands are expressed as statements, which are essentially strings of characters that adhere to internationally recognized formatting and syntax rules.</a:t>
+            </a:r>
+          </a:p>
+          <a:p>
+            <a:pPr algn="l"/>
+            <a:r>
+              <a:rPr lang="en-US" b="1" i="0" dirty="0">
+                <a:solidFill>
+                  <a:srgbClr val="374151"/>
+                </a:solidFill>
+                <a:effectLst/>
+                <a:latin typeface="Söhne"/>
+              </a:rPr>
+              <a:t>Example of an SQL Statement:</a:t>
+            </a:r>
+            <a:endParaRPr lang="en-US" b="0" i="0" dirty="0">
+              <a:solidFill>
+                <a:srgbClr val="374151"/>
+              </a:solidFill>
+              <a:effectLst/>
+              <a:latin typeface="Söhne"/>
+            </a:endParaRPr>
+          </a:p>
+          <a:p>
+            <a:pPr algn="l">
+              <a:buFont typeface="Arial" panose="020B0604020202020204" pitchFamily="34" charset="0"/>
+              <a:buChar char="•"/>
+            </a:pPr>
+            <a:r>
+              <a:rPr lang="en-US" b="0" i="0" dirty="0">
+                <a:solidFill>
+                  <a:srgbClr val="374151"/>
+                </a:solidFill>
+                <a:effectLst/>
+                <a:latin typeface="Söhne"/>
+              </a:rPr>
+              <a:t>To illustrate, consider a basic SQL statement: the SELECT statement. This statement is used to retrieve data from a table, in this case, a table named Customers.</a:t>
+            </a:r>
+          </a:p>
+          <a:p>
+            <a:endParaRPr lang="en-US" dirty="0"/>
+          </a:p>
+        </p:txBody>
+      </p:sp>
+      <p:sp>
+        <p:nvSpPr>
+          <p:cNvPr id="4" name="Slide Number Placeholder 3"/>
+          <p:cNvSpPr>
+            <a:spLocks noGrp="1"/>
+          </p:cNvSpPr>
+          <p:nvPr>
+            <p:ph type="sldNum" sz="quarter" idx="5"/>
+          </p:nvPr>
+        </p:nvSpPr>
+        <p:spPr/>
+        <p:txBody>
+          <a:bodyPr/>
+          <a:lstStyle/>
+          <a:p>
+            <a:pPr>
+              <a:defRPr/>
+            </a:pPr>
+            <a:fld id="{D0B7D74D-C969-4920-A7A6-E44C909EE3F2}" type="slidenum">
+              <a:rPr lang="en-US" smtClean="0"/>
+              <a:pPr>
+                <a:defRPr/>
+              </a:pPr>
+              <a:t>7</a:t>
+            </a:fld>
+            <a:endParaRPr lang="en-US" dirty="0"/>
+          </a:p>
+        </p:txBody>
+      </p:sp>
+    </p:spTree>
+    <p:extLst>
+      <p:ext uri="{BB962C8B-B14F-4D97-AF65-F5344CB8AC3E}">
+        <p14:creationId xmlns:p14="http://schemas.microsoft.com/office/powerpoint/2010/main" val="1106667750"/>
+      </p:ext>
+    </p:extLst>
+  </p:cSld>
+  <p:clrMapOvr>
+    <a:masterClrMapping/>
+  </p:clrMapOvr>
+</p:notes>
+</file>
+
+<file path=ppt/notesSlides/notesSlide8.xml><?xml version="1.0" encoding="utf-8"?>
+<p:notes xmlns:a="http://schemas.openxmlformats.org/drawingml/2006/main" xmlns:r="http://schemas.openxmlformats.org/officeDocument/2006/relationships" xmlns:p="http://schemas.openxmlformats.org/presentationml/2006/main">
+  <p:cSld>
+    <p:spTree>
+      <p:nvGrpSpPr>
+        <p:cNvPr id="1" name=""/>
+        <p:cNvGrpSpPr/>
+        <p:nvPr/>
+      </p:nvGrpSpPr>
+      <p:grpSpPr>
+        <a:xfrm>
+          <a:off x="0" y="0"/>
+          <a:ext cx="0" cy="0"/>
+          <a:chOff x="0" y="0"/>
+          <a:chExt cx="0" cy="0"/>
+        </a:xfrm>
+      </p:grpSpPr>
+      <p:sp>
+        <p:nvSpPr>
+          <p:cNvPr id="2" name="Slide Image Placeholder 1"/>
+          <p:cNvSpPr>
+            <a:spLocks noGrp="1" noRot="1" noChangeAspect="1"/>
+          </p:cNvSpPr>
+          <p:nvPr>
+            <p:ph type="sldImg"/>
+          </p:nvPr>
+        </p:nvSpPr>
+        <p:spPr/>
+      </p:sp>
+      <p:sp>
+        <p:nvSpPr>
+          <p:cNvPr id="3" name="Notes Placeholder 2"/>
+          <p:cNvSpPr>
+            <a:spLocks noGrp="1"/>
+          </p:cNvSpPr>
+          <p:nvPr>
+            <p:ph type="body" idx="1"/>
+          </p:nvPr>
+        </p:nvSpPr>
+        <p:spPr/>
+        <p:txBody>
+          <a:bodyPr/>
+          <a:lstStyle/>
+          <a:p>
+            <a:pPr algn="l"/>
+            <a:r>
+              <a:rPr lang="en-US" b="0" i="0" dirty="0">
+                <a:solidFill>
+                  <a:srgbClr val="374151"/>
+                </a:solidFill>
+                <a:effectLst/>
+                <a:latin typeface="Söhne"/>
+              </a:rPr>
+              <a:t>Speaker Notes:</a:t>
+            </a:r>
+          </a:p>
+          <a:p>
+            <a:pPr algn="l"/>
+            <a:r>
+              <a:rPr lang="en-US" b="0" i="0" dirty="0">
+                <a:solidFill>
+                  <a:srgbClr val="374151"/>
+                </a:solidFill>
+                <a:effectLst/>
+                <a:latin typeface="Söhne"/>
+              </a:rPr>
+              <a:t>Let's uncover the process of crafting an SQL statement step by step, which is essential to communicate effectively with the database engine.</a:t>
+            </a:r>
+          </a:p>
+          <a:p>
+            <a:pPr algn="l"/>
+            <a:r>
+              <a:rPr lang="en-US" b="1" i="0" dirty="0">
+                <a:solidFill>
+                  <a:srgbClr val="374151"/>
+                </a:solidFill>
+                <a:effectLst/>
+                <a:latin typeface="Söhne"/>
+              </a:rPr>
+              <a:t>Step 1: Specify the Operation Type:</a:t>
+            </a:r>
+            <a:endParaRPr lang="en-US" b="0" i="0" dirty="0">
+              <a:solidFill>
+                <a:srgbClr val="374151"/>
+              </a:solidFill>
+              <a:effectLst/>
+              <a:latin typeface="Söhne"/>
+            </a:endParaRPr>
+          </a:p>
+          <a:p>
+            <a:pPr algn="l">
+              <a:buFont typeface="Arial" panose="020B0604020202020204" pitchFamily="34" charset="0"/>
+              <a:buChar char="•"/>
+            </a:pPr>
+            <a:r>
+              <a:rPr lang="en-US" b="0" i="0" dirty="0">
+                <a:solidFill>
+                  <a:srgbClr val="374151"/>
+                </a:solidFill>
+                <a:effectLst/>
+                <a:latin typeface="Söhne"/>
+              </a:rPr>
+              <a:t>The very first step in writing an SQL statement is to specify the operation type. This tells the database engine what you want to do with the data. Here are some common operation types:</a:t>
+            </a:r>
+          </a:p>
+          <a:p>
+            <a:pPr marL="742950" lvl="1" indent="-285750" algn="l">
+              <a:buFont typeface="Arial" panose="020B0604020202020204" pitchFamily="34" charset="0"/>
+              <a:buChar char="•"/>
+            </a:pPr>
+            <a:r>
+              <a:rPr lang="en-US" b="1" i="0" dirty="0">
+                <a:solidFill>
+                  <a:srgbClr val="374151"/>
+                </a:solidFill>
+                <a:effectLst/>
+                <a:latin typeface="Söhne"/>
+              </a:rPr>
+              <a:t>SELECT</a:t>
+            </a:r>
+            <a:r>
+              <a:rPr lang="en-US" b="0" i="0" dirty="0">
+                <a:solidFill>
+                  <a:srgbClr val="374151"/>
+                </a:solidFill>
+                <a:effectLst/>
+                <a:latin typeface="Söhne"/>
+              </a:rPr>
+              <a:t>: Used for querying data from one or more tables.</a:t>
+            </a:r>
+          </a:p>
+          <a:p>
+            <a:pPr marL="742950" lvl="1" indent="-285750" algn="l">
+              <a:buFont typeface="Arial" panose="020B0604020202020204" pitchFamily="34" charset="0"/>
+              <a:buChar char="•"/>
+            </a:pPr>
+            <a:r>
+              <a:rPr lang="en-US" b="1" i="0" dirty="0">
+                <a:solidFill>
+                  <a:srgbClr val="374151"/>
+                </a:solidFill>
+                <a:effectLst/>
+                <a:latin typeface="Söhne"/>
+              </a:rPr>
+              <a:t>INSERT</a:t>
+            </a:r>
+            <a:r>
+              <a:rPr lang="en-US" b="0" i="0" dirty="0">
+                <a:solidFill>
+                  <a:srgbClr val="374151"/>
+                </a:solidFill>
+                <a:effectLst/>
+                <a:latin typeface="Söhne"/>
+              </a:rPr>
+              <a:t>: Employed to add new data records to a table.</a:t>
+            </a:r>
+          </a:p>
+          <a:p>
+            <a:pPr marL="742950" lvl="1" indent="-285750" algn="l">
+              <a:buFont typeface="Arial" panose="020B0604020202020204" pitchFamily="34" charset="0"/>
+              <a:buChar char="•"/>
+            </a:pPr>
+            <a:r>
+              <a:rPr lang="en-US" b="1" i="0" dirty="0">
+                <a:solidFill>
+                  <a:srgbClr val="374151"/>
+                </a:solidFill>
+                <a:effectLst/>
+                <a:latin typeface="Söhne"/>
+              </a:rPr>
+              <a:t>UPDATE</a:t>
+            </a:r>
+            <a:r>
+              <a:rPr lang="en-US" b="0" i="0" dirty="0">
+                <a:solidFill>
+                  <a:srgbClr val="374151"/>
+                </a:solidFill>
+                <a:effectLst/>
+                <a:latin typeface="Söhne"/>
+              </a:rPr>
+              <a:t>: Utilized to modify existing data records.</a:t>
+            </a:r>
+          </a:p>
+          <a:p>
+            <a:pPr marL="742950" lvl="1" indent="-285750" algn="l">
+              <a:buFont typeface="Arial" panose="020B0604020202020204" pitchFamily="34" charset="0"/>
+              <a:buChar char="•"/>
+            </a:pPr>
+            <a:r>
+              <a:rPr lang="en-US" b="1" i="0" dirty="0">
+                <a:solidFill>
+                  <a:srgbClr val="374151"/>
+                </a:solidFill>
+                <a:effectLst/>
+                <a:latin typeface="Söhne"/>
+              </a:rPr>
+              <a:t>DELETE</a:t>
+            </a:r>
+            <a:r>
+              <a:rPr lang="en-US" b="0" i="0" dirty="0">
+                <a:solidFill>
+                  <a:srgbClr val="374151"/>
+                </a:solidFill>
+                <a:effectLst/>
+                <a:latin typeface="Söhne"/>
+              </a:rPr>
+              <a:t>: Applied to remove data records from a table.</a:t>
+            </a:r>
+          </a:p>
+          <a:p>
+            <a:pPr algn="l"/>
+            <a:r>
+              <a:rPr lang="en-US" b="1" i="0" dirty="0">
+                <a:solidFill>
+                  <a:srgbClr val="374151"/>
+                </a:solidFill>
+                <a:effectLst/>
+                <a:latin typeface="Söhne"/>
+              </a:rPr>
+              <a:t>Example Using SELECT:</a:t>
+            </a:r>
+            <a:endParaRPr lang="en-US" b="0" i="0" dirty="0">
+              <a:solidFill>
+                <a:srgbClr val="374151"/>
+              </a:solidFill>
+              <a:effectLst/>
+              <a:latin typeface="Söhne"/>
+            </a:endParaRPr>
+          </a:p>
+          <a:p>
+            <a:pPr algn="l">
+              <a:buFont typeface="Arial" panose="020B0604020202020204" pitchFamily="34" charset="0"/>
+              <a:buChar char="•"/>
+            </a:pPr>
+            <a:r>
+              <a:rPr lang="en-US" b="0" i="0" dirty="0">
+                <a:solidFill>
+                  <a:srgbClr val="374151"/>
+                </a:solidFill>
+                <a:effectLst/>
+                <a:latin typeface="Söhne"/>
+              </a:rPr>
+              <a:t>In the example provided, we're using the SELECT statement, which is typically used to query data from a table. Specifically, we want to retrieve 'id,' 'name,' and 'address' columns from a table named Customers.</a:t>
+            </a:r>
+          </a:p>
+          <a:p>
+            <a:endParaRPr lang="en-US" dirty="0"/>
+          </a:p>
+        </p:txBody>
+      </p:sp>
+      <p:sp>
+        <p:nvSpPr>
+          <p:cNvPr id="4" name="Slide Number Placeholder 3"/>
+          <p:cNvSpPr>
+            <a:spLocks noGrp="1"/>
+          </p:cNvSpPr>
+          <p:nvPr>
+            <p:ph type="sldNum" sz="quarter" idx="5"/>
+          </p:nvPr>
+        </p:nvSpPr>
+        <p:spPr/>
+        <p:txBody>
+          <a:bodyPr/>
+          <a:lstStyle/>
+          <a:p>
+            <a:pPr>
+              <a:defRPr/>
+            </a:pPr>
+            <a:fld id="{D0B7D74D-C969-4920-A7A6-E44C909EE3F2}" type="slidenum">
+              <a:rPr lang="en-US" smtClean="0"/>
+              <a:pPr>
+                <a:defRPr/>
+              </a:pPr>
+              <a:t>8</a:t>
+            </a:fld>
+            <a:endParaRPr lang="en-US" dirty="0"/>
+          </a:p>
+        </p:txBody>
+      </p:sp>
+    </p:spTree>
+    <p:extLst>
+      <p:ext uri="{BB962C8B-B14F-4D97-AF65-F5344CB8AC3E}">
+        <p14:creationId xmlns:p14="http://schemas.microsoft.com/office/powerpoint/2010/main" val="1065642529"/>
+      </p:ext>
+    </p:extLst>
+  </p:cSld>
+  <p:clrMapOvr>
+    <a:masterClrMapping/>
+  </p:clrMapOvr>
+</p:notes>
+</file>
+
+<file path=ppt/notesSlides/notesSlide9.xml><?xml version="1.0" encoding="utf-8"?>
+<p:notes xmlns:a="http://schemas.openxmlformats.org/drawingml/2006/main" xmlns:r="http://schemas.openxmlformats.org/officeDocument/2006/relationships" xmlns:p="http://schemas.openxmlformats.org/presentationml/2006/main">
+  <p:cSld>
+    <p:spTree>
+      <p:nvGrpSpPr>
+        <p:cNvPr id="1" name=""/>
+        <p:cNvGrpSpPr/>
+        <p:nvPr/>
+      </p:nvGrpSpPr>
+      <p:grpSpPr>
+        <a:xfrm>
+          <a:off x="0" y="0"/>
+          <a:ext cx="0" cy="0"/>
+          <a:chOff x="0" y="0"/>
+          <a:chExt cx="0" cy="0"/>
+        </a:xfrm>
+      </p:grpSpPr>
+      <p:sp>
+        <p:nvSpPr>
+          <p:cNvPr id="2" name="Slide Image Placeholder 1"/>
+          <p:cNvSpPr>
+            <a:spLocks noGrp="1" noRot="1" noChangeAspect="1"/>
+          </p:cNvSpPr>
+          <p:nvPr>
+            <p:ph type="sldImg"/>
+          </p:nvPr>
+        </p:nvSpPr>
+        <p:spPr/>
+      </p:sp>
+      <p:sp>
+        <p:nvSpPr>
+          <p:cNvPr id="3" name="Notes Placeholder 2"/>
+          <p:cNvSpPr>
+            <a:spLocks noGrp="1"/>
+          </p:cNvSpPr>
+          <p:nvPr>
+            <p:ph type="body" idx="1"/>
+          </p:nvPr>
+        </p:nvSpPr>
+        <p:spPr/>
+        <p:txBody>
+          <a:bodyPr/>
+          <a:lstStyle/>
+          <a:p>
+            <a:pPr algn="l"/>
+            <a:r>
+              <a:rPr lang="en-US" b="0" i="0" dirty="0">
+                <a:solidFill>
+                  <a:srgbClr val="374151"/>
+                </a:solidFill>
+                <a:effectLst/>
+                <a:latin typeface="Söhne"/>
+              </a:rPr>
+              <a:t>Now, let's dive deeper into the process of crafting SQL statements and focus on a crucial component: specifying the table and columns.</a:t>
+            </a:r>
+          </a:p>
+          <a:p>
+            <a:pPr algn="l"/>
+            <a:r>
+              <a:rPr lang="en-US" b="1" i="0" dirty="0">
+                <a:solidFill>
+                  <a:srgbClr val="374151"/>
+                </a:solidFill>
+                <a:effectLst/>
+                <a:latin typeface="Söhne"/>
+              </a:rPr>
+              <a:t>Specify the Table and Columns:</a:t>
+            </a:r>
+            <a:endParaRPr lang="en-US" b="0" i="0" dirty="0">
+              <a:solidFill>
+                <a:srgbClr val="374151"/>
+              </a:solidFill>
+              <a:effectLst/>
+              <a:latin typeface="Söhne"/>
+            </a:endParaRPr>
+          </a:p>
+          <a:p>
+            <a:pPr algn="l">
+              <a:buFont typeface="Arial" panose="020B0604020202020204" pitchFamily="34" charset="0"/>
+              <a:buChar char="•"/>
+            </a:pPr>
+            <a:r>
+              <a:rPr lang="en-US" b="0" i="0" dirty="0">
+                <a:solidFill>
+                  <a:srgbClr val="374151"/>
+                </a:solidFill>
+                <a:effectLst/>
+                <a:latin typeface="Söhne"/>
+              </a:rPr>
+              <a:t>After specifying the operation type in your SQL statement, the next critical step is to indicate the database table and the specific columns you want to access or operate on.</a:t>
+            </a:r>
+          </a:p>
+          <a:p>
+            <a:pPr algn="l"/>
+            <a:r>
+              <a:rPr lang="en-US" b="1" i="0" dirty="0">
+                <a:solidFill>
+                  <a:srgbClr val="374151"/>
+                </a:solidFill>
+                <a:effectLst/>
+                <a:latin typeface="Söhne"/>
+              </a:rPr>
+              <a:t>Using the FROM Clause:</a:t>
+            </a:r>
+            <a:endParaRPr lang="en-US" b="0" i="0" dirty="0">
+              <a:solidFill>
+                <a:srgbClr val="374151"/>
+              </a:solidFill>
+              <a:effectLst/>
+              <a:latin typeface="Söhne"/>
+            </a:endParaRPr>
+          </a:p>
+          <a:p>
+            <a:pPr algn="l">
+              <a:buFont typeface="Arial" panose="020B0604020202020204" pitchFamily="34" charset="0"/>
+              <a:buChar char="•"/>
+            </a:pPr>
+            <a:r>
+              <a:rPr lang="en-US" b="0" i="0" dirty="0">
+                <a:solidFill>
+                  <a:srgbClr val="374151"/>
+                </a:solidFill>
+                <a:effectLst/>
+                <a:latin typeface="Söhne"/>
+              </a:rPr>
+              <a:t>This is typically achieved using the FROM clause. The FROM clause tells the database engine which table you want to work with.</a:t>
+            </a:r>
+          </a:p>
+          <a:p>
+            <a:pPr algn="l"/>
+            <a:r>
+              <a:rPr lang="en-US" b="1" i="0" dirty="0">
+                <a:solidFill>
+                  <a:srgbClr val="374151"/>
+                </a:solidFill>
+                <a:effectLst/>
+                <a:latin typeface="Söhne"/>
+              </a:rPr>
+              <a:t>Example SQL Statement:</a:t>
+            </a:r>
+            <a:endParaRPr lang="en-US" b="0" i="0" dirty="0">
+              <a:solidFill>
+                <a:srgbClr val="374151"/>
+              </a:solidFill>
+              <a:effectLst/>
+              <a:latin typeface="Söhne"/>
+            </a:endParaRPr>
+          </a:p>
+          <a:p>
+            <a:pPr algn="l">
+              <a:buFont typeface="Arial" panose="020B0604020202020204" pitchFamily="34" charset="0"/>
+              <a:buChar char="•"/>
+            </a:pPr>
+            <a:r>
+              <a:rPr lang="en-US" b="0" i="0" dirty="0">
+                <a:solidFill>
+                  <a:srgbClr val="374151"/>
+                </a:solidFill>
+                <a:effectLst/>
+                <a:latin typeface="Söhne"/>
+              </a:rPr>
+              <a:t>In our example, we're using the SELECT statement, which is designed for querying data. After the SELECT operation, we specify the table 'Customers' using the FROM clause.</a:t>
+            </a:r>
+          </a:p>
+          <a:p>
+            <a:pPr algn="l">
+              <a:buFont typeface="Arial" panose="020B0604020202020204" pitchFamily="34" charset="0"/>
+              <a:buChar char="•"/>
+            </a:pPr>
+            <a:r>
+              <a:rPr lang="en-US" b="0" i="0" dirty="0">
+                <a:solidFill>
+                  <a:srgbClr val="374151"/>
+                </a:solidFill>
+                <a:effectLst/>
+                <a:latin typeface="Söhne"/>
+              </a:rPr>
+              <a:t>The choice of table and columns in your SQL statement is crucial because it determines exactly which data you are accessing or operating on. It's like pointing your finger to the specific information you want to work with.</a:t>
+            </a:r>
+          </a:p>
+          <a:p>
+            <a:pPr algn="l"/>
+            <a:r>
+              <a:rPr lang="en-US" b="0" i="0" dirty="0">
+                <a:solidFill>
+                  <a:srgbClr val="374151"/>
+                </a:solidFill>
+                <a:effectLst/>
+                <a:latin typeface="Söhne"/>
+              </a:rPr>
+              <a:t>So, as you craft your SQL statements, remember that specifying the right table and columns is key to getting the results you need from your database.</a:t>
+            </a:r>
+          </a:p>
+          <a:p>
+            <a:endParaRPr lang="en-US" dirty="0"/>
+          </a:p>
+        </p:txBody>
+      </p:sp>
+      <p:sp>
+        <p:nvSpPr>
+          <p:cNvPr id="4" name="Slide Number Placeholder 3"/>
+          <p:cNvSpPr>
+            <a:spLocks noGrp="1"/>
+          </p:cNvSpPr>
+          <p:nvPr>
+            <p:ph type="sldNum" sz="quarter" idx="5"/>
+          </p:nvPr>
+        </p:nvSpPr>
+        <p:spPr/>
+        <p:txBody>
+          <a:bodyPr/>
+          <a:lstStyle/>
+          <a:p>
+            <a:pPr>
+              <a:defRPr/>
+            </a:pPr>
+            <a:fld id="{D0B7D74D-C969-4920-A7A6-E44C909EE3F2}" type="slidenum">
+              <a:rPr lang="en-US" smtClean="0"/>
+              <a:pPr>
+                <a:defRPr/>
+              </a:pPr>
+              <a:t>9</a:t>
+            </a:fld>
+            <a:endParaRPr lang="en-US" dirty="0"/>
+          </a:p>
+        </p:txBody>
+      </p:sp>
+    </p:spTree>
+    <p:extLst>
+      <p:ext uri="{BB962C8B-B14F-4D97-AF65-F5344CB8AC3E}">
+        <p14:creationId xmlns:p14="http://schemas.microsoft.com/office/powerpoint/2010/main" val="1427354520"/>
       </p:ext>
     </p:extLst>
   </p:cSld>
@@ -6216,7 +9067,7 @@
                 <a:effectLst/>
                 <a:latin typeface="-apple-system"/>
               </a:rPr>
-              <a:t>End with a semicolon: </a:t>
+              <a:t>Specify any filtering conditions (optional): </a:t>
             </a:r>
           </a:p>
           <a:p>
@@ -6229,7 +9080,7 @@
                 <a:effectLst/>
                 <a:latin typeface="-apple-system"/>
               </a:rPr>
-              <a:t>All SQL statements are terminated with a semicolon ";"</a:t>
+              <a:t>You can filter which data rows you want using a WHERE clause and conditional logic.</a:t>
             </a:r>
           </a:p>
           <a:p>
@@ -6304,117 +9155,122 @@
                   <a:srgbClr val="C678DD"/>
                 </a:solidFill>
                 <a:effectLst/>
-                <a:latin typeface="Fira Code" panose="020B0809050000020004" pitchFamily="49" charset="0"/>
-              </a:rPr>
-              <a:t>WHERE</a:t>
-            </a:r>
-            <a:r>
-              <a:rPr lang="en-US" dirty="0">
-                <a:solidFill>
-                  <a:srgbClr val="ABB2BF"/>
-                </a:solidFill>
-                <a:effectLst/>
-                <a:latin typeface="Fira Code" panose="020B0809050000020004" pitchFamily="49" charset="0"/>
-              </a:rPr>
-              <a:t> state </a:t>
-            </a:r>
-            <a:r>
-              <a:rPr lang="en-US" dirty="0">
-                <a:solidFill>
-                  <a:srgbClr val="61AFEF"/>
-                </a:solidFill>
-                <a:effectLst/>
-                <a:latin typeface="Fira Code" panose="020B0809050000020004" pitchFamily="49" charset="0"/>
-              </a:rPr>
-              <a:t>=</a:t>
-            </a:r>
-            <a:r>
-              <a:rPr lang="en-US" dirty="0">
-                <a:solidFill>
-                  <a:srgbClr val="ABB2BF"/>
-                </a:solidFill>
-                <a:effectLst/>
-                <a:latin typeface="Fira Code" panose="020B0809050000020004" pitchFamily="49" charset="0"/>
-              </a:rPr>
-              <a:t> </a:t>
-            </a:r>
-            <a:r>
-              <a:rPr lang="en-US" dirty="0">
-                <a:solidFill>
-                  <a:srgbClr val="98C379"/>
-                </a:solidFill>
-                <a:effectLst/>
-                <a:latin typeface="Fira Code" panose="020B0809050000020004" pitchFamily="49" charset="0"/>
-              </a:rPr>
-              <a:t>'CA’</a:t>
-            </a:r>
-            <a:r>
-              <a:rPr lang="en-US" dirty="0">
-                <a:solidFill>
-                  <a:srgbClr val="ABB2BF"/>
-                </a:solidFill>
-                <a:effectLst/>
-                <a:latin typeface="Fira Code" panose="020B0809050000020004" pitchFamily="49" charset="0"/>
-              </a:rPr>
-              <a:t> </a:t>
-            </a:r>
-          </a:p>
-          <a:p>
-            <a:pPr marL="0" indent="0" algn="ctr" rtl="0" latinLnBrk="0">
-              <a:buNone/>
-            </a:pPr>
-            <a:r>
-              <a:rPr lang="en-US" dirty="0">
-                <a:solidFill>
-                  <a:srgbClr val="C678DD"/>
-                </a:solidFill>
-                <a:effectLst/>
-                <a:latin typeface="Fira Code" panose="020B0809050000020004" pitchFamily="49" charset="0"/>
-              </a:rPr>
-              <a:t>ORDER</a:t>
-            </a:r>
-            <a:r>
-              <a:rPr lang="en-US" dirty="0">
-                <a:solidFill>
-                  <a:srgbClr val="ABB2BF"/>
-                </a:solidFill>
-                <a:effectLst/>
-                <a:latin typeface="Fira Code" panose="020B0809050000020004" pitchFamily="49" charset="0"/>
-              </a:rPr>
-              <a:t> </a:t>
-            </a:r>
-            <a:r>
-              <a:rPr lang="en-US" dirty="0">
-                <a:solidFill>
-                  <a:srgbClr val="C678DD"/>
-                </a:solidFill>
-                <a:effectLst/>
-                <a:latin typeface="Fira Code" panose="020B0809050000020004" pitchFamily="49" charset="0"/>
-              </a:rPr>
-              <a:t>BY</a:t>
-            </a:r>
-            <a:r>
-              <a:rPr lang="en-US" dirty="0">
-                <a:solidFill>
-                  <a:srgbClr val="ABB2BF"/>
-                </a:solidFill>
-                <a:effectLst/>
-                <a:latin typeface="Fira Code" panose="020B0809050000020004" pitchFamily="49" charset="0"/>
-              </a:rPr>
-              <a:t> name</a:t>
-            </a:r>
-            <a:r>
-              <a:rPr lang="en-US" dirty="0">
-                <a:solidFill>
-                  <a:srgbClr val="ABB2BF"/>
-                </a:solidFill>
-                <a:effectLst/>
                 <a:highlight>
                   <a:srgbClr val="FFFF00"/>
                 </a:highlight>
                 <a:latin typeface="Fira Code" panose="020B0809050000020004" pitchFamily="49" charset="0"/>
               </a:rPr>
-              <a:t>;</a:t>
+              <a:t>WHERE</a:t>
+            </a:r>
+            <a:r>
+              <a:rPr lang="en-US" dirty="0">
+                <a:solidFill>
+                  <a:srgbClr val="ABB2BF"/>
+                </a:solidFill>
+                <a:effectLst/>
+                <a:highlight>
+                  <a:srgbClr val="FFFF00"/>
+                </a:highlight>
+                <a:latin typeface="Fira Code" panose="020B0809050000020004" pitchFamily="49" charset="0"/>
+              </a:rPr>
+              <a:t> state </a:t>
+            </a:r>
+            <a:r>
+              <a:rPr lang="en-US" dirty="0">
+                <a:solidFill>
+                  <a:srgbClr val="61AFEF"/>
+                </a:solidFill>
+                <a:effectLst/>
+                <a:highlight>
+                  <a:srgbClr val="FFFF00"/>
+                </a:highlight>
+                <a:latin typeface="Fira Code" panose="020B0809050000020004" pitchFamily="49" charset="0"/>
+              </a:rPr>
+              <a:t>=</a:t>
+            </a:r>
+            <a:r>
+              <a:rPr lang="en-US" dirty="0">
+                <a:solidFill>
+                  <a:srgbClr val="ABB2BF"/>
+                </a:solidFill>
+                <a:effectLst/>
+                <a:highlight>
+                  <a:srgbClr val="FFFF00"/>
+                </a:highlight>
+                <a:latin typeface="Fira Code" panose="020B0809050000020004" pitchFamily="49" charset="0"/>
+              </a:rPr>
+              <a:t> </a:t>
+            </a:r>
+            <a:r>
+              <a:rPr lang="en-US" dirty="0">
+                <a:solidFill>
+                  <a:srgbClr val="98C379"/>
+                </a:solidFill>
+                <a:effectLst/>
+                <a:highlight>
+                  <a:srgbClr val="FFFF00"/>
+                </a:highlight>
+                <a:latin typeface="Fira Code" panose="020B0809050000020004" pitchFamily="49" charset="0"/>
+              </a:rPr>
+              <a:t>'CA’</a:t>
+            </a:r>
+            <a:r>
+              <a:rPr lang="en-US" dirty="0">
+                <a:solidFill>
+                  <a:srgbClr val="ABB2BF"/>
+                </a:solidFill>
+                <a:effectLst/>
+                <a:highlight>
+                  <a:srgbClr val="FFFF00"/>
+                </a:highlight>
+                <a:latin typeface="Fira Code" panose="020B0809050000020004" pitchFamily="49" charset="0"/>
+              </a:rPr>
+              <a:t> </a:t>
+            </a:r>
+          </a:p>
+          <a:p>
+            <a:pPr marL="0" indent="0" algn="ctr" rtl="0" latinLnBrk="0">
+              <a:buNone/>
+            </a:pPr>
+            <a:r>
+              <a:rPr lang="en-US" dirty="0">
+                <a:solidFill>
+                  <a:srgbClr val="C678DD"/>
+                </a:solidFill>
+                <a:effectLst/>
+                <a:latin typeface="Fira Code" panose="020B0809050000020004" pitchFamily="49" charset="0"/>
+              </a:rPr>
+              <a:t>ORDER</a:t>
+            </a:r>
+            <a:r>
+              <a:rPr lang="en-US" dirty="0">
+                <a:solidFill>
+                  <a:srgbClr val="ABB2BF"/>
+                </a:solidFill>
+                <a:effectLst/>
+                <a:latin typeface="Fira Code" panose="020B0809050000020004" pitchFamily="49" charset="0"/>
+              </a:rPr>
+              <a:t> </a:t>
+            </a:r>
+            <a:r>
+              <a:rPr lang="en-US" dirty="0">
+                <a:solidFill>
+                  <a:srgbClr val="C678DD"/>
+                </a:solidFill>
+                <a:effectLst/>
+                <a:latin typeface="Fira Code" panose="020B0809050000020004" pitchFamily="49" charset="0"/>
+              </a:rPr>
+              <a:t>BY</a:t>
+            </a:r>
+            <a:r>
+              <a:rPr lang="en-US" dirty="0">
+                <a:solidFill>
+                  <a:srgbClr val="ABB2BF"/>
+                </a:solidFill>
+                <a:effectLst/>
+                <a:latin typeface="Fira Code" panose="020B0809050000020004" pitchFamily="49" charset="0"/>
+              </a:rPr>
+              <a:t> name;</a:t>
             </a:r>
           </a:p>
           <a:p>
@@ -6434,7 +9290,7 @@
     </p:spTree>
     <p:extLst>
       <p:ext uri="{BB962C8B-B14F-4D97-AF65-F5344CB8AC3E}">
-        <p14:creationId xmlns:p14="http://schemas.microsoft.com/office/powerpoint/2010/main" val="2850152671"/>
+        <p14:creationId xmlns:p14="http://schemas.microsoft.com/office/powerpoint/2010/main" val="1424051777"/>
       </p:ext>
     </p:extLst>
   </p:cSld>
@@ -6691,7 +9547,7 @@
           <a:p>
             <a:r>
               <a:rPr lang="en-US" dirty="0"/>
-              <a:t>Summary</a:t>
+              <a:t>SQL Statements</a:t>
             </a:r>
           </a:p>
         </p:txBody>
@@ -6722,6 +9578,18 @@
           <a:bodyPr/>
           <a:lstStyle/>
           <a:p>
+            <a:pPr marL="0" indent="0">
+              <a:buNone/>
+            </a:pPr>
+            <a:r>
+              <a:rPr lang="en-US" dirty="0">
+                <a:solidFill>
+                  <a:srgbClr val="1C1917"/>
+                </a:solidFill>
+                <a:latin typeface="-apple-system"/>
+              </a:rPr>
+              <a:t>W</a:t>
+            </a:r>
             <a:r>
               <a:rPr lang="en-US" b="0" i="0" dirty="0">
                 <a:solidFill>
@@ -6730,50 +9598,13 @@
                 <a:effectLst/>
                 <a:latin typeface="-apple-system"/>
               </a:rPr>
-              <a:t>SQL Data Querying - Best Practices</a:t>
-            </a:r>
-          </a:p>
-          <a:p>
-            <a:pPr lvl="1"/>
-            <a:r>
-              <a:rPr lang="en-US" b="0" i="0" dirty="0">
-                <a:solidFill>
-                  <a:srgbClr val="1C1917"/>
-                </a:solidFill>
-                <a:effectLst/>
-                <a:latin typeface="-apple-system"/>
-              </a:rPr>
-              <a:t>SQL enables powerful data retrieval &amp; manipulation</a:t>
-            </a:r>
-          </a:p>
-          <a:p>
-            <a:pPr lvl="1"/>
-            <a:r>
-              <a:rPr lang="en-US" b="0" i="0" dirty="0">
-                <a:solidFill>
-                  <a:srgbClr val="1C1917"/>
-                </a:solidFill>
-                <a:effectLst/>
-                <a:latin typeface="-apple-system"/>
-              </a:rPr>
-              <a:t>Flexible data access across tables</a:t>
-            </a:r>
-          </a:p>
-          <a:p>
-            <a:pPr lvl="1"/>
-            <a:r>
-              <a:rPr lang="en-US" b="0" i="0" dirty="0">
-                <a:solidFill>
-                  <a:srgbClr val="1C1917"/>
-                </a:solidFill>
-                <a:effectLst/>
-                <a:latin typeface="-apple-system"/>
-              </a:rPr>
-              <a:t>Optimization for fast performance</a:t>
-            </a:r>
-          </a:p>
-          <a:p>
-            <a:pPr lvl="1"/>
+              <a:t>riting an SQL statement involves: </a:t>
+            </a:r>
+          </a:p>
+          <a:p>
+            <a:pPr marL="400050" lvl="1" indent="0">
+              <a:buNone/>
+            </a:pPr>
             <a:endParaRPr lang="en-US" b="0" i="0" dirty="0">
               <a:solidFill>
                 <a:srgbClr val="1C1917"/>
@@ -6783,6 +9614,7 @@
             </a:endParaRPr>
           </a:p>
           <a:p>
+            <a:pPr marL="857250" lvl="1" indent="-457200"/>
             <a:r>
               <a:rPr lang="en-US" b="0" i="0" dirty="0">
                 <a:solidFill>
@@ -6791,11 +9623,11 @@
                 <a:effectLst/>
                 <a:latin typeface="-apple-system"/>
               </a:rPr>
-              <a:t>Tips for Efficiency:</a:t>
-            </a:r>
-          </a:p>
-          <a:p>
-            <a:pPr lvl="1"/>
+              <a:t>Specify sorting/grouping (optional): </a:t>
+            </a:r>
+          </a:p>
+          <a:p>
+            <a:pPr marL="1257300" lvl="2" indent="-457200"/>
             <a:r>
               <a:rPr lang="en-US" b="0" i="0" dirty="0">
                 <a:solidFill>
@@ -6804,24 +9636,13 @@
                 <a:effectLst/>
                 <a:latin typeface="-apple-system"/>
               </a:rPr>
-              <a:t>Focus queries only on required columns and conditions</a:t>
-            </a:r>
-          </a:p>
-          <a:p>
-            <a:pPr lvl="1"/>
-            <a:r>
-              <a:rPr lang="en-US" b="0" i="0" dirty="0">
-                <a:solidFill>
-                  <a:srgbClr val="1C1917"/>
-                </a:solidFill>
-                <a:effectLst/>
-                <a:latin typeface="-apple-system"/>
-              </a:rPr>
-              <a:t>Look for inefficient scans or expensive operators</a:t>
-            </a:r>
-          </a:p>
-          <a:p>
-            <a:pPr lvl="1"/>
+              <a:t>Statements like ORDER BY and GROUP BY can control row sorting and grouping in the output.</a:t>
+            </a:r>
+          </a:p>
+          <a:p>
+            <a:pPr marL="800100" lvl="2" indent="0">
+              <a:buNone/>
+            </a:pPr>
             <a:endParaRPr lang="en-US" b="0" i="0" dirty="0">
               <a:solidFill>
                 <a:srgbClr val="1C1917"/>
@@ -6831,63 +9652,191 @@
             </a:endParaRPr>
           </a:p>
           <a:p>
-            <a:r>
-              <a:rPr lang="en-US" b="0" i="0" dirty="0">
-                <a:solidFill>
-                  <a:srgbClr val="1C1917"/>
-                </a:solidFill>
-                <a:effectLst/>
-                <a:latin typeface="-apple-system"/>
-              </a:rPr>
-              <a:t>Improve Over Time:</a:t>
-            </a:r>
-          </a:p>
-          <a:p>
-            <a:pPr lvl="1"/>
-            <a:r>
-              <a:rPr lang="en-US" b="0" i="0" dirty="0">
-                <a:solidFill>
-                  <a:srgbClr val="1C1917"/>
-                </a:solidFill>
-                <a:effectLst/>
-                <a:latin typeface="-apple-system"/>
-              </a:rPr>
-              <a:t>Start simple and targeted, add complexity gradually</a:t>
-            </a:r>
-          </a:p>
-          <a:p>
-            <a:pPr lvl="1"/>
-            <a:r>
-              <a:rPr lang="en-US" b="0" i="0" dirty="0">
-                <a:solidFill>
-                  <a:srgbClr val="1C1917"/>
-                </a:solidFill>
-                <a:effectLst/>
-                <a:latin typeface="-apple-system"/>
-              </a:rPr>
-              <a:t>Validate results at each iteration</a:t>
-            </a:r>
-          </a:p>
-          <a:p>
-            <a:pPr lvl="1"/>
-            <a:r>
-              <a:rPr lang="en-US" b="0" i="0" dirty="0">
-                <a:solidFill>
-                  <a:srgbClr val="1C1917"/>
-                </a:solidFill>
-                <a:effectLst/>
-                <a:latin typeface="-apple-system"/>
-              </a:rPr>
-              <a:t>Practice makes efficient SQL use</a:t>
-            </a:r>
-          </a:p>
-          <a:p>
-            <a:pPr marL="0" indent="0">
+            <a:pPr marL="0" indent="0" algn="ctr" rtl="0" latinLnBrk="0">
               <a:buNone/>
             </a:pPr>
-            <a:br>
-              <a:rPr lang="en-US" dirty="0"/>
-            </a:br>
+            <a:r>
+              <a:rPr lang="en-US" dirty="0">
+                <a:solidFill>
+                  <a:srgbClr val="C678DD"/>
+                </a:solidFill>
+                <a:effectLst/>
+                <a:latin typeface="Fira Code" panose="020B0809050000020004" pitchFamily="49" charset="0"/>
+              </a:rPr>
+              <a:t>SELECT</a:t>
+            </a:r>
+            <a:r>
+              <a:rPr lang="en-US" dirty="0">
+                <a:solidFill>
+                  <a:srgbClr val="ABB2BF"/>
+                </a:solidFill>
+                <a:effectLst/>
+                <a:latin typeface="Fira Code" panose="020B0809050000020004" pitchFamily="49" charset="0"/>
+              </a:rPr>
+              <a:t> id, name, address </a:t>
+            </a:r>
+          </a:p>
+          <a:p>
+            <a:pPr marL="0" indent="0" algn="ctr" rtl="0" latinLnBrk="0">
+              <a:buNone/>
+            </a:pPr>
+            <a:r>
+              <a:rPr lang="en-US" dirty="0">
+                <a:solidFill>
+                  <a:srgbClr val="C678DD"/>
+                </a:solidFill>
+                <a:effectLst/>
+                <a:latin typeface="Fira Code" panose="020B0809050000020004" pitchFamily="49" charset="0"/>
+              </a:rPr>
+              <a:t>FROM</a:t>
+            </a:r>
+            <a:r>
+              <a:rPr lang="en-US" dirty="0">
+                <a:solidFill>
+                  <a:srgbClr val="ABB2BF"/>
+                </a:solidFill>
+                <a:effectLst/>
+                <a:latin typeface="Fira Code" panose="020B0809050000020004" pitchFamily="49" charset="0"/>
+              </a:rPr>
+              <a:t> Customers </a:t>
+            </a:r>
+          </a:p>
+          <a:p>
+            <a:pPr marL="0" indent="0" algn="ctr" rtl="0" latinLnBrk="0">
+              <a:buNone/>
+            </a:pPr>
+            <a:r>
+              <a:rPr lang="en-US" dirty="0">
+                <a:solidFill>
+                  <a:srgbClr val="C678DD"/>
+                </a:solidFill>
+                <a:effectLst/>
+                <a:latin typeface="Fira Code" panose="020B0809050000020004" pitchFamily="49" charset="0"/>
+              </a:rPr>
+              <a:t>WHERE</a:t>
+            </a:r>
+            <a:r>
+              <a:rPr lang="en-US" dirty="0">
+                <a:solidFill>
+                  <a:srgbClr val="ABB2BF"/>
+                </a:solidFill>
+                <a:effectLst/>
+                <a:latin typeface="Fira Code" panose="020B0809050000020004" pitchFamily="49" charset="0"/>
+              </a:rPr>
+              <a:t> state </a:t>
+            </a:r>
+            <a:r>
+              <a:rPr lang="en-US" dirty="0">
+                <a:solidFill>
+                  <a:srgbClr val="61AFEF"/>
+                </a:solidFill>
+                <a:effectLst/>
+                <a:latin typeface="Fira Code" panose="020B0809050000020004" pitchFamily="49" charset="0"/>
+              </a:rPr>
+              <a:t>=</a:t>
+            </a:r>
+            <a:r>
+              <a:rPr lang="en-US" dirty="0">
+                <a:solidFill>
+                  <a:srgbClr val="ABB2BF"/>
+                </a:solidFill>
+                <a:effectLst/>
+                <a:latin typeface="Fira Code" panose="020B0809050000020004" pitchFamily="49" charset="0"/>
+              </a:rPr>
+              <a:t> </a:t>
+            </a:r>
+            <a:r>
+              <a:rPr lang="en-US" dirty="0">
+                <a:solidFill>
+                  <a:srgbClr val="98C379"/>
+                </a:solidFill>
+                <a:effectLst/>
+                <a:latin typeface="Fira Code" panose="020B0809050000020004" pitchFamily="49" charset="0"/>
+              </a:rPr>
+              <a:t>'CA’</a:t>
+            </a:r>
+            <a:r>
+              <a:rPr lang="en-US" dirty="0">
+                <a:solidFill>
+                  <a:srgbClr val="ABB2BF"/>
+                </a:solidFill>
+                <a:effectLst/>
+                <a:latin typeface="Fira Code" panose="020B0809050000020004" pitchFamily="49" charset="0"/>
+              </a:rPr>
+              <a:t> </a:t>
+            </a:r>
+          </a:p>
+          <a:p>
+            <a:pPr marL="0" indent="0" algn="ctr" rtl="0" latinLnBrk="0">
+              <a:buNone/>
+            </a:pPr>
+            <a:r>
+              <a:rPr lang="en-US" dirty="0">
+                <a:solidFill>
+                  <a:srgbClr val="C678DD"/>
+                </a:solidFill>
+                <a:effectLst/>
+                <a:highlight>
+                  <a:srgbClr val="FFFF00"/>
+                </a:highlight>
+                <a:latin typeface="Fira Code" panose="020B0809050000020004" pitchFamily="49" charset="0"/>
+              </a:rPr>
+              <a:t>ORDER</a:t>
+            </a:r>
+            <a:r>
+              <a:rPr lang="en-US" dirty="0">
+                <a:solidFill>
+                  <a:srgbClr val="ABB2BF"/>
+                </a:solidFill>
+                <a:effectLst/>
+                <a:highlight>
+                  <a:srgbClr val="FFFF00"/>
+                </a:highlight>
+                <a:latin typeface="Fira Code" panose="020B0809050000020004" pitchFamily="49" charset="0"/>
+              </a:rPr>
+              <a:t> </a:t>
+            </a:r>
+            <a:r>
+              <a:rPr lang="en-US" dirty="0">
+                <a:solidFill>
+                  <a:srgbClr val="C678DD"/>
+                </a:solidFill>
+                <a:effectLst/>
+                <a:highlight>
+                  <a:srgbClr val="FFFF00"/>
+                </a:highlight>
+                <a:latin typeface="Fira Code" panose="020B0809050000020004" pitchFamily="49" charset="0"/>
+              </a:rPr>
+              <a:t>BY</a:t>
+            </a:r>
+            <a:r>
+              <a:rPr lang="en-US" dirty="0">
+                <a:solidFill>
+                  <a:srgbClr val="ABB2BF"/>
+                </a:solidFill>
+                <a:effectLst/>
+                <a:highlight>
+                  <a:srgbClr val="FFFF00"/>
+                </a:highlight>
+                <a:latin typeface="Fira Code" panose="020B0809050000020004" pitchFamily="49" charset="0"/>
+              </a:rPr>
+              <a:t> name</a:t>
+            </a:r>
+            <a:r>
+              <a:rPr lang="en-US" dirty="0">
+                <a:solidFill>
+                  <a:srgbClr val="ABB2BF"/>
+                </a:solidFill>
+                <a:effectLst/>
+                <a:latin typeface="Fira Code" panose="020B0809050000020004" pitchFamily="49" charset="0"/>
+              </a:rPr>
+              <a:t>;</a:t>
+            </a:r>
+          </a:p>
+          <a:p>
+            <a:pPr marL="914400" lvl="2" indent="0">
+              <a:buNone/>
+            </a:pPr>
             <a:endParaRPr lang="en-US" b="0" i="0" dirty="0">
               <a:solidFill>
                 <a:srgbClr val="24292F"/>
@@ -6896,22 +9845,12 @@
               <a:latin typeface="-apple-system"/>
             </a:endParaRPr>
           </a:p>
-          <a:p>
-            <a:pPr lvl="2"/>
-            <a:endParaRPr lang="en-US" b="0" i="0" dirty="0">
-              <a:solidFill>
-                <a:srgbClr val="24292F"/>
-              </a:solidFill>
-              <a:effectLst/>
-              <a:latin typeface="-apple-system"/>
-            </a:endParaRPr>
-          </a:p>
         </p:txBody>
       </p:sp>
     </p:spTree>
     <p:extLst>
       <p:ext uri="{BB962C8B-B14F-4D97-AF65-F5344CB8AC3E}">
-        <p14:creationId xmlns:p14="http://schemas.microsoft.com/office/powerpoint/2010/main" val="2923696163"/>
+        <p14:creationId xmlns:p14="http://schemas.microsoft.com/office/powerpoint/2010/main" val="3440684354"/>
       </p:ext>
     </p:extLst>
   </p:cSld>
@@ -7168,7 +10107,7 @@
           <a:p>
             <a:r>
               <a:rPr lang="en-US" dirty="0"/>
-              <a:t>Hands On Examples</a:t>
+              <a:t>SQL Statements</a:t>
             </a:r>
           </a:p>
         </p:txBody>
@@ -7199,67 +10138,69 @@
           <a:bodyPr/>
           <a:lstStyle/>
           <a:p>
-            <a:pPr algn="l"/>
+            <a:pPr marL="0" indent="0">
+              <a:buNone/>
+            </a:pPr>
             <a:r>
               <a:rPr lang="en-US" dirty="0">
                 <a:solidFill>
-                  <a:srgbClr val="24292F"/>
+                  <a:srgbClr val="1C1917"/>
                 </a:solidFill>
                 <a:latin typeface="-apple-system"/>
               </a:rPr>
-              <a:t>U</a:t>
+              <a:t>W</a:t>
             </a:r>
             <a:r>
               <a:rPr lang="en-US" b="0" i="0" dirty="0">
                 <a:solidFill>
-                  <a:srgbClr val="24292F"/>
+                  <a:srgbClr val="1C1917"/>
                 </a:solidFill>
                 <a:effectLst/>
                 <a:latin typeface="-apple-system"/>
               </a:rPr>
-              <a:t>sing the AdventureWorks2012 Database</a:t>
-            </a:r>
-          </a:p>
-          <a:p>
-            <a:pPr lvl="1"/>
-            <a:r>
-              <a:rPr lang="en-US" dirty="0">
-                <a:solidFill>
-                  <a:srgbClr val="24292F"/>
-                </a:solidFill>
+              <a:t>riting an SQL statement involves: </a:t>
+            </a:r>
+          </a:p>
+          <a:p>
+            <a:pPr marL="800100" lvl="2" indent="0">
+              <a:buNone/>
+            </a:pPr>
+            <a:endParaRPr lang="en-US" b="0" i="0" dirty="0">
+              <a:solidFill>
+                <a:srgbClr val="1C1917"/>
+              </a:solidFill>
+              <a:effectLst/>
+              <a:latin typeface="-apple-system"/>
+            </a:endParaRPr>
+          </a:p>
+          <a:p>
+            <a:pPr marL="857250" lvl="1" indent="-457200"/>
+            <a:r>
+              <a:rPr lang="en-US" b="0" i="0" dirty="0">
+                <a:solidFill>
+                  <a:srgbClr val="1C1917"/>
+                </a:solidFill>
+                <a:effectLst/>
                 <a:latin typeface="-apple-system"/>
               </a:rPr>
-              <a:t>Please open up SSMS</a:t>
-            </a:r>
-          </a:p>
-          <a:p>
-            <a:pPr lvl="1"/>
+              <a:t>End with a semicolon: </a:t>
+            </a:r>
+          </a:p>
+          <a:p>
+            <a:pPr marL="1257300" lvl="2" indent="-457200"/>
             <a:r>
               <a:rPr lang="en-US" b="0" i="0" dirty="0">
                 <a:solidFill>
-                  <a:srgbClr val="24292F"/>
+                  <a:srgbClr val="1C1917"/>
                 </a:solidFill>
                 <a:effectLst/>
                 <a:latin typeface="-apple-system"/>
               </a:rPr>
-              <a:t>Connect to BISS</a:t>
-            </a:r>
-          </a:p>
-          <a:p>
-            <a:pPr lvl="2"/>
-            <a:r>
-              <a:rPr lang="en-US" b="0" i="0" dirty="0">
-                <a:solidFill>
-                  <a:srgbClr val="24292F"/>
-                </a:solidFill>
-                <a:effectLst/>
-                <a:latin typeface="-apple-system"/>
-              </a:rPr>
-              <a:t>Server = mss-p1-biss-01</a:t>
-            </a:r>
-          </a:p>
-          <a:p>
-            <a:pPr marL="0" indent="0">
+              <a:t>All SQL statements are terminated with a semicolon ";"</a:t>
+            </a:r>
+          </a:p>
+          <a:p>
+            <a:pPr marL="914400" lvl="2" indent="0">
               <a:buNone/>
             </a:pPr>
             <a:endParaRPr lang="en-US" b="0" i="0" dirty="0">
@@ -7271,7 +10212,180 @@
             </a:endParaRPr>
           </a:p>
           <a:p>
-            <a:pPr marL="0" indent="0" algn="l">
+            <a:pPr marL="0" indent="0" algn="ctr" rtl="0" latinLnBrk="0">
+              <a:buNone/>
+            </a:pPr>
+            <a:r>
+              <a:rPr lang="en-US" dirty="0">
+                <a:solidFill>
+                  <a:srgbClr val="C678DD"/>
+                </a:solidFill>
+                <a:effectLst/>
+                <a:latin typeface="Fira Code" panose="020B0809050000020004" pitchFamily="49" charset="0"/>
+              </a:rPr>
+              <a:t>SELECT</a:t>
+            </a:r>
+            <a:r>
+              <a:rPr lang="en-US" dirty="0">
+                <a:solidFill>
+                  <a:srgbClr val="ABB2BF"/>
+                </a:solidFill>
+                <a:effectLst/>
+                <a:latin typeface="Fira Code" panose="020B0809050000020004" pitchFamily="49" charset="0"/>
+              </a:rPr>
+              <a:t> id, name, address </a:t>
+            </a:r>
+          </a:p>
+          <a:p>
+            <a:pPr marL="0" indent="0" algn="ctr" rtl="0" latinLnBrk="0">
+              <a:buNone/>
+            </a:pPr>
+            <a:r>
+              <a:rPr lang="en-US" dirty="0">
+                <a:solidFill>
+                  <a:srgbClr val="C678DD"/>
+                </a:solidFill>
+                <a:effectLst/>
+                <a:latin typeface="Fira Code" panose="020B0809050000020004" pitchFamily="49" charset="0"/>
+              </a:rPr>
+              <a:t>FROM</a:t>
+            </a:r>
+            <a:r>
+              <a:rPr lang="en-US" dirty="0">
+                <a:solidFill>
+                  <a:srgbClr val="ABB2BF"/>
+                </a:solidFill>
+                <a:effectLst/>
+                <a:latin typeface="Fira Code" panose="020B0809050000020004" pitchFamily="49" charset="0"/>
+              </a:rPr>
+              <a:t> Customers </a:t>
+            </a:r>
+          </a:p>
+          <a:p>
+            <a:pPr marL="0" indent="0" algn="ctr" rtl="0" latinLnBrk="0">
+              <a:buNone/>
+            </a:pPr>
+            <a:r>
+              <a:rPr lang="en-US" dirty="0">
+                <a:solidFill>
+                  <a:srgbClr val="C678DD"/>
+                </a:solidFill>
+                <a:effectLst/>
+                <a:latin typeface="Fira Code" panose="020B0809050000020004" pitchFamily="49" charset="0"/>
+              </a:rPr>
+              <a:t>WHERE</a:t>
+            </a:r>
+            <a:r>
+              <a:rPr lang="en-US" dirty="0">
+                <a:solidFill>
+                  <a:srgbClr val="ABB2BF"/>
+                </a:solidFill>
+                <a:effectLst/>
+                <a:latin typeface="Fira Code" panose="020B0809050000020004" pitchFamily="49" charset="0"/>
+              </a:rPr>
+              <a:t> state </a:t>
+            </a:r>
+            <a:r>
+              <a:rPr lang="en-US" dirty="0">
+                <a:solidFill>
+                  <a:srgbClr val="61AFEF"/>
+                </a:solidFill>
+                <a:effectLst/>
+                <a:latin typeface="Fira Code" panose="020B0809050000020004" pitchFamily="49" charset="0"/>
+              </a:rPr>
+              <a:t>=</a:t>
+            </a:r>
+            <a:r>
+              <a:rPr lang="en-US" dirty="0">
+                <a:solidFill>
+                  <a:srgbClr val="ABB2BF"/>
+                </a:solidFill>
+                <a:effectLst/>
+                <a:latin typeface="Fira Code" panose="020B0809050000020004" pitchFamily="49" charset="0"/>
+              </a:rPr>
+              <a:t> </a:t>
+            </a:r>
+            <a:r>
+              <a:rPr lang="en-US" dirty="0">
+                <a:solidFill>
+                  <a:srgbClr val="98C379"/>
+                </a:solidFill>
+                <a:effectLst/>
+                <a:latin typeface="Fira Code" panose="020B0809050000020004" pitchFamily="49" charset="0"/>
+              </a:rPr>
+              <a:t>'CA’</a:t>
+            </a:r>
+            <a:r>
+              <a:rPr lang="en-US" dirty="0">
+                <a:solidFill>
+                  <a:srgbClr val="ABB2BF"/>
+                </a:solidFill>
+                <a:effectLst/>
+                <a:latin typeface="Fira Code" panose="020B0809050000020004" pitchFamily="49" charset="0"/>
+              </a:rPr>
+              <a:t> </a:t>
+            </a:r>
+          </a:p>
+          <a:p>
+            <a:pPr marL="0" indent="0" algn="ctr" rtl="0" latinLnBrk="0">
+              <a:buNone/>
+            </a:pPr>
+            <a:r>
+              <a:rPr lang="en-US" dirty="0">
+                <a:solidFill>
+                  <a:srgbClr val="C678DD"/>
+                </a:solidFill>
+                <a:effectLst/>
+                <a:latin typeface="Fira Code" panose="020B0809050000020004" pitchFamily="49" charset="0"/>
+              </a:rPr>
+              <a:t>ORDER</a:t>
+            </a:r>
+            <a:r>
+              <a:rPr lang="en-US" dirty="0">
+                <a:solidFill>
+                  <a:srgbClr val="ABB2BF"/>
+                </a:solidFill>
+                <a:effectLst/>
+                <a:latin typeface="Fira Code" panose="020B0809050000020004" pitchFamily="49" charset="0"/>
+              </a:rPr>
+              <a:t> </a:t>
+            </a:r>
+            <a:r>
+              <a:rPr lang="en-US" dirty="0">
+                <a:solidFill>
+                  <a:srgbClr val="C678DD"/>
+                </a:solidFill>
+                <a:effectLst/>
+                <a:latin typeface="Fira Code" panose="020B0809050000020004" pitchFamily="49" charset="0"/>
+              </a:rPr>
+              <a:t>BY</a:t>
+            </a:r>
+            <a:r>
+              <a:rPr lang="en-US" dirty="0">
+                <a:solidFill>
+                  <a:srgbClr val="ABB2BF"/>
+                </a:solidFill>
+                <a:effectLst/>
+                <a:latin typeface="Fira Code" panose="020B0809050000020004" pitchFamily="49" charset="0"/>
+              </a:rPr>
+              <a:t> name</a:t>
+            </a:r>
+            <a:r>
+              <a:rPr lang="en-US" dirty="0">
+                <a:solidFill>
+                  <a:srgbClr val="ABB2BF"/>
+                </a:solidFill>
+                <a:effectLst/>
+                <a:highlight>
+                  <a:srgbClr val="FFFF00"/>
+                </a:highlight>
+                <a:latin typeface="Fira Code" panose="020B0809050000020004" pitchFamily="49" charset="0"/>
+              </a:rPr>
+              <a:t>;</a:t>
+            </a:r>
+          </a:p>
+          <a:p>
+            <a:pPr marL="914400" lvl="2" indent="0">
               <a:buNone/>
             </a:pPr>
             <a:endParaRPr lang="en-US" b="0" i="0" dirty="0">
@@ -7282,54 +10396,12 @@
               <a:latin typeface="-apple-system"/>
             </a:endParaRPr>
           </a:p>
-          <a:p>
-            <a:pPr marL="0" indent="0" algn="l">
-              <a:buNone/>
-            </a:pPr>
-            <a:endParaRPr lang="en-US" b="0" i="0" dirty="0">
-              <a:solidFill>
-                <a:srgbClr val="24292F"/>
-              </a:solidFill>
-              <a:effectLst/>
-              <a:latin typeface="-apple-system"/>
-            </a:endParaRPr>
-          </a:p>
         </p:txBody>
       </p:sp>
-      <p:pic>
-        <p:nvPicPr>
-          <p:cNvPr id="2" name="Picture 1">
-            <a:extLst>
-              <a:ext uri="{FF2B5EF4-FFF2-40B4-BE49-F238E27FC236}">
-                <a16:creationId xmlns:a16="http://schemas.microsoft.com/office/drawing/2014/main" id="{7C73B60A-9D72-9725-CF53-6F536A38C53C}"/>
-              </a:ext>
-            </a:extLst>
-          </p:cNvPr>
-          <p:cNvPicPr>
-            <a:picLocks noChangeAspect="1"/>
-          </p:cNvPicPr>
-          <p:nvPr/>
-        </p:nvPicPr>
-        <p:blipFill>
-          <a:blip r:embed="rId2"/>
-          <a:stretch>
-            <a:fillRect/>
-          </a:stretch>
-        </p:blipFill>
-        <p:spPr>
-          <a:xfrm>
-            <a:off x="1808367" y="2943224"/>
-            <a:ext cx="4808896" cy="3171825"/>
-          </a:xfrm>
-          <a:prstGeom prst="rect">
-            <a:avLst/>
-          </a:prstGeom>
-        </p:spPr>
-      </p:pic>
     </p:spTree>
     <p:extLst>
       <p:ext uri="{BB962C8B-B14F-4D97-AF65-F5344CB8AC3E}">
-        <p14:creationId xmlns:p14="http://schemas.microsoft.com/office/powerpoint/2010/main" val="146600374"/>
+        <p14:creationId xmlns:p14="http://schemas.microsoft.com/office/powerpoint/2010/main" val="2850152671"/>
       </p:ext>
     </p:extLst>
   </p:cSld>
@@ -7586,7 +10658,7 @@
           <a:p>
             <a:r>
               <a:rPr lang="en-US" dirty="0"/>
-              <a:t>Hands On Examples</a:t>
+              <a:t>Summary</a:t>
             </a:r>
           </a:p>
         </p:txBody>
@@ -7620,15 +10692,169 @@
             <a:r>
               <a:rPr lang="en-US" b="0" i="0" dirty="0">
                 <a:solidFill>
-                  <a:srgbClr val="24292F"/>
+                  <a:srgbClr val="1C1917"/>
                 </a:solidFill>
                 <a:effectLst/>
                 <a:latin typeface="-apple-system"/>
               </a:rPr>
-              <a:t>Click File -&gt; Open -&gt; File</a:t>
-            </a:r>
-          </a:p>
-          <a:p>
+              <a:t>SQL Data Querying - Best Practices</a:t>
+            </a:r>
+          </a:p>
+          <a:p>
+            <a:pPr lvl="1"/>
+            <a:r>
+              <a:rPr lang="en-US" b="0" i="0" dirty="0">
+                <a:solidFill>
+                  <a:srgbClr val="1C1917"/>
+                </a:solidFill>
+                <a:effectLst/>
+                <a:latin typeface="-apple-system"/>
+              </a:rPr>
+              <a:t>SQL enables powerful data retrieval &amp; manipulation</a:t>
+            </a:r>
+          </a:p>
+          <a:p>
+            <a:pPr lvl="1"/>
+            <a:r>
+              <a:rPr lang="en-US" b="0" i="0" dirty="0">
+                <a:solidFill>
+                  <a:srgbClr val="1C1917"/>
+                </a:solidFill>
+                <a:effectLst/>
+                <a:latin typeface="-apple-system"/>
+              </a:rPr>
+              <a:t>Flexible data access across tables</a:t>
+            </a:r>
+          </a:p>
+          <a:p>
+            <a:pPr lvl="1"/>
+            <a:r>
+              <a:rPr lang="en-US" b="0" i="0" dirty="0">
+                <a:solidFill>
+                  <a:srgbClr val="1C1917"/>
+                </a:solidFill>
+                <a:effectLst/>
+                <a:latin typeface="-apple-system"/>
+              </a:rPr>
+              <a:t>Optimization for fast performance</a:t>
+            </a:r>
+          </a:p>
+          <a:p>
+            <a:pPr lvl="1"/>
+            <a:endParaRPr lang="en-US" b="0" i="0" dirty="0">
+              <a:solidFill>
+                <a:srgbClr val="1C1917"/>
+              </a:solidFill>
+              <a:effectLst/>
+              <a:latin typeface="-apple-system"/>
+            </a:endParaRPr>
+          </a:p>
+          <a:p>
+            <a:r>
+              <a:rPr lang="en-US" b="0" i="0" dirty="0">
+                <a:solidFill>
+                  <a:srgbClr val="1C1917"/>
+                </a:solidFill>
+                <a:effectLst/>
+                <a:latin typeface="-apple-system"/>
+              </a:rPr>
+              <a:t>Tips for Efficiency:</a:t>
+            </a:r>
+          </a:p>
+          <a:p>
+            <a:pPr lvl="1"/>
+            <a:r>
+              <a:rPr lang="en-US" b="0" i="0" dirty="0">
+                <a:solidFill>
+                  <a:srgbClr val="1C1917"/>
+                </a:solidFill>
+                <a:effectLst/>
+                <a:latin typeface="-apple-system"/>
+              </a:rPr>
+              <a:t>Focus queries only on required columns and conditions</a:t>
+            </a:r>
+          </a:p>
+          <a:p>
+            <a:pPr lvl="1"/>
+            <a:r>
+              <a:rPr lang="en-US" b="0" i="0" dirty="0">
+                <a:solidFill>
+                  <a:srgbClr val="1C1917"/>
+                </a:solidFill>
+                <a:effectLst/>
+                <a:latin typeface="-apple-system"/>
+              </a:rPr>
+              <a:t>Look for inefficient scans or expensive operators</a:t>
+            </a:r>
+          </a:p>
+          <a:p>
+            <a:pPr lvl="1"/>
+            <a:endParaRPr lang="en-US" b="0" i="0" dirty="0">
+              <a:solidFill>
+                <a:srgbClr val="1C1917"/>
+              </a:solidFill>
+              <a:effectLst/>
+              <a:latin typeface="-apple-system"/>
+            </a:endParaRPr>
+          </a:p>
+          <a:p>
+            <a:r>
+              <a:rPr lang="en-US" b="0" i="0" dirty="0">
+                <a:solidFill>
+                  <a:srgbClr val="1C1917"/>
+                </a:solidFill>
+                <a:effectLst/>
+                <a:latin typeface="-apple-system"/>
+              </a:rPr>
+              <a:t>Improve Over Time:</a:t>
+            </a:r>
+          </a:p>
+          <a:p>
+            <a:pPr lvl="1"/>
+            <a:r>
+              <a:rPr lang="en-US" b="0" i="0" dirty="0">
+                <a:solidFill>
+                  <a:srgbClr val="1C1917"/>
+                </a:solidFill>
+                <a:effectLst/>
+                <a:latin typeface="-apple-system"/>
+              </a:rPr>
+              <a:t>Start simple and targeted, add complexity gradually</a:t>
+            </a:r>
+          </a:p>
+          <a:p>
+            <a:pPr lvl="1"/>
+            <a:r>
+              <a:rPr lang="en-US" b="0" i="0" dirty="0">
+                <a:solidFill>
+                  <a:srgbClr val="1C1917"/>
+                </a:solidFill>
+                <a:effectLst/>
+                <a:latin typeface="-apple-system"/>
+              </a:rPr>
+              <a:t>Validate results at each iteration</a:t>
+            </a:r>
+          </a:p>
+          <a:p>
+            <a:pPr lvl="1"/>
+            <a:r>
+              <a:rPr lang="en-US" b="0" i="0" dirty="0">
+                <a:solidFill>
+                  <a:srgbClr val="1C1917"/>
+                </a:solidFill>
+                <a:effectLst/>
+                <a:latin typeface="-apple-system"/>
+              </a:rPr>
+              <a:t>Practice makes efficient SQL use</a:t>
+            </a:r>
+          </a:p>
+          <a:p>
+            <a:pPr marL="0" indent="0">
+              <a:buNone/>
+            </a:pPr>
+            <a:br>
+              <a:rPr lang="en-US" dirty="0"/>
+            </a:br>
             <a:endParaRPr lang="en-US" b="0" i="0" dirty="0">
               <a:solidFill>
                 <a:srgbClr val="24292F"/>
@@ -7638,7 +10864,7 @@
             </a:endParaRPr>
           </a:p>
           <a:p>
-            <a:pPr lvl="1"/>
+            <a:pPr lvl="2"/>
             <a:endParaRPr lang="en-US" b="0" i="0" dirty="0">
               <a:solidFill>
                 <a:srgbClr val="24292F"/>
@@ -7647,78 +10873,12 @@
               <a:latin typeface="-apple-system"/>
             </a:endParaRPr>
           </a:p>
-          <a:p>
-            <a:pPr marL="0" indent="0">
-              <a:buNone/>
-            </a:pPr>
-            <a:endParaRPr lang="en-US" b="0" i="0" dirty="0">
-              <a:solidFill>
-                <a:srgbClr val="24292F"/>
-              </a:solidFill>
-              <a:effectLst/>
-              <a:latin typeface="-apple-system"/>
-            </a:endParaRPr>
-          </a:p>
-          <a:p>
-            <a:pPr marL="0" indent="0" algn="l">
-              <a:buNone/>
-            </a:pPr>
-            <a:endParaRPr lang="en-US" b="0" i="0" dirty="0">
-              <a:solidFill>
-                <a:srgbClr val="24292F"/>
-              </a:solidFill>
-              <a:effectLst/>
-              <a:latin typeface="-apple-system"/>
-            </a:endParaRPr>
-          </a:p>
-          <a:p>
-            <a:pPr marL="0" indent="0" algn="l">
-              <a:buNone/>
-            </a:pPr>
-            <a:endParaRPr lang="en-US" b="0" i="0" dirty="0">
-              <a:solidFill>
-                <a:srgbClr val="24292F"/>
-              </a:solidFill>
-              <a:effectLst/>
-              <a:latin typeface="-apple-system"/>
-            </a:endParaRPr>
-          </a:p>
         </p:txBody>
       </p:sp>
-      <p:pic>
-        <p:nvPicPr>
-          <p:cNvPr id="4" name="Picture 3">
-            <a:extLst>
-              <a:ext uri="{FF2B5EF4-FFF2-40B4-BE49-F238E27FC236}">
-                <a16:creationId xmlns:a16="http://schemas.microsoft.com/office/drawing/2014/main" id="{9913EA44-DE34-7A79-B7FD-95E417CE2AD5}"/>
-              </a:ext>
-            </a:extLst>
-          </p:cNvPr>
-          <p:cNvPicPr>
-            <a:picLocks noChangeAspect="1"/>
-          </p:cNvPicPr>
-          <p:nvPr/>
-        </p:nvPicPr>
-        <p:blipFill>
-          <a:blip r:embed="rId2"/>
-          <a:stretch>
-            <a:fillRect/>
-          </a:stretch>
-        </p:blipFill>
-        <p:spPr>
-          <a:xfrm>
-            <a:off x="1363762" y="2084652"/>
-            <a:ext cx="6193146" cy="3605436"/>
-          </a:xfrm>
-          <a:prstGeom prst="rect">
-            <a:avLst/>
-          </a:prstGeom>
-        </p:spPr>
-      </p:pic>
     </p:spTree>
     <p:extLst>
       <p:ext uri="{BB962C8B-B14F-4D97-AF65-F5344CB8AC3E}">
-        <p14:creationId xmlns:p14="http://schemas.microsoft.com/office/powerpoint/2010/main" val="1451264872"/>
+        <p14:creationId xmlns:p14="http://schemas.microsoft.com/office/powerpoint/2010/main" val="2923696163"/>
       </p:ext>
     </p:extLst>
   </p:cSld>
@@ -8006,6 +11166,813 @@
           <a:bodyPr/>
           <a:lstStyle/>
           <a:p>
+            <a:pPr algn="l"/>
+            <a:r>
+              <a:rPr lang="en-US" dirty="0">
+                <a:solidFill>
+                  <a:srgbClr val="24292F"/>
+                </a:solidFill>
+                <a:latin typeface="-apple-system"/>
+              </a:rPr>
+              <a:t>U</a:t>
+            </a:r>
+            <a:r>
+              <a:rPr lang="en-US" b="0" i="0" dirty="0">
+                <a:solidFill>
+                  <a:srgbClr val="24292F"/>
+                </a:solidFill>
+                <a:effectLst/>
+                <a:latin typeface="-apple-system"/>
+              </a:rPr>
+              <a:t>sing the AdventureWorks2012 Database</a:t>
+            </a:r>
+          </a:p>
+          <a:p>
+            <a:pPr lvl="1"/>
+            <a:r>
+              <a:rPr lang="en-US" dirty="0">
+                <a:solidFill>
+                  <a:srgbClr val="24292F"/>
+                </a:solidFill>
+                <a:latin typeface="-apple-system"/>
+              </a:rPr>
+              <a:t>Please open up SSMS</a:t>
+            </a:r>
+          </a:p>
+          <a:p>
+            <a:pPr lvl="1"/>
+            <a:r>
+              <a:rPr lang="en-US" b="0" i="0" dirty="0">
+                <a:solidFill>
+                  <a:srgbClr val="24292F"/>
+                </a:solidFill>
+                <a:effectLst/>
+                <a:latin typeface="-apple-system"/>
+              </a:rPr>
+              <a:t>Connect to BISS</a:t>
+            </a:r>
+          </a:p>
+          <a:p>
+            <a:pPr lvl="2"/>
+            <a:r>
+              <a:rPr lang="en-US" b="0" i="0" dirty="0">
+                <a:solidFill>
+                  <a:srgbClr val="24292F"/>
+                </a:solidFill>
+                <a:effectLst/>
+                <a:latin typeface="-apple-system"/>
+              </a:rPr>
+              <a:t>Server = mss-p1-biss-01</a:t>
+            </a:r>
+          </a:p>
+          <a:p>
+            <a:pPr marL="0" indent="0">
+              <a:buNone/>
+            </a:pPr>
+            <a:endParaRPr lang="en-US" b="0" i="0" dirty="0">
+              <a:solidFill>
+                <a:srgbClr val="24292F"/>
+              </a:solidFill>
+              <a:effectLst/>
+              <a:latin typeface="-apple-system"/>
+            </a:endParaRPr>
+          </a:p>
+          <a:p>
+            <a:pPr marL="0" indent="0" algn="l">
+              <a:buNone/>
+            </a:pPr>
+            <a:endParaRPr lang="en-US" b="0" i="0" dirty="0">
+              <a:solidFill>
+                <a:srgbClr val="24292F"/>
+              </a:solidFill>
+              <a:effectLst/>
+              <a:latin typeface="-apple-system"/>
+            </a:endParaRPr>
+          </a:p>
+          <a:p>
+            <a:pPr marL="0" indent="0" algn="l">
+              <a:buNone/>
+            </a:pPr>
+            <a:endParaRPr lang="en-US" b="0" i="0" dirty="0">
+              <a:solidFill>
+                <a:srgbClr val="24292F"/>
+              </a:solidFill>
+              <a:effectLst/>
+              <a:latin typeface="-apple-system"/>
+            </a:endParaRPr>
+          </a:p>
+        </p:txBody>
+      </p:sp>
+      <p:pic>
+        <p:nvPicPr>
+          <p:cNvPr id="2" name="Picture 1">
+            <a:extLst>
+              <a:ext uri="{FF2B5EF4-FFF2-40B4-BE49-F238E27FC236}">
+                <a16:creationId xmlns:a16="http://schemas.microsoft.com/office/drawing/2014/main" id="{7C73B60A-9D72-9725-CF53-6F536A38C53C}"/>
+              </a:ext>
+            </a:extLst>
+          </p:cNvPr>
+          <p:cNvPicPr>
+            <a:picLocks noChangeAspect="1"/>
+          </p:cNvPicPr>
+          <p:nvPr/>
+        </p:nvPicPr>
+        <p:blipFill>
+          <a:blip r:embed="rId2"/>
+          <a:stretch>
+            <a:fillRect/>
+          </a:stretch>
+        </p:blipFill>
+        <p:spPr>
+          <a:xfrm>
+            <a:off x="1808367" y="2943224"/>
+            <a:ext cx="4808896" cy="3171825"/>
+          </a:xfrm>
+          <a:prstGeom prst="rect">
+            <a:avLst/>
+          </a:prstGeom>
+        </p:spPr>
+      </p:pic>
+    </p:spTree>
+    <p:extLst>
+      <p:ext uri="{BB962C8B-B14F-4D97-AF65-F5344CB8AC3E}">
+        <p14:creationId xmlns:p14="http://schemas.microsoft.com/office/powerpoint/2010/main" val="146600374"/>
+      </p:ext>
+    </p:extLst>
+  </p:cSld>
+  <p:clrMapOvr>
+    <a:masterClrMapping/>
+  </p:clrMapOvr>
+</p:sld>
+</file>
+
+<file path=ppt/slides/slide15.xml><?xml version="1.0" encoding="utf-8"?>
+<p:sld xmlns:a="http://schemas.openxmlformats.org/drawingml/2006/main" xmlns:r="http://schemas.openxmlformats.org/officeDocument/2006/relationships" xmlns:p="http://schemas.openxmlformats.org/presentationml/2006/main">
+  <p:cSld>
+    <p:spTree>
+      <p:nvGrpSpPr>
+        <p:cNvPr id="1" name=""/>
+        <p:cNvGrpSpPr/>
+        <p:nvPr/>
+      </p:nvGrpSpPr>
+      <p:grpSpPr>
+        <a:xfrm>
+          <a:off x="0" y="0"/>
+          <a:ext cx="0" cy="0"/>
+          <a:chOff x="0" y="0"/>
+          <a:chExt cx="0" cy="0"/>
+        </a:xfrm>
+      </p:grpSpPr>
+      <p:sp>
+        <p:nvSpPr>
+          <p:cNvPr id="8" name="Subtitle 2">
+            <a:extLst>
+              <a:ext uri="{FF2B5EF4-FFF2-40B4-BE49-F238E27FC236}">
+                <a16:creationId xmlns:a16="http://schemas.microsoft.com/office/drawing/2014/main" id="{090EFA5F-2C72-42AB-A069-51AFDC27C766}"/>
+              </a:ext>
+            </a:extLst>
+          </p:cNvPr>
+          <p:cNvSpPr txBox="1">
+            <a:spLocks/>
+          </p:cNvSpPr>
+          <p:nvPr/>
+        </p:nvSpPr>
+        <p:spPr>
+          <a:xfrm>
+            <a:off x="778079" y="4099775"/>
+            <a:ext cx="6400800" cy="1237021"/>
+          </a:xfrm>
+        </p:spPr>
+        <p:txBody>
+          <a:bodyPr/>
+          <a:lstStyle>
+            <a:lvl1pPr marL="0" indent="0" algn="l" defTabSz="457200" rtl="0" eaLnBrk="0" fontAlgn="base" hangingPunct="0">
+              <a:spcBef>
+                <a:spcPct val="20000"/>
+              </a:spcBef>
+              <a:spcAft>
+                <a:spcPct val="0"/>
+              </a:spcAft>
+              <a:buFont typeface="Arial" panose="020B0604020202020204" pitchFamily="34" charset="0"/>
+              <a:buNone/>
+              <a:defRPr sz="1800" kern="1200">
+                <a:solidFill>
+                  <a:srgbClr val="0FA7B5"/>
+                </a:solidFill>
+                <a:latin typeface="+mn-lt"/>
+                <a:ea typeface="MS PGothic" panose="020B0600070205080204" pitchFamily="34" charset="-128"/>
+                <a:cs typeface="ＭＳ Ｐゴシック" charset="0"/>
+              </a:defRPr>
+            </a:lvl1pPr>
+            <a:lvl2pPr marL="342900" indent="0" algn="l" defTabSz="457200" rtl="0" eaLnBrk="0" fontAlgn="base" hangingPunct="0">
+              <a:spcBef>
+                <a:spcPct val="20000"/>
+              </a:spcBef>
+              <a:spcAft>
+                <a:spcPct val="0"/>
+              </a:spcAft>
+              <a:buFont typeface="Arial" panose="020B0604020202020204" pitchFamily="34" charset="0"/>
+              <a:buNone/>
+              <a:defRPr sz="1500" kern="1200">
+                <a:solidFill>
+                  <a:schemeClr val="tx1">
+                    <a:tint val="75000"/>
+                  </a:schemeClr>
+                </a:solidFill>
+                <a:latin typeface="+mn-lt"/>
+                <a:ea typeface="MS PGothic" panose="020B0600070205080204" pitchFamily="34" charset="-128"/>
+                <a:cs typeface="+mn-cs"/>
+              </a:defRPr>
+            </a:lvl2pPr>
+            <a:lvl3pPr marL="685800" indent="0" algn="l" defTabSz="457200" rtl="0" eaLnBrk="0" fontAlgn="base" hangingPunct="0">
+              <a:spcBef>
+                <a:spcPct val="20000"/>
+              </a:spcBef>
+              <a:spcAft>
+                <a:spcPct val="0"/>
+              </a:spcAft>
+              <a:buFont typeface="Arial" panose="020B0604020202020204" pitchFamily="34" charset="0"/>
+              <a:buNone/>
+              <a:defRPr sz="1350" kern="1200">
+                <a:solidFill>
+                  <a:schemeClr val="tx1">
+                    <a:tint val="75000"/>
+                  </a:schemeClr>
+                </a:solidFill>
+                <a:latin typeface="+mn-lt"/>
+                <a:ea typeface="MS PGothic" panose="020B0600070205080204" pitchFamily="34" charset="-128"/>
+                <a:cs typeface="+mn-cs"/>
+              </a:defRPr>
+            </a:lvl3pPr>
+            <a:lvl4pPr marL="1028700" indent="0" algn="l" defTabSz="457200" rtl="0" eaLnBrk="0" fontAlgn="base" hangingPunct="0">
+              <a:spcBef>
+                <a:spcPct val="20000"/>
+              </a:spcBef>
+              <a:spcAft>
+                <a:spcPct val="0"/>
+              </a:spcAft>
+              <a:buFont typeface="Arial" panose="020B0604020202020204" pitchFamily="34" charset="0"/>
+              <a:buNone/>
+              <a:defRPr sz="1200" kern="1200">
+                <a:solidFill>
+                  <a:schemeClr val="tx1">
+                    <a:tint val="75000"/>
+                  </a:schemeClr>
+                </a:solidFill>
+                <a:latin typeface="+mn-lt"/>
+                <a:ea typeface="MS PGothic" panose="020B0600070205080204" pitchFamily="34" charset="-128"/>
+                <a:cs typeface="+mn-cs"/>
+              </a:defRPr>
+            </a:lvl4pPr>
+            <a:lvl5pPr marL="1371600" indent="0" algn="l" defTabSz="457200" rtl="0" eaLnBrk="0" fontAlgn="base" hangingPunct="0">
+              <a:spcBef>
+                <a:spcPct val="20000"/>
+              </a:spcBef>
+              <a:spcAft>
+                <a:spcPct val="0"/>
+              </a:spcAft>
+              <a:buFont typeface="Arial" panose="020B0604020202020204" pitchFamily="34" charset="0"/>
+              <a:buNone/>
+              <a:defRPr sz="1200" kern="1200">
+                <a:solidFill>
+                  <a:schemeClr val="tx1">
+                    <a:tint val="75000"/>
+                  </a:schemeClr>
+                </a:solidFill>
+                <a:latin typeface="+mn-lt"/>
+                <a:ea typeface="MS PGothic" panose="020B0600070205080204" pitchFamily="34" charset="-128"/>
+                <a:cs typeface="+mn-cs"/>
+              </a:defRPr>
+            </a:lvl5pPr>
+            <a:lvl6pPr marL="1714500" indent="0" algn="l" defTabSz="457200" rtl="0" eaLnBrk="1" latinLnBrk="0" hangingPunct="1">
+              <a:spcBef>
+                <a:spcPct val="20000"/>
+              </a:spcBef>
+              <a:buFont typeface="Arial"/>
+              <a:buNone/>
+              <a:defRPr sz="1200" kern="1200">
+                <a:solidFill>
+                  <a:schemeClr val="tx1">
+                    <a:tint val="75000"/>
+                  </a:schemeClr>
+                </a:solidFill>
+                <a:latin typeface="+mn-lt"/>
+                <a:ea typeface="+mn-ea"/>
+                <a:cs typeface="+mn-cs"/>
+              </a:defRPr>
+            </a:lvl6pPr>
+            <a:lvl7pPr marL="2057400" indent="0" algn="l" defTabSz="457200" rtl="0" eaLnBrk="1" latinLnBrk="0" hangingPunct="1">
+              <a:spcBef>
+                <a:spcPct val="20000"/>
+              </a:spcBef>
+              <a:buFont typeface="Arial"/>
+              <a:buNone/>
+              <a:defRPr sz="1200" kern="1200">
+                <a:solidFill>
+                  <a:schemeClr val="tx1">
+                    <a:tint val="75000"/>
+                  </a:schemeClr>
+                </a:solidFill>
+                <a:latin typeface="+mn-lt"/>
+                <a:ea typeface="+mn-ea"/>
+                <a:cs typeface="+mn-cs"/>
+              </a:defRPr>
+            </a:lvl7pPr>
+            <a:lvl8pPr marL="2400300" indent="0" algn="l" defTabSz="457200" rtl="0" eaLnBrk="1" latinLnBrk="0" hangingPunct="1">
+              <a:spcBef>
+                <a:spcPct val="20000"/>
+              </a:spcBef>
+              <a:buFont typeface="Arial"/>
+              <a:buNone/>
+              <a:defRPr sz="1200" kern="1200">
+                <a:solidFill>
+                  <a:schemeClr val="tx1">
+                    <a:tint val="75000"/>
+                  </a:schemeClr>
+                </a:solidFill>
+                <a:latin typeface="+mn-lt"/>
+                <a:ea typeface="+mn-ea"/>
+                <a:cs typeface="+mn-cs"/>
+              </a:defRPr>
+            </a:lvl8pPr>
+            <a:lvl9pPr marL="2743200" indent="0" algn="l" defTabSz="457200" rtl="0" eaLnBrk="1" latinLnBrk="0" hangingPunct="1">
+              <a:spcBef>
+                <a:spcPct val="20000"/>
+              </a:spcBef>
+              <a:buFont typeface="Arial"/>
+              <a:buNone/>
+              <a:defRPr sz="1200" kern="1200">
+                <a:solidFill>
+                  <a:schemeClr val="tx1">
+                    <a:tint val="75000"/>
+                  </a:schemeClr>
+                </a:solidFill>
+                <a:latin typeface="+mn-lt"/>
+                <a:ea typeface="+mn-ea"/>
+                <a:cs typeface="+mn-cs"/>
+              </a:defRPr>
+            </a:lvl9pPr>
+          </a:lstStyle>
+          <a:p>
+            <a:pPr marL="285750" lvl="0" indent="-285750">
+              <a:spcAft>
+                <a:spcPts val="600"/>
+              </a:spcAft>
+              <a:buFont typeface="Arial" panose="020B0604020202020204" pitchFamily="34" charset="0"/>
+              <a:buChar char="•"/>
+            </a:pPr>
+            <a:endParaRPr lang="en-US" altLang="en-US" dirty="0"/>
+          </a:p>
+        </p:txBody>
+      </p:sp>
+      <p:sp>
+        <p:nvSpPr>
+          <p:cNvPr id="5" name="Title 4">
+            <a:extLst>
+              <a:ext uri="{FF2B5EF4-FFF2-40B4-BE49-F238E27FC236}">
+                <a16:creationId xmlns:a16="http://schemas.microsoft.com/office/drawing/2014/main" id="{B7278418-EB2A-8766-EC92-613B2ACBA277}"/>
+              </a:ext>
+            </a:extLst>
+          </p:cNvPr>
+          <p:cNvSpPr>
+            <a:spLocks noGrp="1"/>
+          </p:cNvSpPr>
+          <p:nvPr>
+            <p:ph type="title"/>
+          </p:nvPr>
+        </p:nvSpPr>
+        <p:spPr>
+          <a:xfrm>
+            <a:off x="400050" y="119939"/>
+            <a:ext cx="8229600" cy="428312"/>
+          </a:xfrm>
+        </p:spPr>
+        <p:txBody>
+          <a:bodyPr/>
+          <a:lstStyle/>
+          <a:p>
+            <a:r>
+              <a:rPr lang="en-US" dirty="0"/>
+              <a:t>Hands On Examples</a:t>
+            </a:r>
+          </a:p>
+        </p:txBody>
+      </p:sp>
+      <p:sp>
+        <p:nvSpPr>
+          <p:cNvPr id="7" name="Content Placeholder 6">
+            <a:extLst>
+              <a:ext uri="{FF2B5EF4-FFF2-40B4-BE49-F238E27FC236}">
+                <a16:creationId xmlns:a16="http://schemas.microsoft.com/office/drawing/2014/main" id="{8103113D-3FA7-10C8-CFF6-CF0FA3CF28D4}"/>
+              </a:ext>
+            </a:extLst>
+          </p:cNvPr>
+          <p:cNvSpPr>
+            <a:spLocks noGrp="1"/>
+          </p:cNvSpPr>
+          <p:nvPr>
+            <p:ph idx="1"/>
+          </p:nvPr>
+        </p:nvSpPr>
+        <p:spPr>
+          <a:xfrm>
+            <a:off x="400050" y="1225062"/>
+            <a:ext cx="8229600" cy="5002701"/>
+          </a:xfrm>
+        </p:spPr>
+        <p:txBody>
+          <a:bodyPr/>
+          <a:lstStyle/>
+          <a:p>
+            <a:r>
+              <a:rPr lang="en-US" b="0" i="0" dirty="0">
+                <a:solidFill>
+                  <a:srgbClr val="24292F"/>
+                </a:solidFill>
+                <a:effectLst/>
+                <a:latin typeface="-apple-system"/>
+              </a:rPr>
+              <a:t>Click File -&gt; Open -&gt; File</a:t>
+            </a:r>
+          </a:p>
+          <a:p>
+            <a:endParaRPr lang="en-US" b="0" i="0" dirty="0">
+              <a:solidFill>
+                <a:srgbClr val="24292F"/>
+              </a:solidFill>
+              <a:effectLst/>
+              <a:latin typeface="-apple-system"/>
+            </a:endParaRPr>
+          </a:p>
+          <a:p>
+            <a:pPr lvl="1"/>
+            <a:endParaRPr lang="en-US" b="0" i="0" dirty="0">
+              <a:solidFill>
+                <a:srgbClr val="24292F"/>
+              </a:solidFill>
+              <a:effectLst/>
+              <a:latin typeface="-apple-system"/>
+            </a:endParaRPr>
+          </a:p>
+          <a:p>
+            <a:pPr marL="0" indent="0">
+              <a:buNone/>
+            </a:pPr>
+            <a:endParaRPr lang="en-US" b="0" i="0" dirty="0">
+              <a:solidFill>
+                <a:srgbClr val="24292F"/>
+              </a:solidFill>
+              <a:effectLst/>
+              <a:latin typeface="-apple-system"/>
+            </a:endParaRPr>
+          </a:p>
+          <a:p>
+            <a:pPr marL="0" indent="0" algn="l">
+              <a:buNone/>
+            </a:pPr>
+            <a:endParaRPr lang="en-US" b="0" i="0" dirty="0">
+              <a:solidFill>
+                <a:srgbClr val="24292F"/>
+              </a:solidFill>
+              <a:effectLst/>
+              <a:latin typeface="-apple-system"/>
+            </a:endParaRPr>
+          </a:p>
+          <a:p>
+            <a:pPr marL="0" indent="0" algn="l">
+              <a:buNone/>
+            </a:pPr>
+            <a:endParaRPr lang="en-US" b="0" i="0" dirty="0">
+              <a:solidFill>
+                <a:srgbClr val="24292F"/>
+              </a:solidFill>
+              <a:effectLst/>
+              <a:latin typeface="-apple-system"/>
+            </a:endParaRPr>
+          </a:p>
+        </p:txBody>
+      </p:sp>
+      <p:pic>
+        <p:nvPicPr>
+          <p:cNvPr id="4" name="Picture 3">
+            <a:extLst>
+              <a:ext uri="{FF2B5EF4-FFF2-40B4-BE49-F238E27FC236}">
+                <a16:creationId xmlns:a16="http://schemas.microsoft.com/office/drawing/2014/main" id="{9913EA44-DE34-7A79-B7FD-95E417CE2AD5}"/>
+              </a:ext>
+            </a:extLst>
+          </p:cNvPr>
+          <p:cNvPicPr>
+            <a:picLocks noChangeAspect="1"/>
+          </p:cNvPicPr>
+          <p:nvPr/>
+        </p:nvPicPr>
+        <p:blipFill>
+          <a:blip r:embed="rId2"/>
+          <a:stretch>
+            <a:fillRect/>
+          </a:stretch>
+        </p:blipFill>
+        <p:spPr>
+          <a:xfrm>
+            <a:off x="1363762" y="2084652"/>
+            <a:ext cx="6193146" cy="3605436"/>
+          </a:xfrm>
+          <a:prstGeom prst="rect">
+            <a:avLst/>
+          </a:prstGeom>
+        </p:spPr>
+      </p:pic>
+    </p:spTree>
+    <p:extLst>
+      <p:ext uri="{BB962C8B-B14F-4D97-AF65-F5344CB8AC3E}">
+        <p14:creationId xmlns:p14="http://schemas.microsoft.com/office/powerpoint/2010/main" val="1451264872"/>
+      </p:ext>
+    </p:extLst>
+  </p:cSld>
+  <p:clrMapOvr>
+    <a:masterClrMapping/>
+  </p:clrMapOvr>
+</p:sld>
+</file>
+
+<file path=ppt/slides/slide16.xml><?xml version="1.0" encoding="utf-8"?>
+<p:sld xmlns:a="http://schemas.openxmlformats.org/drawingml/2006/main" xmlns:r="http://schemas.openxmlformats.org/officeDocument/2006/relationships" xmlns:p="http://schemas.openxmlformats.org/presentationml/2006/main">
+  <p:cSld>
+    <p:spTree>
+      <p:nvGrpSpPr>
+        <p:cNvPr id="1" name=""/>
+        <p:cNvGrpSpPr/>
+        <p:nvPr/>
+      </p:nvGrpSpPr>
+      <p:grpSpPr>
+        <a:xfrm>
+          <a:off x="0" y="0"/>
+          <a:ext cx="0" cy="0"/>
+          <a:chOff x="0" y="0"/>
+          <a:chExt cx="0" cy="0"/>
+        </a:xfrm>
+      </p:grpSpPr>
+      <p:sp>
+        <p:nvSpPr>
+          <p:cNvPr id="8" name="Subtitle 2">
+            <a:extLst>
+              <a:ext uri="{FF2B5EF4-FFF2-40B4-BE49-F238E27FC236}">
+                <a16:creationId xmlns:a16="http://schemas.microsoft.com/office/drawing/2014/main" id="{090EFA5F-2C72-42AB-A069-51AFDC27C766}"/>
+              </a:ext>
+            </a:extLst>
+          </p:cNvPr>
+          <p:cNvSpPr txBox="1">
+            <a:spLocks/>
+          </p:cNvSpPr>
+          <p:nvPr/>
+        </p:nvSpPr>
+        <p:spPr>
+          <a:xfrm>
+            <a:off x="778079" y="4099775"/>
+            <a:ext cx="6400800" cy="1237021"/>
+          </a:xfrm>
+        </p:spPr>
+        <p:txBody>
+          <a:bodyPr/>
+          <a:lstStyle>
+            <a:lvl1pPr marL="0" indent="0" algn="l" defTabSz="457200" rtl="0" eaLnBrk="0" fontAlgn="base" hangingPunct="0">
+              <a:spcBef>
+                <a:spcPct val="20000"/>
+              </a:spcBef>
+              <a:spcAft>
+                <a:spcPct val="0"/>
+              </a:spcAft>
+              <a:buFont typeface="Arial" panose="020B0604020202020204" pitchFamily="34" charset="0"/>
+              <a:buNone/>
+              <a:defRPr sz="1800" kern="1200">
+                <a:solidFill>
+                  <a:srgbClr val="0FA7B5"/>
+                </a:solidFill>
+                <a:latin typeface="+mn-lt"/>
+                <a:ea typeface="MS PGothic" panose="020B0600070205080204" pitchFamily="34" charset="-128"/>
+                <a:cs typeface="ＭＳ Ｐゴシック" charset="0"/>
+              </a:defRPr>
+            </a:lvl1pPr>
+            <a:lvl2pPr marL="342900" indent="0" algn="l" defTabSz="457200" rtl="0" eaLnBrk="0" fontAlgn="base" hangingPunct="0">
+              <a:spcBef>
+                <a:spcPct val="20000"/>
+              </a:spcBef>
+              <a:spcAft>
+                <a:spcPct val="0"/>
+              </a:spcAft>
+              <a:buFont typeface="Arial" panose="020B0604020202020204" pitchFamily="34" charset="0"/>
+              <a:buNone/>
+              <a:defRPr sz="1500" kern="1200">
+                <a:solidFill>
+                  <a:schemeClr val="tx1">
+                    <a:tint val="75000"/>
+                  </a:schemeClr>
+                </a:solidFill>
+                <a:latin typeface="+mn-lt"/>
+                <a:ea typeface="MS PGothic" panose="020B0600070205080204" pitchFamily="34" charset="-128"/>
+                <a:cs typeface="+mn-cs"/>
+              </a:defRPr>
+            </a:lvl2pPr>
+            <a:lvl3pPr marL="685800" indent="0" algn="l" defTabSz="457200" rtl="0" eaLnBrk="0" fontAlgn="base" hangingPunct="0">
+              <a:spcBef>
+                <a:spcPct val="20000"/>
+              </a:spcBef>
+              <a:spcAft>
+                <a:spcPct val="0"/>
+              </a:spcAft>
+              <a:buFont typeface="Arial" panose="020B0604020202020204" pitchFamily="34" charset="0"/>
+              <a:buNone/>
+              <a:defRPr sz="1350" kern="1200">
+                <a:solidFill>
+                  <a:schemeClr val="tx1">
+                    <a:tint val="75000"/>
+                  </a:schemeClr>
+                </a:solidFill>
+                <a:latin typeface="+mn-lt"/>
+                <a:ea typeface="MS PGothic" panose="020B0600070205080204" pitchFamily="34" charset="-128"/>
+                <a:cs typeface="+mn-cs"/>
+              </a:defRPr>
+            </a:lvl3pPr>
+            <a:lvl4pPr marL="1028700" indent="0" algn="l" defTabSz="457200" rtl="0" eaLnBrk="0" fontAlgn="base" hangingPunct="0">
+              <a:spcBef>
+                <a:spcPct val="20000"/>
+              </a:spcBef>
+              <a:spcAft>
+                <a:spcPct val="0"/>
+              </a:spcAft>
+              <a:buFont typeface="Arial" panose="020B0604020202020204" pitchFamily="34" charset="0"/>
+              <a:buNone/>
+              <a:defRPr sz="1200" kern="1200">
+                <a:solidFill>
+                  <a:schemeClr val="tx1">
+                    <a:tint val="75000"/>
+                  </a:schemeClr>
+                </a:solidFill>
+                <a:latin typeface="+mn-lt"/>
+                <a:ea typeface="MS PGothic" panose="020B0600070205080204" pitchFamily="34" charset="-128"/>
+                <a:cs typeface="+mn-cs"/>
+              </a:defRPr>
+            </a:lvl4pPr>
+            <a:lvl5pPr marL="1371600" indent="0" algn="l" defTabSz="457200" rtl="0" eaLnBrk="0" fontAlgn="base" hangingPunct="0">
+              <a:spcBef>
+                <a:spcPct val="20000"/>
+              </a:spcBef>
+              <a:spcAft>
+                <a:spcPct val="0"/>
+              </a:spcAft>
+              <a:buFont typeface="Arial" panose="020B0604020202020204" pitchFamily="34" charset="0"/>
+              <a:buNone/>
+              <a:defRPr sz="1200" kern="1200">
+                <a:solidFill>
+                  <a:schemeClr val="tx1">
+                    <a:tint val="75000"/>
+                  </a:schemeClr>
+                </a:solidFill>
+                <a:latin typeface="+mn-lt"/>
+                <a:ea typeface="MS PGothic" panose="020B0600070205080204" pitchFamily="34" charset="-128"/>
+                <a:cs typeface="+mn-cs"/>
+              </a:defRPr>
+            </a:lvl5pPr>
+            <a:lvl6pPr marL="1714500" indent="0" algn="l" defTabSz="457200" rtl="0" eaLnBrk="1" latinLnBrk="0" hangingPunct="1">
+              <a:spcBef>
+                <a:spcPct val="20000"/>
+              </a:spcBef>
+              <a:buFont typeface="Arial"/>
+              <a:buNone/>
+              <a:defRPr sz="1200" kern="1200">
+                <a:solidFill>
+                  <a:schemeClr val="tx1">
+                    <a:tint val="75000"/>
+                  </a:schemeClr>
+                </a:solidFill>
+                <a:latin typeface="+mn-lt"/>
+                <a:ea typeface="+mn-ea"/>
+                <a:cs typeface="+mn-cs"/>
+              </a:defRPr>
+            </a:lvl6pPr>
+            <a:lvl7pPr marL="2057400" indent="0" algn="l" defTabSz="457200" rtl="0" eaLnBrk="1" latinLnBrk="0" hangingPunct="1">
+              <a:spcBef>
+                <a:spcPct val="20000"/>
+              </a:spcBef>
+              <a:buFont typeface="Arial"/>
+              <a:buNone/>
+              <a:defRPr sz="1200" kern="1200">
+                <a:solidFill>
+                  <a:schemeClr val="tx1">
+                    <a:tint val="75000"/>
+                  </a:schemeClr>
+                </a:solidFill>
+                <a:latin typeface="+mn-lt"/>
+                <a:ea typeface="+mn-ea"/>
+                <a:cs typeface="+mn-cs"/>
+              </a:defRPr>
+            </a:lvl7pPr>
+            <a:lvl8pPr marL="2400300" indent="0" algn="l" defTabSz="457200" rtl="0" eaLnBrk="1" latinLnBrk="0" hangingPunct="1">
+              <a:spcBef>
+                <a:spcPct val="20000"/>
+              </a:spcBef>
+              <a:buFont typeface="Arial"/>
+              <a:buNone/>
+              <a:defRPr sz="1200" kern="1200">
+                <a:solidFill>
+                  <a:schemeClr val="tx1">
+                    <a:tint val="75000"/>
+                  </a:schemeClr>
+                </a:solidFill>
+                <a:latin typeface="+mn-lt"/>
+                <a:ea typeface="+mn-ea"/>
+                <a:cs typeface="+mn-cs"/>
+              </a:defRPr>
+            </a:lvl8pPr>
+            <a:lvl9pPr marL="2743200" indent="0" algn="l" defTabSz="457200" rtl="0" eaLnBrk="1" latinLnBrk="0" hangingPunct="1">
+              <a:spcBef>
+                <a:spcPct val="20000"/>
+              </a:spcBef>
+              <a:buFont typeface="Arial"/>
+              <a:buNone/>
+              <a:defRPr sz="1200" kern="1200">
+                <a:solidFill>
+                  <a:schemeClr val="tx1">
+                    <a:tint val="75000"/>
+                  </a:schemeClr>
+                </a:solidFill>
+                <a:latin typeface="+mn-lt"/>
+                <a:ea typeface="+mn-ea"/>
+                <a:cs typeface="+mn-cs"/>
+              </a:defRPr>
+            </a:lvl9pPr>
+          </a:lstStyle>
+          <a:p>
+            <a:pPr marL="285750" lvl="0" indent="-285750">
+              <a:spcAft>
+                <a:spcPts val="600"/>
+              </a:spcAft>
+              <a:buFont typeface="Arial" panose="020B0604020202020204" pitchFamily="34" charset="0"/>
+              <a:buChar char="•"/>
+            </a:pPr>
+            <a:endParaRPr lang="en-US" altLang="en-US" dirty="0"/>
+          </a:p>
+        </p:txBody>
+      </p:sp>
+      <p:sp>
+        <p:nvSpPr>
+          <p:cNvPr id="5" name="Title 4">
+            <a:extLst>
+              <a:ext uri="{FF2B5EF4-FFF2-40B4-BE49-F238E27FC236}">
+                <a16:creationId xmlns:a16="http://schemas.microsoft.com/office/drawing/2014/main" id="{B7278418-EB2A-8766-EC92-613B2ACBA277}"/>
+              </a:ext>
+            </a:extLst>
+          </p:cNvPr>
+          <p:cNvSpPr>
+            <a:spLocks noGrp="1"/>
+          </p:cNvSpPr>
+          <p:nvPr>
+            <p:ph type="title"/>
+          </p:nvPr>
+        </p:nvSpPr>
+        <p:spPr>
+          <a:xfrm>
+            <a:off x="400050" y="119939"/>
+            <a:ext cx="8229600" cy="428312"/>
+          </a:xfrm>
+        </p:spPr>
+        <p:txBody>
+          <a:bodyPr/>
+          <a:lstStyle/>
+          <a:p>
+            <a:r>
+              <a:rPr lang="en-US" dirty="0"/>
+              <a:t>Hands On Examples</a:t>
+            </a:r>
+          </a:p>
+        </p:txBody>
+      </p:sp>
+      <p:sp>
+        <p:nvSpPr>
+          <p:cNvPr id="7" name="Content Placeholder 6">
+            <a:extLst>
+              <a:ext uri="{FF2B5EF4-FFF2-40B4-BE49-F238E27FC236}">
+                <a16:creationId xmlns:a16="http://schemas.microsoft.com/office/drawing/2014/main" id="{8103113D-3FA7-10C8-CFF6-CF0FA3CF28D4}"/>
+              </a:ext>
+            </a:extLst>
+          </p:cNvPr>
+          <p:cNvSpPr>
+            <a:spLocks noGrp="1"/>
+          </p:cNvSpPr>
+          <p:nvPr>
+            <p:ph idx="1"/>
+          </p:nvPr>
+        </p:nvSpPr>
+        <p:spPr>
+          <a:xfrm>
+            <a:off x="400050" y="1225062"/>
+            <a:ext cx="8229600" cy="5002701"/>
+          </a:xfrm>
+        </p:spPr>
+        <p:txBody>
+          <a:bodyPr/>
+          <a:lstStyle/>
+          <a:p>
             <a:r>
               <a:rPr lang="en-US" b="0" i="0" dirty="0">
                 <a:solidFill>
@@ -8163,7 +12130,7 @@
 </p:sld>
 </file>
 
-<file path=ppt/slides/slide15.xml><?xml version="1.0" encoding="utf-8"?>
+<file path=ppt/slides/slide17.xml><?xml version="1.0" encoding="utf-8"?>
 <p:sld xmlns:a="http://schemas.openxmlformats.org/drawingml/2006/main" xmlns:r="http://schemas.openxmlformats.org/officeDocument/2006/relationships" xmlns:p="http://schemas.openxmlformats.org/presentationml/2006/main">
   <p:cSld>
     <p:spTree>
@@ -9216,86 +13183,83 @@
           <a:bodyPr/>
           <a:lstStyle/>
           <a:p>
+            <a:pPr algn="l">
+              <a:buFont typeface="Arial" panose="020B0604020202020204" pitchFamily="34" charset="0"/>
+              <a:buChar char="•"/>
+            </a:pPr>
             <a:r>
               <a:rPr lang="en-US" b="0" i="0" dirty="0">
                 <a:solidFill>
-                  <a:srgbClr val="1C1917"/>
-                </a:solidFill>
-                <a:effectLst/>
-                <a:latin typeface="-apple-system"/>
-              </a:rPr>
-              <a:t>SQL stands for Structured Query Language</a:t>
-            </a:r>
-          </a:p>
-          <a:p>
-            <a:endParaRPr lang="en-US" b="0" i="0" dirty="0">
-              <a:solidFill>
-                <a:srgbClr val="1C1917"/>
-              </a:solidFill>
-              <a:effectLst/>
-              <a:latin typeface="-apple-system"/>
-            </a:endParaRPr>
-          </a:p>
-          <a:p>
-            <a:pPr lvl="1"/>
+                  <a:srgbClr val="374151"/>
+                </a:solidFill>
+                <a:effectLst/>
+                <a:latin typeface="Söhne"/>
+              </a:rPr>
+              <a:t>SQL (Structured Query Language) is the cornerstone of modern database management.</a:t>
+            </a:r>
+          </a:p>
+          <a:p>
+            <a:pPr lvl="1">
+              <a:buFont typeface="Arial" panose="020B0604020202020204" pitchFamily="34" charset="0"/>
+              <a:buChar char="•"/>
+            </a:pPr>
             <a:r>
               <a:rPr lang="en-US" b="0" i="0" dirty="0">
                 <a:solidFill>
-                  <a:srgbClr val="1C1917"/>
-                </a:solidFill>
-                <a:effectLst/>
-                <a:latin typeface="-apple-system"/>
-              </a:rPr>
-              <a:t>Standard programming language for managing data in databases</a:t>
-            </a:r>
-          </a:p>
-          <a:p>
-            <a:pPr lvl="2"/>
+                  <a:srgbClr val="374151"/>
+                </a:solidFill>
+                <a:effectLst/>
+                <a:latin typeface="Söhne"/>
+              </a:rPr>
+              <a:t>It serves as the universal programming language for data management in databases.</a:t>
+            </a:r>
+          </a:p>
+          <a:p>
+            <a:pPr lvl="1">
+              <a:buFont typeface="Arial" panose="020B0604020202020204" pitchFamily="34" charset="0"/>
+              <a:buChar char="•"/>
+            </a:pPr>
             <a:r>
               <a:rPr lang="en-US" b="0" i="0" dirty="0">
                 <a:solidFill>
-                  <a:srgbClr val="1C1917"/>
-                </a:solidFill>
-                <a:effectLst/>
-                <a:latin typeface="-apple-system"/>
-              </a:rPr>
-              <a:t>Works with relational database management systems (RDBMS) like Oracle, MySQL, SQL Server, etc. </a:t>
-            </a:r>
-          </a:p>
-          <a:p>
-            <a:pPr lvl="2"/>
-            <a:endParaRPr lang="en-US" b="0" i="0" dirty="0">
-              <a:solidFill>
-                <a:srgbClr val="1C1917"/>
-              </a:solidFill>
-              <a:effectLst/>
-              <a:latin typeface="-apple-system"/>
-            </a:endParaRPr>
-          </a:p>
-          <a:p>
-            <a:pPr lvl="1"/>
+                  <a:srgbClr val="374151"/>
+                </a:solidFill>
+                <a:effectLst/>
+                <a:latin typeface="Söhne"/>
+              </a:rPr>
+              <a:t>SQL seamlessly integrates with widely-used database systems such as Oracle, MySQL, SQL Server, and others.</a:t>
+            </a:r>
+          </a:p>
+          <a:p>
+            <a:pPr lvl="1">
+              <a:buFont typeface="Arial" panose="020B0604020202020204" pitchFamily="34" charset="0"/>
+              <a:buChar char="•"/>
+            </a:pPr>
             <a:r>
               <a:rPr lang="en-US" b="0" i="0" dirty="0">
                 <a:solidFill>
-                  <a:srgbClr val="1C1917"/>
-                </a:solidFill>
-                <a:effectLst/>
-                <a:latin typeface="-apple-system"/>
-              </a:rPr>
-              <a:t>Declarative language - specify what data you want, not how to get it</a:t>
-            </a:r>
-          </a:p>
-          <a:p>
-            <a:pPr lvl="2"/>
+                  <a:srgbClr val="374151"/>
+                </a:solidFill>
+                <a:effectLst/>
+                <a:latin typeface="Söhne"/>
+              </a:rPr>
+              <a:t>SQL's declarative nature allows you to specify what data you want without getting bogged down in how to retrieve it.</a:t>
+            </a:r>
+          </a:p>
+          <a:p>
+            <a:pPr lvl="1">
+              <a:buFont typeface="Arial" panose="020B0604020202020204" pitchFamily="34" charset="0"/>
+              <a:buChar char="•"/>
+            </a:pPr>
             <a:r>
               <a:rPr lang="en-US" b="0" i="0" dirty="0">
                 <a:solidFill>
-                  <a:srgbClr val="1C1917"/>
-                </a:solidFill>
-                <a:effectLst/>
-                <a:latin typeface="-apple-system"/>
-              </a:rPr>
-              <a:t>English-like syntax, easy to learn and use</a:t>
+                  <a:srgbClr val="374151"/>
+                </a:solidFill>
+                <a:effectLst/>
+                <a:latin typeface="Söhne"/>
+              </a:rPr>
+              <a:t>Its user-friendly, English-like syntax makes SQL accessible and easy to learn.</a:t>
             </a:r>
           </a:p>
           <a:p>
@@ -9603,121 +13567,137 @@
           <a:bodyPr/>
           <a:lstStyle/>
           <a:p>
+            <a:pPr algn="l">
+              <a:buFont typeface="Arial" panose="020B0604020202020204" pitchFamily="34" charset="0"/>
+              <a:buChar char="•"/>
+            </a:pPr>
             <a:r>
               <a:rPr lang="en-US" b="0" i="0" dirty="0">
                 <a:solidFill>
-                  <a:srgbClr val="1C1917"/>
-                </a:solidFill>
-                <a:effectLst/>
-                <a:latin typeface="-apple-system"/>
-              </a:rPr>
-              <a:t>Essential for many technology roles:</a:t>
-            </a:r>
-          </a:p>
-          <a:p>
-            <a:pPr lvl="1"/>
+                  <a:srgbClr val="374151"/>
+                </a:solidFill>
+                <a:effectLst/>
+                <a:latin typeface="Söhne"/>
+              </a:rPr>
+              <a:t>SQL is indispensable for numerous technology roles, encompassing:</a:t>
+            </a:r>
+          </a:p>
+          <a:p>
+            <a:pPr marL="742950" lvl="1" indent="-285750" algn="l">
+              <a:buFont typeface="Arial" panose="020B0604020202020204" pitchFamily="34" charset="0"/>
+              <a:buChar char="•"/>
+            </a:pPr>
             <a:r>
               <a:rPr lang="en-US" b="0" i="0" dirty="0">
                 <a:solidFill>
-                  <a:srgbClr val="1C1917"/>
-                </a:solidFill>
-                <a:effectLst/>
-                <a:latin typeface="-apple-system"/>
+                  <a:srgbClr val="374151"/>
+                </a:solidFill>
+                <a:effectLst/>
+                <a:latin typeface="Söhne"/>
               </a:rPr>
               <a:t>Database Administrators</a:t>
             </a:r>
           </a:p>
           <a:p>
-            <a:pPr lvl="1"/>
+            <a:pPr marL="742950" lvl="1" indent="-285750" algn="l">
+              <a:buFont typeface="Arial" panose="020B0604020202020204" pitchFamily="34" charset="0"/>
+              <a:buChar char="•"/>
+            </a:pPr>
             <a:r>
               <a:rPr lang="en-US" b="0" i="0" dirty="0">
                 <a:solidFill>
-                  <a:srgbClr val="1C1917"/>
-                </a:solidFill>
-                <a:effectLst/>
-                <a:latin typeface="-apple-system"/>
+                  <a:srgbClr val="374151"/>
+                </a:solidFill>
+                <a:effectLst/>
+                <a:latin typeface="Söhne"/>
               </a:rPr>
               <a:t>Data Analysts</a:t>
             </a:r>
           </a:p>
           <a:p>
-            <a:pPr lvl="1"/>
+            <a:pPr marL="742950" lvl="1" indent="-285750" algn="l">
+              <a:buFont typeface="Arial" panose="020B0604020202020204" pitchFamily="34" charset="0"/>
+              <a:buChar char="•"/>
+            </a:pPr>
             <a:r>
               <a:rPr lang="en-US" b="0" i="0" dirty="0">
                 <a:solidFill>
-                  <a:srgbClr val="1C1917"/>
-                </a:solidFill>
-                <a:effectLst/>
-                <a:latin typeface="-apple-system"/>
+                  <a:srgbClr val="374151"/>
+                </a:solidFill>
+                <a:effectLst/>
+                <a:latin typeface="Söhne"/>
               </a:rPr>
               <a:t>Data Engineers</a:t>
             </a:r>
           </a:p>
           <a:p>
-            <a:pPr lvl="1"/>
+            <a:pPr marL="742950" lvl="1" indent="-285750" algn="l">
+              <a:buFont typeface="Arial" panose="020B0604020202020204" pitchFamily="34" charset="0"/>
+              <a:buChar char="•"/>
+            </a:pPr>
             <a:r>
               <a:rPr lang="en-US" b="0" i="0" dirty="0">
                 <a:solidFill>
-                  <a:srgbClr val="1C1917"/>
-                </a:solidFill>
-                <a:effectLst/>
-                <a:latin typeface="-apple-system"/>
+                  <a:srgbClr val="374151"/>
+                </a:solidFill>
+                <a:effectLst/>
+                <a:latin typeface="Söhne"/>
               </a:rPr>
               <a:t>Application Developers</a:t>
             </a:r>
           </a:p>
           <a:p>
-            <a:pPr lvl="1"/>
-            <a:endParaRPr lang="en-US" b="0" i="0" dirty="0">
-              <a:solidFill>
-                <a:srgbClr val="1C1917"/>
-              </a:solidFill>
-              <a:effectLst/>
-              <a:latin typeface="-apple-system"/>
-            </a:endParaRPr>
-          </a:p>
-          <a:p>
+            <a:pPr algn="l">
+              <a:buFont typeface="Arial" panose="020B0604020202020204" pitchFamily="34" charset="0"/>
+              <a:buChar char="•"/>
+            </a:pPr>
             <a:r>
               <a:rPr lang="en-US" b="0" i="0" dirty="0">
                 <a:solidFill>
-                  <a:srgbClr val="1C1917"/>
-                </a:solidFill>
-                <a:effectLst/>
-                <a:latin typeface="-apple-system"/>
-              </a:rPr>
-              <a:t>Understanding SQL enables working with data-driven systems</a:t>
-            </a:r>
-          </a:p>
-          <a:p>
-            <a:pPr lvl="1"/>
+                  <a:srgbClr val="374151"/>
+                </a:solidFill>
+                <a:effectLst/>
+                <a:latin typeface="Söhne"/>
+              </a:rPr>
+              <a:t>Proficiency in SQL empowers professionals to effectively interact with data-driven systems.</a:t>
+            </a:r>
+          </a:p>
+          <a:p>
+            <a:pPr algn="l">
+              <a:buFont typeface="Arial" panose="020B0604020202020204" pitchFamily="34" charset="0"/>
+              <a:buChar char="•"/>
+            </a:pPr>
             <a:r>
               <a:rPr lang="en-US" b="0" i="0" dirty="0">
                 <a:solidFill>
-                  <a:srgbClr val="1C1917"/>
-                </a:solidFill>
-                <a:effectLst/>
-                <a:latin typeface="-apple-system"/>
-              </a:rPr>
-              <a:t>Opens opportunities in fields leveraging databases</a:t>
-            </a:r>
-          </a:p>
-          <a:p>
-            <a:pPr lvl="1"/>
+                  <a:srgbClr val="374151"/>
+                </a:solidFill>
+                <a:effectLst/>
+                <a:latin typeface="Söhne"/>
+              </a:rPr>
+              <a:t>SQL proficiency unlocks career opportunities across industries reliant on databases.</a:t>
+            </a:r>
+          </a:p>
+          <a:p>
+            <a:pPr algn="l">
+              <a:buFont typeface="Arial" panose="020B0604020202020204" pitchFamily="34" charset="0"/>
+              <a:buChar char="•"/>
+            </a:pPr>
             <a:r>
               <a:rPr lang="en-US" b="0" i="0" dirty="0">
                 <a:solidFill>
-                  <a:srgbClr val="1C1917"/>
-                </a:solidFill>
-                <a:effectLst/>
-                <a:latin typeface="-apple-system"/>
-              </a:rPr>
-              <a:t>Valuable addition to technical skill set</a:t>
-            </a:r>
-          </a:p>
-          <a:p>
-            <a:pPr marL="0" indent="0" algn="l">
-              <a:buNone/>
-            </a:pPr>
+                  <a:srgbClr val="374151"/>
+                </a:solidFill>
+                <a:effectLst/>
+                <a:latin typeface="Söhne"/>
+              </a:rPr>
+              <a:t>Adding SQL to your technical skill set enhances your overall capabilities and value.</a:t>
+            </a:r>
+          </a:p>
+          <a:p>
+            <a:br>
+              <a:rPr lang="en-US" dirty="0"/>
+            </a:br>
             <a:endParaRPr lang="en-US" b="0" i="0" dirty="0">
               <a:solidFill>
                 <a:srgbClr val="24292F"/>
@@ -9746,7 +13726,13 @@
   <p:cSld>
     <p:spTree>
       <p:nvGrpSpPr>
-        <p:cNvPr id="1" name=""/>
+        <p:cNvPr id="1" name="">
+          <a:extLst>
+            <a:ext uri="{FF2B5EF4-FFF2-40B4-BE49-F238E27FC236}">
+              <a16:creationId xmlns:a16="http://schemas.microsoft.com/office/drawing/2014/main" id="{61D64F74-2F49-9802-5F1C-74F0D0C77474}"/>
+            </a:ext>
+          </a:extLst>
+        </p:cNvPr>
         <p:cNvGrpSpPr/>
         <p:nvPr/>
       </p:nvGrpSpPr>
@@ -9763,7 +13749,7 @@
           <p:cNvPr id="8" name="Subtitle 2">
             <a:extLst>
               <a:ext uri="{FF2B5EF4-FFF2-40B4-BE49-F238E27FC236}">
-                <a16:creationId xmlns:a16="http://schemas.microsoft.com/office/drawing/2014/main" id="{090EFA5F-2C72-42AB-A069-51AFDC27C766}"/>
+                <a16:creationId xmlns:a16="http://schemas.microsoft.com/office/drawing/2014/main" id="{8480CE4F-E00C-D2D7-988B-75E8331F7114}"/>
               </a:ext>
             </a:extLst>
           </p:cNvPr>
@@ -9965,7 +13951,7 @@
           <p:cNvPr id="5" name="Title 4">
             <a:extLst>
               <a:ext uri="{FF2B5EF4-FFF2-40B4-BE49-F238E27FC236}">
-                <a16:creationId xmlns:a16="http://schemas.microsoft.com/office/drawing/2014/main" id="{B7278418-EB2A-8766-EC92-613B2ACBA277}"/>
+                <a16:creationId xmlns:a16="http://schemas.microsoft.com/office/drawing/2014/main" id="{E9192BC9-9AF1-3EB7-A25A-C6F3FD652CD0}"/>
               </a:ext>
             </a:extLst>
           </p:cNvPr>
@@ -9988,7 +13974,7 @@
           <a:p>
             <a:r>
               <a:rPr lang="en-US" dirty="0"/>
-              <a:t>SQL Statements</a:t>
+              <a:t>What is a Query?</a:t>
             </a:r>
           </a:p>
         </p:txBody>
@@ -9998,7 +13984,7 @@
           <p:cNvPr id="7" name="Content Placeholder 6">
             <a:extLst>
               <a:ext uri="{FF2B5EF4-FFF2-40B4-BE49-F238E27FC236}">
-                <a16:creationId xmlns:a16="http://schemas.microsoft.com/office/drawing/2014/main" id="{8103113D-3FA7-10C8-CFF6-CF0FA3CF28D4}"/>
+                <a16:creationId xmlns:a16="http://schemas.microsoft.com/office/drawing/2014/main" id="{133030FF-C8CE-C763-C1A6-F9CB31E40144}"/>
               </a:ext>
             </a:extLst>
           </p:cNvPr>
@@ -10019,234 +14005,92 @@
           <a:bodyPr/>
           <a:lstStyle/>
           <a:p>
-            <a:pPr marL="0" indent="0" algn="l">
-              <a:buNone/>
+            <a:pPr algn="l">
+              <a:buFont typeface="Arial" panose="020B0604020202020204" pitchFamily="34" charset="0"/>
+              <a:buChar char="•"/>
             </a:pPr>
             <a:r>
               <a:rPr lang="en-US" b="0" i="0" dirty="0">
                 <a:solidFill>
-                  <a:srgbClr val="24292F"/>
-                </a:solidFill>
-                <a:effectLst/>
-                <a:latin typeface="-apple-system"/>
-              </a:rPr>
-              <a:t>SQL is written in </a:t>
-            </a:r>
-            <a:r>
-              <a:rPr lang="en-US" b="1" i="0" dirty="0">
-                <a:solidFill>
-                  <a:srgbClr val="24292F"/>
-                </a:solidFill>
-                <a:effectLst/>
-                <a:latin typeface="-apple-system"/>
-              </a:rPr>
-              <a:t>statements</a:t>
-            </a:r>
+                  <a:srgbClr val="374151"/>
+                </a:solidFill>
+                <a:effectLst/>
+                <a:latin typeface="Söhne"/>
+              </a:rPr>
+              <a:t>A query is a specific request for data from a database.</a:t>
+            </a:r>
+          </a:p>
+          <a:p>
+            <a:pPr lvl="1">
+              <a:buFont typeface="Arial" panose="020B0604020202020204" pitchFamily="34" charset="0"/>
+              <a:buChar char="•"/>
+            </a:pPr>
             <a:r>
               <a:rPr lang="en-US" b="0" i="0" dirty="0">
                 <a:solidFill>
-                  <a:srgbClr val="24292F"/>
-                </a:solidFill>
-                <a:effectLst/>
-                <a:latin typeface="-apple-system"/>
-              </a:rPr>
-              <a:t> - strings of characters that conform to formatting and syntax rules specified in the international standard</a:t>
-            </a:r>
-          </a:p>
-          <a:p>
-            <a:pPr marL="0" indent="0" algn="l">
-              <a:buNone/>
+                  <a:srgbClr val="374151"/>
+                </a:solidFill>
+                <a:effectLst/>
+                <a:latin typeface="Söhne"/>
+              </a:rPr>
+              <a:t>It is a type of SQL statement that retrieves information from one or more tables.</a:t>
+            </a:r>
+          </a:p>
+          <a:p>
+            <a:pPr lvl="1">
+              <a:buFont typeface="Arial" panose="020B0604020202020204" pitchFamily="34" charset="0"/>
+              <a:buChar char="•"/>
             </a:pPr>
-            <a:endParaRPr lang="en-US" dirty="0">
-              <a:solidFill>
-                <a:srgbClr val="24292F"/>
-              </a:solidFill>
-              <a:latin typeface="-apple-system"/>
-            </a:endParaRPr>
-          </a:p>
-          <a:p>
-            <a:pPr lvl="1"/>
             <a:r>
               <a:rPr lang="en-US" b="0" i="0" dirty="0">
                 <a:solidFill>
-                  <a:srgbClr val="1C1917"/>
-                </a:solidFill>
-                <a:effectLst/>
-                <a:latin typeface="-apple-system"/>
-              </a:rPr>
-              <a:t>For example, a basic SELECT statement fetching data from a Customers table would be:</a:t>
-            </a:r>
-          </a:p>
-          <a:p>
-            <a:pPr marL="457200" lvl="1" indent="0">
-              <a:buNone/>
+                  <a:srgbClr val="374151"/>
+                </a:solidFill>
+                <a:effectLst/>
+                <a:latin typeface="Söhne"/>
+              </a:rPr>
+              <a:t>Queries are used to interact with databases and retrieve meaningful insights from stored data.</a:t>
+            </a:r>
+          </a:p>
+          <a:p>
+            <a:pPr algn="l">
+              <a:buFont typeface="Arial" panose="020B0604020202020204" pitchFamily="34" charset="0"/>
+              <a:buChar char="•"/>
             </a:pPr>
-            <a:endParaRPr lang="en-US" dirty="0">
-              <a:effectLst/>
-            </a:endParaRPr>
-          </a:p>
-          <a:p>
-            <a:pPr marL="0" indent="0" algn="ctr" rtl="0" latinLnBrk="0">
-              <a:buNone/>
+            <a:r>
+              <a:rPr lang="en-US" b="0" i="0" dirty="0">
+                <a:solidFill>
+                  <a:srgbClr val="374151"/>
+                </a:solidFill>
+                <a:effectLst/>
+                <a:latin typeface="Söhne"/>
+              </a:rPr>
+              <a:t>SQL queries can be simple, retrieving individual records, or complex, involving multiple tables and advanced filtering criteria.</a:t>
+            </a:r>
+          </a:p>
+          <a:p>
+            <a:pPr lvl="1">
+              <a:buFont typeface="Arial" panose="020B0604020202020204" pitchFamily="34" charset="0"/>
+              <a:buChar char="•"/>
             </a:pPr>
             <a:r>
-              <a:rPr lang="en-US" dirty="0">
-                <a:solidFill>
-                  <a:srgbClr val="C678DD"/>
-                </a:solidFill>
-                <a:effectLst/>
-                <a:latin typeface="Fira Code" panose="020B0809050000020004" pitchFamily="49" charset="0"/>
-              </a:rPr>
-              <a:t>SELECT</a:t>
-            </a:r>
-            <a:r>
-              <a:rPr lang="en-US" dirty="0">
-                <a:solidFill>
-                  <a:srgbClr val="ABB2BF"/>
-                </a:solidFill>
-                <a:effectLst/>
-                <a:latin typeface="Fira Code" panose="020B0809050000020004" pitchFamily="49" charset="0"/>
-              </a:rPr>
-              <a:t> id, name, address </a:t>
-            </a:r>
-          </a:p>
-          <a:p>
-            <a:pPr marL="0" indent="0" algn="ctr" rtl="0" latinLnBrk="0">
+              <a:rPr lang="en-US" b="0" i="0" dirty="0">
+                <a:solidFill>
+                  <a:srgbClr val="374151"/>
+                </a:solidFill>
+                <a:effectLst/>
+                <a:latin typeface="Söhne"/>
+              </a:rPr>
+              <a:t>The results of a query are presented in a structured format that makes it easy to analyze and work with the retrieved data.</a:t>
+            </a:r>
+          </a:p>
+          <a:p>
+            <a:pPr marL="0" indent="0">
               <a:buNone/>
             </a:pPr>
-            <a:r>
-              <a:rPr lang="en-US" dirty="0">
-                <a:solidFill>
-                  <a:srgbClr val="C678DD"/>
-                </a:solidFill>
-                <a:effectLst/>
-                <a:latin typeface="Fira Code" panose="020B0809050000020004" pitchFamily="49" charset="0"/>
-              </a:rPr>
-              <a:t>FROM</a:t>
-            </a:r>
-            <a:r>
-              <a:rPr lang="en-US" dirty="0">
-                <a:solidFill>
-                  <a:srgbClr val="ABB2BF"/>
-                </a:solidFill>
-                <a:effectLst/>
-                <a:latin typeface="Fira Code" panose="020B0809050000020004" pitchFamily="49" charset="0"/>
-              </a:rPr>
-              <a:t> Customers </a:t>
-            </a:r>
-          </a:p>
-          <a:p>
-            <a:pPr marL="0" indent="0" algn="ctr" rtl="0" latinLnBrk="0">
-              <a:buNone/>
-            </a:pPr>
-            <a:r>
-              <a:rPr lang="en-US" dirty="0">
-                <a:solidFill>
-                  <a:srgbClr val="C678DD"/>
-                </a:solidFill>
-                <a:effectLst/>
-                <a:latin typeface="Fira Code" panose="020B0809050000020004" pitchFamily="49" charset="0"/>
-              </a:rPr>
-              <a:t>WHERE</a:t>
-            </a:r>
-            <a:r>
-              <a:rPr lang="en-US" dirty="0">
-                <a:solidFill>
-                  <a:srgbClr val="ABB2BF"/>
-                </a:solidFill>
-                <a:effectLst/>
-                <a:latin typeface="Fira Code" panose="020B0809050000020004" pitchFamily="49" charset="0"/>
-              </a:rPr>
-              <a:t> state </a:t>
-            </a:r>
-            <a:r>
-              <a:rPr lang="en-US" dirty="0">
-                <a:solidFill>
-                  <a:srgbClr val="61AFEF"/>
-                </a:solidFill>
-                <a:effectLst/>
-                <a:latin typeface="Fira Code" panose="020B0809050000020004" pitchFamily="49" charset="0"/>
-              </a:rPr>
-              <a:t>=</a:t>
-            </a:r>
-            <a:r>
-              <a:rPr lang="en-US" dirty="0">
-                <a:solidFill>
-                  <a:srgbClr val="ABB2BF"/>
-                </a:solidFill>
-                <a:effectLst/>
-                <a:latin typeface="Fira Code" panose="020B0809050000020004" pitchFamily="49" charset="0"/>
-              </a:rPr>
-              <a:t> </a:t>
-            </a:r>
-            <a:r>
-              <a:rPr lang="en-US" dirty="0">
-                <a:solidFill>
-                  <a:srgbClr val="98C379"/>
-                </a:solidFill>
-                <a:effectLst/>
-                <a:latin typeface="Fira Code" panose="020B0809050000020004" pitchFamily="49" charset="0"/>
-              </a:rPr>
-              <a:t>'CA’</a:t>
-            </a:r>
-            <a:r>
-              <a:rPr lang="en-US" dirty="0">
-                <a:solidFill>
-                  <a:srgbClr val="ABB2BF"/>
-                </a:solidFill>
-                <a:effectLst/>
-                <a:latin typeface="Fira Code" panose="020B0809050000020004" pitchFamily="49" charset="0"/>
-              </a:rPr>
-              <a:t> </a:t>
-            </a:r>
-          </a:p>
-          <a:p>
-            <a:pPr marL="0" indent="0" algn="ctr" rtl="0" latinLnBrk="0">
-              <a:buNone/>
-            </a:pPr>
-            <a:r>
-              <a:rPr lang="en-US" dirty="0">
-                <a:solidFill>
-                  <a:srgbClr val="C678DD"/>
-                </a:solidFill>
-                <a:effectLst/>
-                <a:latin typeface="Fira Code" panose="020B0809050000020004" pitchFamily="49" charset="0"/>
-              </a:rPr>
-              <a:t>ORDER</a:t>
-            </a:r>
-            <a:r>
-              <a:rPr lang="en-US" dirty="0">
-                <a:solidFill>
-                  <a:srgbClr val="ABB2BF"/>
-                </a:solidFill>
-                <a:effectLst/>
-                <a:latin typeface="Fira Code" panose="020B0809050000020004" pitchFamily="49" charset="0"/>
-              </a:rPr>
-              <a:t> </a:t>
-            </a:r>
-            <a:r>
-              <a:rPr lang="en-US" dirty="0">
-                <a:solidFill>
-                  <a:srgbClr val="C678DD"/>
-                </a:solidFill>
-                <a:effectLst/>
-                <a:latin typeface="Fira Code" panose="020B0809050000020004" pitchFamily="49" charset="0"/>
-              </a:rPr>
-              <a:t>BY</a:t>
-            </a:r>
-            <a:r>
-              <a:rPr lang="en-US" dirty="0">
-                <a:solidFill>
-                  <a:srgbClr val="ABB2BF"/>
-                </a:solidFill>
-                <a:effectLst/>
-                <a:latin typeface="Fira Code" panose="020B0809050000020004" pitchFamily="49" charset="0"/>
-              </a:rPr>
-              <a:t> name;</a:t>
-            </a:r>
-          </a:p>
-          <a:p>
-            <a:pPr lvl="1"/>
+            <a:br>
+              <a:rPr lang="en-US" dirty="0"/>
+            </a:br>
             <a:endParaRPr lang="en-US" b="0" i="0" dirty="0">
               <a:solidFill>
                 <a:srgbClr val="24292F"/>
@@ -10255,36 +14099,12 @@
               <a:latin typeface="-apple-system"/>
             </a:endParaRPr>
           </a:p>
-          <a:p>
-            <a:pPr marL="0" indent="0" algn="l">
-              <a:buNone/>
-            </a:pPr>
-            <a:endParaRPr lang="en-US" b="0" i="0" dirty="0">
-              <a:solidFill>
-                <a:srgbClr val="24292F"/>
-              </a:solidFill>
-              <a:effectLst/>
-              <a:latin typeface="-apple-system"/>
-            </a:endParaRPr>
-          </a:p>
-          <a:p>
-            <a:pPr marL="0" indent="0" algn="l">
-              <a:buNone/>
-            </a:pPr>
-            <a:endParaRPr lang="en-US" b="0" i="0" dirty="0">
-              <a:solidFill>
-                <a:srgbClr val="24292F"/>
-              </a:solidFill>
-              <a:effectLst/>
-              <a:latin typeface="-apple-system"/>
-            </a:endParaRPr>
-          </a:p>
         </p:txBody>
       </p:sp>
     </p:spTree>
     <p:extLst>
       <p:ext uri="{BB962C8B-B14F-4D97-AF65-F5344CB8AC3E}">
-        <p14:creationId xmlns:p14="http://schemas.microsoft.com/office/powerpoint/2010/main" val="1002605230"/>
+        <p14:creationId xmlns:p14="http://schemas.microsoft.com/office/powerpoint/2010/main" val="4174596774"/>
       </p:ext>
     </p:extLst>
   </p:cSld>
@@ -10299,7 +14119,13 @@
   <p:cSld>
     <p:spTree>
       <p:nvGrpSpPr>
-        <p:cNvPr id="1" name=""/>
+        <p:cNvPr id="1" name="">
+          <a:extLst>
+            <a:ext uri="{FF2B5EF4-FFF2-40B4-BE49-F238E27FC236}">
+              <a16:creationId xmlns:a16="http://schemas.microsoft.com/office/drawing/2014/main" id="{DCAE5FA3-391D-953C-459F-D5A4E562CA89}"/>
+            </a:ext>
+          </a:extLst>
+        </p:cNvPr>
         <p:cNvGrpSpPr/>
         <p:nvPr/>
       </p:nvGrpSpPr>
@@ -10316,7 +14142,7 @@
           <p:cNvPr id="8" name="Subtitle 2">
             <a:extLst>
               <a:ext uri="{FF2B5EF4-FFF2-40B4-BE49-F238E27FC236}">
-                <a16:creationId xmlns:a16="http://schemas.microsoft.com/office/drawing/2014/main" id="{090EFA5F-2C72-42AB-A069-51AFDC27C766}"/>
+                <a16:creationId xmlns:a16="http://schemas.microsoft.com/office/drawing/2014/main" id="{281D6001-BD0D-9493-91A3-334B121E64D0}"/>
               </a:ext>
             </a:extLst>
           </p:cNvPr>
@@ -10518,7 +14344,7 @@
           <p:cNvPr id="5" name="Title 4">
             <a:extLst>
               <a:ext uri="{FF2B5EF4-FFF2-40B4-BE49-F238E27FC236}">
-                <a16:creationId xmlns:a16="http://schemas.microsoft.com/office/drawing/2014/main" id="{B7278418-EB2A-8766-EC92-613B2ACBA277}"/>
+                <a16:creationId xmlns:a16="http://schemas.microsoft.com/office/drawing/2014/main" id="{98EA82C7-43A8-1FE1-20B9-99952A54406D}"/>
               </a:ext>
             </a:extLst>
           </p:cNvPr>
@@ -10541,7 +14367,7 @@
           <a:p>
             <a:r>
               <a:rPr lang="en-US" dirty="0"/>
-              <a:t>SQL Statements</a:t>
+              <a:t>What is a Query?</a:t>
             </a:r>
           </a:p>
         </p:txBody>
@@ -10551,7 +14377,7 @@
           <p:cNvPr id="7" name="Content Placeholder 6">
             <a:extLst>
               <a:ext uri="{FF2B5EF4-FFF2-40B4-BE49-F238E27FC236}">
-                <a16:creationId xmlns:a16="http://schemas.microsoft.com/office/drawing/2014/main" id="{8103113D-3FA7-10C8-CFF6-CF0FA3CF28D4}"/>
+                <a16:creationId xmlns:a16="http://schemas.microsoft.com/office/drawing/2014/main" id="{AA7F4CAA-CC66-7E5A-8644-F7ECC26D9379}"/>
               </a:ext>
             </a:extLst>
           </p:cNvPr>
@@ -10572,247 +14398,137 @@
           <a:bodyPr/>
           <a:lstStyle/>
           <a:p>
-            <a:pPr marL="0" indent="0">
-              <a:buNone/>
+            <a:pPr algn="l">
+              <a:buFont typeface="Arial" panose="020B0604020202020204" pitchFamily="34" charset="0"/>
+              <a:buChar char="•"/>
             </a:pPr>
             <a:r>
-              <a:rPr lang="en-US" dirty="0">
-                <a:solidFill>
-                  <a:srgbClr val="1C1917"/>
-                </a:solidFill>
-                <a:latin typeface="-apple-system"/>
-              </a:rPr>
-              <a:t>W</a:t>
-            </a:r>
-            <a:r>
               <a:rPr lang="en-US" b="0" i="0" dirty="0">
                 <a:solidFill>
-                  <a:srgbClr val="1C1917"/>
-                </a:solidFill>
-                <a:effectLst/>
-                <a:latin typeface="-apple-system"/>
-              </a:rPr>
-              <a:t>riting an SQL statement involves: </a:t>
-            </a:r>
-          </a:p>
-          <a:p>
-            <a:pPr marL="400050" lvl="1" indent="0">
-              <a:buNone/>
+                  <a:srgbClr val="374151"/>
+                </a:solidFill>
+                <a:effectLst/>
+                <a:latin typeface="Söhne"/>
+              </a:rPr>
+              <a:t>SQL queries can be categorized into various types based on their purpose and functionality.</a:t>
+            </a:r>
+          </a:p>
+          <a:p>
+            <a:pPr algn="l">
+              <a:buFont typeface="Arial" panose="020B0604020202020204" pitchFamily="34" charset="0"/>
+              <a:buChar char="•"/>
             </a:pPr>
             <a:endParaRPr lang="en-US" b="0" i="0" dirty="0">
               <a:solidFill>
-                <a:srgbClr val="1C1917"/>
+                <a:srgbClr val="374151"/>
               </a:solidFill>
               <a:effectLst/>
-              <a:latin typeface="-apple-system"/>
+              <a:latin typeface="Söhne"/>
             </a:endParaRPr>
           </a:p>
           <a:p>
-            <a:pPr marL="857250" lvl="1" indent="-457200"/>
+            <a:pPr algn="l">
+              <a:buFont typeface="Arial" panose="020B0604020202020204" pitchFamily="34" charset="0"/>
+              <a:buChar char="•"/>
+            </a:pPr>
             <a:r>
               <a:rPr lang="en-US" b="0" i="0" dirty="0">
                 <a:solidFill>
-                  <a:srgbClr val="1C1917"/>
-                </a:solidFill>
-                <a:effectLst/>
-                <a:latin typeface="-apple-system"/>
-              </a:rPr>
-              <a:t>Specify the operation type: </a:t>
-            </a:r>
-          </a:p>
-          <a:p>
-            <a:pPr marL="1257300" lvl="2" indent="-457200"/>
+                  <a:srgbClr val="374151"/>
+                </a:solidFill>
+                <a:effectLst/>
+                <a:latin typeface="Söhne"/>
+              </a:rPr>
+              <a:t>Common types of SQL queries include:</a:t>
+            </a:r>
+          </a:p>
+          <a:p>
+            <a:pPr marL="742950" lvl="1" indent="-285750" algn="l">
+              <a:buFont typeface="Arial" panose="020B0604020202020204" pitchFamily="34" charset="0"/>
+              <a:buChar char="•"/>
+            </a:pPr>
             <a:r>
               <a:rPr lang="en-US" b="0" i="0" dirty="0">
                 <a:solidFill>
-                  <a:srgbClr val="1C1917"/>
-                </a:solidFill>
-                <a:effectLst/>
-                <a:latin typeface="-apple-system"/>
-              </a:rPr>
-              <a:t>This includes statements like SELECT, INSERT, UPDATE, DELETE. This tells the database engine what you want to do - query data, insert new data, update existing data, or delete data.</a:t>
-            </a:r>
-          </a:p>
-          <a:p>
-            <a:pPr marL="1257300" lvl="2" indent="-457200"/>
-            <a:endParaRPr lang="en-US" b="0" i="0" dirty="0">
-              <a:solidFill>
-                <a:srgbClr val="1C1917"/>
-              </a:solidFill>
-              <a:effectLst/>
-              <a:latin typeface="-apple-system"/>
-            </a:endParaRPr>
-          </a:p>
-          <a:p>
-            <a:pPr marL="0" indent="0" algn="ctr" rtl="0" latinLnBrk="0">
-              <a:buNone/>
+                  <a:srgbClr val="374151"/>
+                </a:solidFill>
+                <a:effectLst/>
+                <a:latin typeface="Söhne"/>
+              </a:rPr>
+              <a:t>SELECT Queries: Retrieve data from one or more tables.</a:t>
+            </a:r>
+          </a:p>
+          <a:p>
+            <a:pPr marL="742950" lvl="1" indent="-285750" algn="l">
+              <a:buFont typeface="Arial" panose="020B0604020202020204" pitchFamily="34" charset="0"/>
+              <a:buChar char="•"/>
             </a:pPr>
             <a:r>
-              <a:rPr lang="en-US" dirty="0">
-                <a:solidFill>
-                  <a:srgbClr val="C678DD"/>
-                </a:solidFill>
-                <a:effectLst/>
-                <a:highlight>
-                  <a:srgbClr val="FFFF00"/>
-                </a:highlight>
-                <a:latin typeface="Fira Code" panose="020B0809050000020004" pitchFamily="49" charset="0"/>
-              </a:rPr>
-              <a:t>SELECT</a:t>
-            </a:r>
-            <a:r>
-              <a:rPr lang="en-US" dirty="0">
-                <a:solidFill>
-                  <a:srgbClr val="ABB2BF"/>
-                </a:solidFill>
-                <a:effectLst/>
-                <a:highlight>
-                  <a:srgbClr val="FFFF00"/>
-                </a:highlight>
-                <a:latin typeface="Fira Code" panose="020B0809050000020004" pitchFamily="49" charset="0"/>
-              </a:rPr>
-              <a:t> id, name, address</a:t>
-            </a:r>
-          </a:p>
-          <a:p>
-            <a:pPr marL="0" indent="0" algn="ctr" rtl="0" latinLnBrk="0">
-              <a:buNone/>
+              <a:rPr lang="en-US" b="0" i="0" dirty="0">
+                <a:solidFill>
+                  <a:srgbClr val="374151"/>
+                </a:solidFill>
+                <a:effectLst/>
+                <a:latin typeface="Söhne"/>
+              </a:rPr>
+              <a:t>INSERT Queries: Add new data records into a table.</a:t>
+            </a:r>
+          </a:p>
+          <a:p>
+            <a:pPr marL="742950" lvl="1" indent="-285750" algn="l">
+              <a:buFont typeface="Arial" panose="020B0604020202020204" pitchFamily="34" charset="0"/>
+              <a:buChar char="•"/>
             </a:pPr>
             <a:r>
-              <a:rPr lang="en-US" dirty="0">
-                <a:solidFill>
-                  <a:srgbClr val="C678DD"/>
-                </a:solidFill>
-                <a:effectLst/>
-                <a:latin typeface="Fira Code" panose="020B0809050000020004" pitchFamily="49" charset="0"/>
-              </a:rPr>
-              <a:t>FROM</a:t>
-            </a:r>
-            <a:r>
-              <a:rPr lang="en-US" dirty="0">
-                <a:solidFill>
-                  <a:srgbClr val="ABB2BF"/>
-                </a:solidFill>
-                <a:effectLst/>
-                <a:latin typeface="Fira Code" panose="020B0809050000020004" pitchFamily="49" charset="0"/>
-              </a:rPr>
-              <a:t> Customers </a:t>
-            </a:r>
-          </a:p>
-          <a:p>
-            <a:pPr marL="0" indent="0" algn="ctr" rtl="0" latinLnBrk="0">
-              <a:buNone/>
+              <a:rPr lang="en-US" b="0" i="0" dirty="0">
+                <a:solidFill>
+                  <a:srgbClr val="374151"/>
+                </a:solidFill>
+                <a:effectLst/>
+                <a:latin typeface="Söhne"/>
+              </a:rPr>
+              <a:t>UPDATE Queries: Modify existing data records in a table.</a:t>
+            </a:r>
+          </a:p>
+          <a:p>
+            <a:pPr marL="742950" lvl="1" indent="-285750" algn="l">
+              <a:buFont typeface="Arial" panose="020B0604020202020204" pitchFamily="34" charset="0"/>
+              <a:buChar char="•"/>
             </a:pPr>
             <a:r>
-              <a:rPr lang="en-US" dirty="0">
-                <a:solidFill>
-                  <a:srgbClr val="C678DD"/>
-                </a:solidFill>
-                <a:effectLst/>
-                <a:latin typeface="Fira Code" panose="020B0809050000020004" pitchFamily="49" charset="0"/>
-              </a:rPr>
-              <a:t>WHERE</a:t>
-            </a:r>
-            <a:r>
-              <a:rPr lang="en-US" dirty="0">
-                <a:solidFill>
-                  <a:srgbClr val="ABB2BF"/>
-                </a:solidFill>
-                <a:effectLst/>
-                <a:latin typeface="Fira Code" panose="020B0809050000020004" pitchFamily="49" charset="0"/>
-              </a:rPr>
-              <a:t> state </a:t>
-            </a:r>
-            <a:r>
-              <a:rPr lang="en-US" dirty="0">
-                <a:solidFill>
-                  <a:srgbClr val="61AFEF"/>
-                </a:solidFill>
-                <a:effectLst/>
-                <a:latin typeface="Fira Code" panose="020B0809050000020004" pitchFamily="49" charset="0"/>
-              </a:rPr>
-              <a:t>=</a:t>
-            </a:r>
-            <a:r>
-              <a:rPr lang="en-US" dirty="0">
-                <a:solidFill>
-                  <a:srgbClr val="ABB2BF"/>
-                </a:solidFill>
-                <a:effectLst/>
-                <a:latin typeface="Fira Code" panose="020B0809050000020004" pitchFamily="49" charset="0"/>
-              </a:rPr>
-              <a:t> </a:t>
-            </a:r>
-            <a:r>
-              <a:rPr lang="en-US" dirty="0">
-                <a:solidFill>
-                  <a:srgbClr val="98C379"/>
-                </a:solidFill>
-                <a:effectLst/>
-                <a:latin typeface="Fira Code" panose="020B0809050000020004" pitchFamily="49" charset="0"/>
-              </a:rPr>
-              <a:t>'CA’</a:t>
-            </a:r>
-            <a:r>
-              <a:rPr lang="en-US" dirty="0">
-                <a:solidFill>
-                  <a:srgbClr val="ABB2BF"/>
-                </a:solidFill>
-                <a:effectLst/>
-                <a:latin typeface="Fira Code" panose="020B0809050000020004" pitchFamily="49" charset="0"/>
-              </a:rPr>
-              <a:t> </a:t>
-            </a:r>
-          </a:p>
-          <a:p>
-            <a:pPr marL="0" indent="0" algn="ctr" rtl="0" latinLnBrk="0">
-              <a:buNone/>
+              <a:rPr lang="en-US" b="0" i="0" dirty="0">
+                <a:solidFill>
+                  <a:srgbClr val="374151"/>
+                </a:solidFill>
+                <a:effectLst/>
+                <a:latin typeface="Söhne"/>
+              </a:rPr>
+              <a:t>JOIN Queries: Combine data from multiple tables.</a:t>
+            </a:r>
+          </a:p>
+          <a:p>
+            <a:pPr marL="742950" lvl="1" indent="-285750" algn="l">
+              <a:buFont typeface="Arial" panose="020B0604020202020204" pitchFamily="34" charset="0"/>
+              <a:buChar char="•"/>
             </a:pPr>
             <a:r>
-              <a:rPr lang="en-US" dirty="0">
-                <a:solidFill>
-                  <a:srgbClr val="C678DD"/>
-                </a:solidFill>
-                <a:effectLst/>
-                <a:latin typeface="Fira Code" panose="020B0809050000020004" pitchFamily="49" charset="0"/>
-              </a:rPr>
-              <a:t>ORDER</a:t>
-            </a:r>
-            <a:r>
-              <a:rPr lang="en-US" dirty="0">
-                <a:solidFill>
-                  <a:srgbClr val="ABB2BF"/>
-                </a:solidFill>
-                <a:effectLst/>
-                <a:latin typeface="Fira Code" panose="020B0809050000020004" pitchFamily="49" charset="0"/>
-              </a:rPr>
-              <a:t> </a:t>
-            </a:r>
-            <a:r>
-              <a:rPr lang="en-US" dirty="0">
-                <a:solidFill>
-                  <a:srgbClr val="C678DD"/>
-                </a:solidFill>
-                <a:effectLst/>
-                <a:latin typeface="Fira Code" panose="020B0809050000020004" pitchFamily="49" charset="0"/>
-              </a:rPr>
-              <a:t>BY</a:t>
-            </a:r>
-            <a:r>
-              <a:rPr lang="en-US" dirty="0">
-                <a:solidFill>
-                  <a:srgbClr val="ABB2BF"/>
-                </a:solidFill>
-                <a:effectLst/>
-                <a:latin typeface="Fira Code" panose="020B0809050000020004" pitchFamily="49" charset="0"/>
-              </a:rPr>
-              <a:t> name;</a:t>
-            </a:r>
-          </a:p>
-          <a:p>
-            <a:pPr marL="914400" lvl="2" indent="0">
+              <a:rPr lang="en-US" b="0" i="0" dirty="0">
+                <a:solidFill>
+                  <a:srgbClr val="374151"/>
+                </a:solidFill>
+                <a:effectLst/>
+                <a:latin typeface="Söhne"/>
+              </a:rPr>
+              <a:t>AGGREGATE Queries: Perform calculations on data (e.g., SUM, AVG, COUNT).</a:t>
+            </a:r>
+          </a:p>
+          <a:p>
+            <a:pPr marL="0" indent="0">
               <a:buNone/>
             </a:pPr>
+            <a:br>
+              <a:rPr lang="en-US" dirty="0"/>
+            </a:br>
             <a:endParaRPr lang="en-US" b="0" i="0" dirty="0">
               <a:solidFill>
                 <a:srgbClr val="24292F"/>
@@ -10826,7 +14542,7 @@
     </p:spTree>
     <p:extLst>
       <p:ext uri="{BB962C8B-B14F-4D97-AF65-F5344CB8AC3E}">
-        <p14:creationId xmlns:p14="http://schemas.microsoft.com/office/powerpoint/2010/main" val="1270359071"/>
+        <p14:creationId xmlns:p14="http://schemas.microsoft.com/office/powerpoint/2010/main" val="3779582671"/>
       </p:ext>
     </p:extLst>
   </p:cSld>
@@ -11114,256 +14830,244 @@
           <a:bodyPr/>
           <a:lstStyle/>
           <a:p>
-            <a:pPr marL="0" indent="0">
+            <a:pPr marL="0" indent="0" algn="l">
               <a:buNone/>
             </a:pPr>
             <a:r>
+              <a:rPr lang="en-US" b="0" i="0" dirty="0">
+                <a:solidFill>
+                  <a:srgbClr val="24292F"/>
+                </a:solidFill>
+                <a:effectLst/>
+                <a:latin typeface="-apple-system"/>
+              </a:rPr>
+              <a:t>SQL is written in </a:t>
+            </a:r>
+            <a:r>
+              <a:rPr lang="en-US" b="1" i="0" dirty="0">
+                <a:solidFill>
+                  <a:srgbClr val="24292F"/>
+                </a:solidFill>
+                <a:effectLst/>
+                <a:latin typeface="-apple-system"/>
+              </a:rPr>
+              <a:t>statements</a:t>
+            </a:r>
+            <a:r>
+              <a:rPr lang="en-US" b="0" i="0" dirty="0">
+                <a:solidFill>
+                  <a:srgbClr val="24292F"/>
+                </a:solidFill>
+                <a:effectLst/>
+                <a:latin typeface="-apple-system"/>
+              </a:rPr>
+              <a:t> - strings of characters that conform to formatting and syntax rules specified in the international standard</a:t>
+            </a:r>
+          </a:p>
+          <a:p>
+            <a:pPr marL="0" indent="0" algn="l">
+              <a:buNone/>
+            </a:pPr>
+            <a:endParaRPr lang="en-US" dirty="0">
+              <a:solidFill>
+                <a:srgbClr val="24292F"/>
+              </a:solidFill>
+              <a:latin typeface="-apple-system"/>
+            </a:endParaRPr>
+          </a:p>
+          <a:p>
+            <a:pPr lvl="1"/>
+            <a:r>
+              <a:rPr lang="en-US" b="0" i="0" dirty="0">
+                <a:solidFill>
+                  <a:srgbClr val="1C1917"/>
+                </a:solidFill>
+                <a:effectLst/>
+                <a:latin typeface="-apple-system"/>
+              </a:rPr>
+              <a:t>For example, a basic SELECT statement fetching data from a Customers table would be:</a:t>
+            </a:r>
+          </a:p>
+          <a:p>
+            <a:pPr marL="457200" lvl="1" indent="0">
+              <a:buNone/>
+            </a:pPr>
+            <a:endParaRPr lang="en-US" dirty="0">
+              <a:effectLst/>
+            </a:endParaRPr>
+          </a:p>
+          <a:p>
+            <a:pPr marL="0" indent="0" algn="ctr" rtl="0" latinLnBrk="0">
+              <a:buNone/>
+            </a:pPr>
+            <a:r>
               <a:rPr lang="en-US" dirty="0">
                 <a:solidFill>
-                  <a:srgbClr val="1C1917"/>
-                </a:solidFill>
-                <a:latin typeface="-apple-system"/>
-              </a:rPr>
-              <a:t>W</a:t>
-            </a:r>
-            <a:r>
-              <a:rPr lang="en-US" b="0" i="0" dirty="0">
-                <a:solidFill>
-                  <a:srgbClr val="1C1917"/>
-                </a:solidFill>
-                <a:effectLst/>
-                <a:latin typeface="-apple-system"/>
-              </a:rPr>
-              <a:t>riting an SQL statement involves: </a:t>
-            </a:r>
-          </a:p>
-          <a:p>
-            <a:pPr marL="800100" lvl="2" indent="0">
+                  <a:srgbClr val="C678DD"/>
+                </a:solidFill>
+                <a:effectLst/>
+                <a:latin typeface="Fira Code" panose="020B0809050000020004" pitchFamily="49" charset="0"/>
+              </a:rPr>
+              <a:t>SELECT</a:t>
+            </a:r>
+            <a:r>
+              <a:rPr lang="en-US" dirty="0">
+                <a:solidFill>
+                  <a:srgbClr val="ABB2BF"/>
+                </a:solidFill>
+                <a:effectLst/>
+                <a:latin typeface="Fira Code" panose="020B0809050000020004" pitchFamily="49" charset="0"/>
+              </a:rPr>
+              <a:t> id, name, address </a:t>
+            </a:r>
+          </a:p>
+          <a:p>
+            <a:pPr marL="0" indent="0" algn="ctr" rtl="0" latinLnBrk="0">
               <a:buNone/>
             </a:pPr>
+            <a:r>
+              <a:rPr lang="en-US" dirty="0">
+                <a:solidFill>
+                  <a:srgbClr val="C678DD"/>
+                </a:solidFill>
+                <a:effectLst/>
+                <a:latin typeface="Fira Code" panose="020B0809050000020004" pitchFamily="49" charset="0"/>
+              </a:rPr>
+              <a:t>FROM</a:t>
+            </a:r>
+            <a:r>
+              <a:rPr lang="en-US" dirty="0">
+                <a:solidFill>
+                  <a:srgbClr val="ABB2BF"/>
+                </a:solidFill>
+                <a:effectLst/>
+                <a:latin typeface="Fira Code" panose="020B0809050000020004" pitchFamily="49" charset="0"/>
+              </a:rPr>
+              <a:t> Customers </a:t>
+            </a:r>
+          </a:p>
+          <a:p>
+            <a:pPr marL="0" indent="0" algn="ctr" rtl="0" latinLnBrk="0">
+              <a:buNone/>
+            </a:pPr>
+            <a:r>
+              <a:rPr lang="en-US" dirty="0">
+                <a:solidFill>
+                  <a:srgbClr val="C678DD"/>
+                </a:solidFill>
+                <a:effectLst/>
+                <a:latin typeface="Fira Code" panose="020B0809050000020004" pitchFamily="49" charset="0"/>
+              </a:rPr>
+              <a:t>WHERE</a:t>
+            </a:r>
+            <a:r>
+              <a:rPr lang="en-US" dirty="0">
+                <a:solidFill>
+                  <a:srgbClr val="ABB2BF"/>
+                </a:solidFill>
+                <a:effectLst/>
+                <a:latin typeface="Fira Code" panose="020B0809050000020004" pitchFamily="49" charset="0"/>
+              </a:rPr>
+              <a:t> state </a:t>
+            </a:r>
+            <a:r>
+              <a:rPr lang="en-US" dirty="0">
+                <a:solidFill>
+                  <a:srgbClr val="61AFEF"/>
+                </a:solidFill>
+                <a:effectLst/>
+                <a:latin typeface="Fira Code" panose="020B0809050000020004" pitchFamily="49" charset="0"/>
+              </a:rPr>
+              <a:t>=</a:t>
+            </a:r>
+            <a:r>
+              <a:rPr lang="en-US" dirty="0">
+                <a:solidFill>
+                  <a:srgbClr val="ABB2BF"/>
+                </a:solidFill>
+                <a:effectLst/>
+                <a:latin typeface="Fira Code" panose="020B0809050000020004" pitchFamily="49" charset="0"/>
+              </a:rPr>
+              <a:t> </a:t>
+            </a:r>
+            <a:r>
+              <a:rPr lang="en-US" dirty="0">
+                <a:solidFill>
+                  <a:srgbClr val="98C379"/>
+                </a:solidFill>
+                <a:effectLst/>
+                <a:latin typeface="Fira Code" panose="020B0809050000020004" pitchFamily="49" charset="0"/>
+              </a:rPr>
+              <a:t>'CA’</a:t>
+            </a:r>
+            <a:r>
+              <a:rPr lang="en-US" dirty="0">
+                <a:solidFill>
+                  <a:srgbClr val="ABB2BF"/>
+                </a:solidFill>
+                <a:effectLst/>
+                <a:latin typeface="Fira Code" panose="020B0809050000020004" pitchFamily="49" charset="0"/>
+              </a:rPr>
+              <a:t> </a:t>
+            </a:r>
+          </a:p>
+          <a:p>
+            <a:pPr marL="0" indent="0" algn="ctr" rtl="0" latinLnBrk="0">
+              <a:buNone/>
+            </a:pPr>
+            <a:r>
+              <a:rPr lang="en-US" dirty="0">
+                <a:solidFill>
+                  <a:srgbClr val="C678DD"/>
+                </a:solidFill>
+                <a:effectLst/>
+                <a:latin typeface="Fira Code" panose="020B0809050000020004" pitchFamily="49" charset="0"/>
+              </a:rPr>
+              <a:t>ORDER</a:t>
+            </a:r>
+            <a:r>
+              <a:rPr lang="en-US" dirty="0">
+                <a:solidFill>
+                  <a:srgbClr val="ABB2BF"/>
+                </a:solidFill>
+                <a:effectLst/>
+                <a:latin typeface="Fira Code" panose="020B0809050000020004" pitchFamily="49" charset="0"/>
+              </a:rPr>
+              <a:t> </a:t>
+            </a:r>
+            <a:r>
+              <a:rPr lang="en-US" dirty="0">
+                <a:solidFill>
+                  <a:srgbClr val="C678DD"/>
+                </a:solidFill>
+                <a:effectLst/>
+                <a:latin typeface="Fira Code" panose="020B0809050000020004" pitchFamily="49" charset="0"/>
+              </a:rPr>
+              <a:t>BY</a:t>
+            </a:r>
+            <a:r>
+              <a:rPr lang="en-US" dirty="0">
+                <a:solidFill>
+                  <a:srgbClr val="ABB2BF"/>
+                </a:solidFill>
+                <a:effectLst/>
+                <a:latin typeface="Fira Code" panose="020B0809050000020004" pitchFamily="49" charset="0"/>
+              </a:rPr>
+              <a:t> name;</a:t>
+            </a:r>
+          </a:p>
+          <a:p>
+            <a:pPr lvl="1"/>
             <a:endParaRPr lang="en-US" b="0" i="0" dirty="0">
               <a:solidFill>
-                <a:srgbClr val="1C1917"/>
+                <a:srgbClr val="24292F"/>
               </a:solidFill>
               <a:effectLst/>
               <a:latin typeface="-apple-system"/>
             </a:endParaRPr>
           </a:p>
           <a:p>
-            <a:pPr marL="857250" lvl="1" indent="-457200"/>
-            <a:r>
-              <a:rPr lang="en-US" b="0" i="0" dirty="0">
-                <a:solidFill>
-                  <a:srgbClr val="1C1917"/>
-                </a:solidFill>
-                <a:effectLst/>
-                <a:latin typeface="-apple-system"/>
-              </a:rPr>
-              <a:t>Specify the table and columns: </a:t>
-            </a:r>
-          </a:p>
-          <a:p>
-            <a:pPr marL="1257300" lvl="2" indent="-457200"/>
-            <a:r>
-              <a:rPr lang="en-US" b="0" i="0" dirty="0">
-                <a:solidFill>
-                  <a:srgbClr val="1C1917"/>
-                </a:solidFill>
-                <a:effectLst/>
-                <a:latin typeface="-apple-system"/>
-              </a:rPr>
-              <a:t>The statement needs to indicate from which database table and columns you want to access or operate on. Often this is done after the operation type using a FROM clause.</a:t>
-            </a:r>
-          </a:p>
-          <a:p>
-            <a:pPr marL="1257300" lvl="2" indent="-457200"/>
-            <a:endParaRPr lang="en-US" dirty="0">
-              <a:solidFill>
-                <a:srgbClr val="1C1917"/>
-              </a:solidFill>
-              <a:latin typeface="-apple-system"/>
-            </a:endParaRPr>
-          </a:p>
-          <a:p>
-            <a:pPr marL="0" indent="0" algn="ctr" rtl="0" latinLnBrk="0">
-              <a:buNone/>
-            </a:pPr>
-            <a:r>
-              <a:rPr lang="en-US" dirty="0">
-                <a:solidFill>
-                  <a:srgbClr val="C678DD"/>
-                </a:solidFill>
-                <a:effectLst/>
-                <a:latin typeface="Fira Code" panose="020B0809050000020004" pitchFamily="49" charset="0"/>
-              </a:rPr>
-              <a:t>SELECT</a:t>
-            </a:r>
-            <a:r>
-              <a:rPr lang="en-US" dirty="0">
-                <a:solidFill>
-                  <a:srgbClr val="ABB2BF"/>
-                </a:solidFill>
-                <a:effectLst/>
-                <a:latin typeface="Fira Code" panose="020B0809050000020004" pitchFamily="49" charset="0"/>
-              </a:rPr>
-              <a:t> id, name, address </a:t>
-            </a:r>
-          </a:p>
-          <a:p>
-            <a:pPr marL="0" indent="0" algn="ctr" rtl="0" latinLnBrk="0">
-              <a:buNone/>
-            </a:pPr>
-            <a:r>
-              <a:rPr lang="en-US" dirty="0">
-                <a:solidFill>
-                  <a:srgbClr val="C678DD"/>
-                </a:solidFill>
-                <a:effectLst/>
-                <a:highlight>
-                  <a:srgbClr val="FFFF00"/>
-                </a:highlight>
-                <a:latin typeface="Fira Code" panose="020B0809050000020004" pitchFamily="49" charset="0"/>
-              </a:rPr>
-              <a:t>FROM</a:t>
-            </a:r>
-            <a:r>
-              <a:rPr lang="en-US" dirty="0">
-                <a:solidFill>
-                  <a:srgbClr val="ABB2BF"/>
-                </a:solidFill>
-                <a:effectLst/>
-                <a:highlight>
-                  <a:srgbClr val="FFFF00"/>
-                </a:highlight>
-                <a:latin typeface="Fira Code" panose="020B0809050000020004" pitchFamily="49" charset="0"/>
-              </a:rPr>
-              <a:t> Customers </a:t>
-            </a:r>
-          </a:p>
-          <a:p>
-            <a:pPr marL="0" indent="0" algn="ctr" rtl="0" latinLnBrk="0">
-              <a:buNone/>
-            </a:pPr>
-            <a:r>
-              <a:rPr lang="en-US" dirty="0">
-                <a:solidFill>
-                  <a:srgbClr val="C678DD"/>
-                </a:solidFill>
-                <a:effectLst/>
-                <a:latin typeface="Fira Code" panose="020B0809050000020004" pitchFamily="49" charset="0"/>
-              </a:rPr>
-              <a:t>WHERE</a:t>
-            </a:r>
-            <a:r>
-              <a:rPr lang="en-US" dirty="0">
-                <a:solidFill>
-                  <a:srgbClr val="ABB2BF"/>
-                </a:solidFill>
-                <a:effectLst/>
-                <a:latin typeface="Fira Code" panose="020B0809050000020004" pitchFamily="49" charset="0"/>
-              </a:rPr>
-              <a:t> state </a:t>
-            </a:r>
-            <a:r>
-              <a:rPr lang="en-US" dirty="0">
-                <a:solidFill>
-                  <a:srgbClr val="61AFEF"/>
-                </a:solidFill>
-                <a:effectLst/>
-                <a:latin typeface="Fira Code" panose="020B0809050000020004" pitchFamily="49" charset="0"/>
-              </a:rPr>
-              <a:t>=</a:t>
-            </a:r>
-            <a:r>
-              <a:rPr lang="en-US" dirty="0">
-                <a:solidFill>
-                  <a:srgbClr val="ABB2BF"/>
-                </a:solidFill>
-                <a:effectLst/>
-                <a:latin typeface="Fira Code" panose="020B0809050000020004" pitchFamily="49" charset="0"/>
-              </a:rPr>
-              <a:t> </a:t>
-            </a:r>
-            <a:r>
-              <a:rPr lang="en-US" dirty="0">
-                <a:solidFill>
-                  <a:srgbClr val="98C379"/>
-                </a:solidFill>
-                <a:effectLst/>
-                <a:latin typeface="Fira Code" panose="020B0809050000020004" pitchFamily="49" charset="0"/>
-              </a:rPr>
-              <a:t>'CA’</a:t>
-            </a:r>
-            <a:r>
-              <a:rPr lang="en-US" dirty="0">
-                <a:solidFill>
-                  <a:srgbClr val="ABB2BF"/>
-                </a:solidFill>
-                <a:effectLst/>
-                <a:latin typeface="Fira Code" panose="020B0809050000020004" pitchFamily="49" charset="0"/>
-              </a:rPr>
-              <a:t> </a:t>
-            </a:r>
-          </a:p>
-          <a:p>
-            <a:pPr marL="0" indent="0" algn="ctr" rtl="0" latinLnBrk="0">
-              <a:buNone/>
-            </a:pPr>
-            <a:r>
-              <a:rPr lang="en-US" dirty="0">
-                <a:solidFill>
-                  <a:srgbClr val="C678DD"/>
-                </a:solidFill>
-                <a:effectLst/>
-                <a:latin typeface="Fira Code" panose="020B0809050000020004" pitchFamily="49" charset="0"/>
-              </a:rPr>
-              <a:t>ORDER</a:t>
-            </a:r>
-            <a:r>
-              <a:rPr lang="en-US" dirty="0">
-                <a:solidFill>
-                  <a:srgbClr val="ABB2BF"/>
-                </a:solidFill>
-                <a:effectLst/>
-                <a:latin typeface="Fira Code" panose="020B0809050000020004" pitchFamily="49" charset="0"/>
-              </a:rPr>
-              <a:t> </a:t>
-            </a:r>
-            <a:r>
-              <a:rPr lang="en-US" dirty="0">
-                <a:solidFill>
-                  <a:srgbClr val="C678DD"/>
-                </a:solidFill>
-                <a:effectLst/>
-                <a:latin typeface="Fira Code" panose="020B0809050000020004" pitchFamily="49" charset="0"/>
-              </a:rPr>
-              <a:t>BY</a:t>
-            </a:r>
-            <a:r>
-              <a:rPr lang="en-US" dirty="0">
-                <a:solidFill>
-                  <a:srgbClr val="ABB2BF"/>
-                </a:solidFill>
-                <a:effectLst/>
-                <a:latin typeface="Fira Code" panose="020B0809050000020004" pitchFamily="49" charset="0"/>
-              </a:rPr>
-              <a:t> name;</a:t>
-            </a:r>
-          </a:p>
-          <a:p>
-            <a:pPr marL="800100" lvl="2" indent="0">
-              <a:buNone/>
-            </a:pPr>
-            <a:endParaRPr lang="en-US" b="0" i="0" dirty="0">
-              <a:solidFill>
-                <a:srgbClr val="1C1917"/>
-              </a:solidFill>
-              <a:effectLst/>
-              <a:latin typeface="-apple-system"/>
-            </a:endParaRPr>
-          </a:p>
-          <a:p>
-            <a:pPr marL="914400" lvl="2" indent="0">
+            <a:pPr marL="0" indent="0" algn="l">
               <a:buNone/>
             </a:pPr>
             <a:endParaRPr lang="en-US" b="0" i="0" dirty="0">
@@ -11374,12 +15078,24 @@
               <a:latin typeface="-apple-system"/>
             </a:endParaRPr>
           </a:p>
+          <a:p>
+            <a:pPr marL="0" indent="0" algn="l">
+              <a:buNone/>
+            </a:pPr>
+            <a:endParaRPr lang="en-US" b="0" i="0" dirty="0">
+              <a:solidFill>
+                <a:srgbClr val="24292F"/>
+              </a:solidFill>
+              <a:effectLst/>
+              <a:latin typeface="-apple-system"/>
+            </a:endParaRPr>
+          </a:p>
         </p:txBody>
       </p:sp>
     </p:spTree>
     <p:extLst>
       <p:ext uri="{BB962C8B-B14F-4D97-AF65-F5344CB8AC3E}">
-        <p14:creationId xmlns:p14="http://schemas.microsoft.com/office/powerpoint/2010/main" val="924900005"/>
+        <p14:creationId xmlns:p14="http://schemas.microsoft.com/office/powerpoint/2010/main" val="1002605230"/>
       </p:ext>
     </p:extLst>
   </p:cSld>
@@ -11667,33 +15383,55 @@
           <a:bodyPr/>
           <a:lstStyle/>
           <a:p>
-            <a:pPr marL="0" indent="0">
-              <a:buNone/>
+            <a:pPr algn="l">
+              <a:buFont typeface="Arial" panose="020B0604020202020204" pitchFamily="34" charset="0"/>
+              <a:buChar char="•"/>
             </a:pPr>
             <a:r>
-              <a:rPr lang="en-US" dirty="0">
-                <a:solidFill>
-                  <a:srgbClr val="1C1917"/>
-                </a:solidFill>
-                <a:latin typeface="-apple-system"/>
-              </a:rPr>
-              <a:t>W</a:t>
-            </a:r>
-            <a:r>
               <a:rPr lang="en-US" b="0" i="0" dirty="0">
                 <a:solidFill>
-                  <a:srgbClr val="1C1917"/>
-                </a:solidFill>
-                <a:effectLst/>
-                <a:latin typeface="-apple-system"/>
-              </a:rPr>
-              <a:t>riting an SQL statement involves: </a:t>
-            </a:r>
-          </a:p>
-          <a:p>
-            <a:pPr marL="800100" lvl="2" indent="0">
-              <a:buNone/>
+                  <a:srgbClr val="374151"/>
+                </a:solidFill>
+                <a:effectLst/>
+                <a:latin typeface="Söhne"/>
+              </a:rPr>
+              <a:t>Writing an SQL statement involves several key steps, which help you communicate effectively with the database engine.</a:t>
+            </a:r>
+          </a:p>
+          <a:p>
+            <a:pPr lvl="1">
+              <a:buFont typeface="Arial" panose="020B0604020202020204" pitchFamily="34" charset="0"/>
+              <a:buChar char="•"/>
             </a:pPr>
+            <a:r>
+              <a:rPr lang="en-US" b="0" i="0" dirty="0">
+                <a:solidFill>
+                  <a:srgbClr val="374151"/>
+                </a:solidFill>
+                <a:effectLst/>
+                <a:latin typeface="Söhne"/>
+              </a:rPr>
+              <a:t>The first step is to specify the operation type. Common operation types include SELECT, INSERT, UPDATE, and DELETE.</a:t>
+            </a:r>
+          </a:p>
+          <a:p>
+            <a:pPr lvl="1">
+              <a:buFont typeface="Arial" panose="020B0604020202020204" pitchFamily="34" charset="0"/>
+              <a:buChar char="•"/>
+            </a:pPr>
+            <a:r>
+              <a:rPr lang="en-US" b="0" i="0" dirty="0">
+                <a:solidFill>
+                  <a:srgbClr val="374151"/>
+                </a:solidFill>
+                <a:effectLst/>
+                <a:latin typeface="Söhne"/>
+              </a:rPr>
+              <a:t>Let's take a closer look at an example using the SELECT statement to query data from a Customers table.</a:t>
+            </a:r>
+          </a:p>
+          <a:p>
+            <a:pPr marL="1257300" lvl="2" indent="-457200"/>
             <a:endParaRPr lang="en-US" b="0" i="0" dirty="0">
               <a:solidFill>
                 <a:srgbClr val="1C1917"/>
@@ -11703,29 +15441,169 @@
             </a:endParaRPr>
           </a:p>
           <a:p>
-            <a:pPr marL="857250" lvl="1" indent="-457200"/>
-            <a:r>
-              <a:rPr lang="en-US" b="0" i="0" dirty="0">
-                <a:solidFill>
-                  <a:srgbClr val="1C1917"/>
-                </a:solidFill>
-                <a:effectLst/>
-                <a:latin typeface="-apple-system"/>
-              </a:rPr>
-              <a:t>Specify any filtering conditions (optional): </a:t>
-            </a:r>
-          </a:p>
-          <a:p>
-            <a:pPr marL="1257300" lvl="2" indent="-457200"/>
-            <a:r>
-              <a:rPr lang="en-US" b="0" i="0" dirty="0">
-                <a:solidFill>
-                  <a:srgbClr val="1C1917"/>
-                </a:solidFill>
-                <a:effectLst/>
-                <a:latin typeface="-apple-system"/>
-              </a:rPr>
-              <a:t>You can filter which data rows you want using a WHERE clause and conditional logic.</a:t>
+            <a:pPr marL="0" indent="0" algn="ctr" rtl="0" latinLnBrk="0">
+              <a:buNone/>
+            </a:pPr>
+            <a:r>
+              <a:rPr lang="en-US" dirty="0">
+                <a:solidFill>
+                  <a:srgbClr val="C678DD"/>
+                </a:solidFill>
+                <a:effectLst/>
+                <a:highlight>
+                  <a:srgbClr val="FFFF00"/>
+                </a:highlight>
+                <a:latin typeface="Fira Code" panose="020B0809050000020004" pitchFamily="49" charset="0"/>
+              </a:rPr>
+              <a:t>SELECT</a:t>
+            </a:r>
+            <a:r>
+              <a:rPr lang="en-US" dirty="0">
+                <a:solidFill>
+                  <a:srgbClr val="ABB2BF"/>
+                </a:solidFill>
+                <a:effectLst/>
+                <a:highlight>
+                  <a:srgbClr val="FFFF00"/>
+                </a:highlight>
+                <a:latin typeface="Fira Code" panose="020B0809050000020004" pitchFamily="49" charset="0"/>
+              </a:rPr>
+              <a:t> id, name, address</a:t>
+            </a:r>
+          </a:p>
+          <a:p>
+            <a:pPr marL="0" indent="0" algn="ctr" rtl="0" latinLnBrk="0">
+              <a:buNone/>
+            </a:pPr>
+            <a:r>
+              <a:rPr lang="en-US" dirty="0">
+                <a:solidFill>
+                  <a:srgbClr val="C678DD"/>
+                </a:solidFill>
+                <a:effectLst/>
+                <a:latin typeface="Fira Code" panose="020B0809050000020004" pitchFamily="49" charset="0"/>
+              </a:rPr>
+              <a:t>FROM</a:t>
+            </a:r>
+            <a:r>
+              <a:rPr lang="en-US" dirty="0">
+                <a:solidFill>
+                  <a:srgbClr val="ABB2BF"/>
+                </a:solidFill>
+                <a:effectLst/>
+                <a:latin typeface="Fira Code" panose="020B0809050000020004" pitchFamily="49" charset="0"/>
+              </a:rPr>
+              <a:t> Customers </a:t>
+            </a:r>
+          </a:p>
+          <a:p>
+            <a:pPr marL="0" indent="0" algn="ctr" rtl="0" latinLnBrk="0">
+              <a:buNone/>
+            </a:pPr>
+            <a:r>
+              <a:rPr lang="en-US" dirty="0">
+                <a:solidFill>
+                  <a:srgbClr val="C678DD"/>
+                </a:solidFill>
+                <a:effectLst/>
+                <a:latin typeface="Fira Code" panose="020B0809050000020004" pitchFamily="49" charset="0"/>
+              </a:rPr>
+              <a:t>WHERE</a:t>
+            </a:r>
+            <a:r>
+              <a:rPr lang="en-US" dirty="0">
+                <a:solidFill>
+                  <a:srgbClr val="ABB2BF"/>
+                </a:solidFill>
+                <a:effectLst/>
+                <a:latin typeface="Fira Code" panose="020B0809050000020004" pitchFamily="49" charset="0"/>
+              </a:rPr>
+              <a:t> state </a:t>
+            </a:r>
+            <a:r>
+              <a:rPr lang="en-US" dirty="0">
+                <a:solidFill>
+                  <a:srgbClr val="61AFEF"/>
+                </a:solidFill>
+                <a:effectLst/>
+                <a:latin typeface="Fira Code" panose="020B0809050000020004" pitchFamily="49" charset="0"/>
+              </a:rPr>
+              <a:t>=</a:t>
+            </a:r>
+            <a:r>
+              <a:rPr lang="en-US" dirty="0">
+                <a:solidFill>
+                  <a:srgbClr val="ABB2BF"/>
+                </a:solidFill>
+                <a:effectLst/>
+                <a:latin typeface="Fira Code" panose="020B0809050000020004" pitchFamily="49" charset="0"/>
+              </a:rPr>
+              <a:t> </a:t>
+            </a:r>
+            <a:r>
+              <a:rPr lang="en-US" dirty="0">
+                <a:solidFill>
+                  <a:srgbClr val="98C379"/>
+                </a:solidFill>
+                <a:effectLst/>
+                <a:latin typeface="Fira Code" panose="020B0809050000020004" pitchFamily="49" charset="0"/>
+              </a:rPr>
+              <a:t>'CA’</a:t>
+            </a:r>
+            <a:r>
+              <a:rPr lang="en-US" dirty="0">
+                <a:solidFill>
+                  <a:srgbClr val="ABB2BF"/>
+                </a:solidFill>
+                <a:effectLst/>
+                <a:latin typeface="Fira Code" panose="020B0809050000020004" pitchFamily="49" charset="0"/>
+              </a:rPr>
+              <a:t> </a:t>
+            </a:r>
+          </a:p>
+          <a:p>
+            <a:pPr marL="0" indent="0" algn="ctr" rtl="0" latinLnBrk="0">
+              <a:buNone/>
+            </a:pPr>
+            <a:r>
+              <a:rPr lang="en-US" dirty="0">
+                <a:solidFill>
+                  <a:srgbClr val="C678DD"/>
+                </a:solidFill>
+                <a:effectLst/>
+                <a:latin typeface="Fira Code" panose="020B0809050000020004" pitchFamily="49" charset="0"/>
+              </a:rPr>
+              <a:t>ORDER</a:t>
+            </a:r>
+            <a:r>
+              <a:rPr lang="en-US" dirty="0">
+                <a:solidFill>
+                  <a:srgbClr val="ABB2BF"/>
+                </a:solidFill>
+                <a:effectLst/>
+                <a:latin typeface="Fira Code" panose="020B0809050000020004" pitchFamily="49" charset="0"/>
+              </a:rPr>
+              <a:t> </a:t>
+            </a:r>
+            <a:r>
+              <a:rPr lang="en-US" dirty="0">
+                <a:solidFill>
+                  <a:srgbClr val="C678DD"/>
+                </a:solidFill>
+                <a:effectLst/>
+                <a:latin typeface="Fira Code" panose="020B0809050000020004" pitchFamily="49" charset="0"/>
+              </a:rPr>
+              <a:t>BY</a:t>
+            </a:r>
+            <a:r>
+              <a:rPr lang="en-US" dirty="0">
+                <a:solidFill>
+                  <a:srgbClr val="ABB2BF"/>
+                </a:solidFill>
+                <a:effectLst/>
+                <a:latin typeface="Fira Code" panose="020B0809050000020004" pitchFamily="49" charset="0"/>
+              </a:rPr>
+              <a:t> name;</a:t>
             </a:r>
           </a:p>
           <a:p>
@@ -11740,202 +15618,12 @@
               <a:latin typeface="-apple-system"/>
             </a:endParaRPr>
           </a:p>
-          <a:p>
-            <a:pPr marL="0" indent="0" algn="ctr" rtl="0" latinLnBrk="0">
-              <a:buNone/>
-            </a:pPr>
-            <a:r>
-              <a:rPr lang="en-US" dirty="0">
-                <a:solidFill>
-                  <a:srgbClr val="C678DD"/>
-                </a:solidFill>
-                <a:effectLst/>
-                <a:latin typeface="Fira Code" panose="020B0809050000020004" pitchFamily="49" charset="0"/>
-              </a:rPr>
-              <a:t>SELECT</a:t>
-            </a:r>
-            <a:r>
-              <a:rPr lang="en-US" dirty="0">
-                <a:solidFill>
-                  <a:srgbClr val="ABB2BF"/>
-                </a:solidFill>
-                <a:effectLst/>
-                <a:latin typeface="Fira Code" panose="020B0809050000020004" pitchFamily="49" charset="0"/>
-              </a:rPr>
-              <a:t> id, name, address </a:t>
-            </a:r>
-          </a:p>
-          <a:p>
-            <a:pPr marL="0" indent="0" algn="ctr" rtl="0" latinLnBrk="0">
-              <a:buNone/>
-            </a:pPr>
-            <a:r>
-              <a:rPr lang="en-US" dirty="0">
-                <a:solidFill>
-                  <a:srgbClr val="C678DD"/>
-                </a:solidFill>
-                <a:effectLst/>
-                <a:latin typeface="Fira Code" panose="020B0809050000020004" pitchFamily="49" charset="0"/>
-              </a:rPr>
-              <a:t>FROM</a:t>
-            </a:r>
-            <a:r>
-              <a:rPr lang="en-US" dirty="0">
-                <a:solidFill>
-                  <a:srgbClr val="ABB2BF"/>
-                </a:solidFill>
-                <a:effectLst/>
-                <a:latin typeface="Fira Code" panose="020B0809050000020004" pitchFamily="49" charset="0"/>
-              </a:rPr>
-              <a:t> Customers </a:t>
-            </a:r>
-          </a:p>
-          <a:p>
-            <a:pPr marL="0" indent="0" algn="ctr" rtl="0" latinLnBrk="0">
-              <a:buNone/>
-            </a:pPr>
-            <a:r>
-              <a:rPr lang="en-US" dirty="0">
-                <a:solidFill>
-                  <a:srgbClr val="C678DD"/>
-                </a:solidFill>
-                <a:effectLst/>
-                <a:highlight>
-                  <a:srgbClr val="FFFF00"/>
-                </a:highlight>
-                <a:latin typeface="Fira Code" panose="020B0809050000020004" pitchFamily="49" charset="0"/>
-              </a:rPr>
-              <a:t>WHERE</a:t>
-            </a:r>
-            <a:r>
-              <a:rPr lang="en-US" dirty="0">
-                <a:solidFill>
-                  <a:srgbClr val="ABB2BF"/>
-                </a:solidFill>
-                <a:effectLst/>
-                <a:highlight>
-                  <a:srgbClr val="FFFF00"/>
-                </a:highlight>
-                <a:latin typeface="Fira Code" panose="020B0809050000020004" pitchFamily="49" charset="0"/>
-              </a:rPr>
-              <a:t> state </a:t>
-            </a:r>
-            <a:r>
-              <a:rPr lang="en-US" dirty="0">
-                <a:solidFill>
-                  <a:srgbClr val="61AFEF"/>
-                </a:solidFill>
-                <a:effectLst/>
-                <a:highlight>
-                  <a:srgbClr val="FFFF00"/>
-                </a:highlight>
-                <a:latin typeface="Fira Code" panose="020B0809050000020004" pitchFamily="49" charset="0"/>
-              </a:rPr>
-              <a:t>=</a:t>
-            </a:r>
-            <a:r>
-              <a:rPr lang="en-US" dirty="0">
-                <a:solidFill>
-                  <a:srgbClr val="ABB2BF"/>
-                </a:solidFill>
-                <a:effectLst/>
-                <a:highlight>
-                  <a:srgbClr val="FFFF00"/>
-                </a:highlight>
-                <a:latin typeface="Fira Code" panose="020B0809050000020004" pitchFamily="49" charset="0"/>
-              </a:rPr>
-              <a:t> </a:t>
-            </a:r>
-            <a:r>
-              <a:rPr lang="en-US" dirty="0">
-                <a:solidFill>
-                  <a:srgbClr val="98C379"/>
-                </a:solidFill>
-                <a:effectLst/>
-                <a:highlight>
-                  <a:srgbClr val="FFFF00"/>
-                </a:highlight>
-                <a:latin typeface="Fira Code" panose="020B0809050000020004" pitchFamily="49" charset="0"/>
-              </a:rPr>
-              <a:t>'CA’</a:t>
-            </a:r>
-            <a:r>
-              <a:rPr lang="en-US" dirty="0">
-                <a:solidFill>
-                  <a:srgbClr val="ABB2BF"/>
-                </a:solidFill>
-                <a:effectLst/>
-                <a:highlight>
-                  <a:srgbClr val="FFFF00"/>
-                </a:highlight>
-                <a:latin typeface="Fira Code" panose="020B0809050000020004" pitchFamily="49" charset="0"/>
-              </a:rPr>
-              <a:t> </a:t>
-            </a:r>
-          </a:p>
-          <a:p>
-            <a:pPr marL="0" indent="0" algn="ctr" rtl="0" latinLnBrk="0">
-              <a:buNone/>
-            </a:pPr>
-            <a:r>
-              <a:rPr lang="en-US" dirty="0">
-                <a:solidFill>
-                  <a:srgbClr val="C678DD"/>
-                </a:solidFill>
-                <a:effectLst/>
-                <a:latin typeface="Fira Code" panose="020B0809050000020004" pitchFamily="49" charset="0"/>
-              </a:rPr>
-              <a:t>ORDER</a:t>
-            </a:r>
-            <a:r>
-              <a:rPr lang="en-US" dirty="0">
-                <a:solidFill>
-                  <a:srgbClr val="ABB2BF"/>
-                </a:solidFill>
-                <a:effectLst/>
-                <a:latin typeface="Fira Code" panose="020B0809050000020004" pitchFamily="49" charset="0"/>
-              </a:rPr>
-              <a:t> </a:t>
-            </a:r>
-            <a:r>
-              <a:rPr lang="en-US" dirty="0">
-                <a:solidFill>
-                  <a:srgbClr val="C678DD"/>
-                </a:solidFill>
-                <a:effectLst/>
-                <a:latin typeface="Fira Code" panose="020B0809050000020004" pitchFamily="49" charset="0"/>
-              </a:rPr>
-              <a:t>BY</a:t>
-            </a:r>
-            <a:r>
-              <a:rPr lang="en-US" dirty="0">
-                <a:solidFill>
-                  <a:srgbClr val="ABB2BF"/>
-                </a:solidFill>
-                <a:effectLst/>
-                <a:latin typeface="Fira Code" panose="020B0809050000020004" pitchFamily="49" charset="0"/>
-              </a:rPr>
-              <a:t> name;</a:t>
-            </a:r>
-          </a:p>
-          <a:p>
-            <a:pPr marL="914400" lvl="2" indent="0">
-              <a:buNone/>
-            </a:pPr>
-            <a:endParaRPr lang="en-US" b="0" i="0" dirty="0">
-              <a:solidFill>
-                <a:srgbClr val="24292F"/>
-              </a:solidFill>
-              <a:effectLst/>
-              <a:latin typeface="-apple-system"/>
-            </a:endParaRPr>
-          </a:p>
         </p:txBody>
       </p:sp>
     </p:spTree>
     <p:extLst>
       <p:ext uri="{BB962C8B-B14F-4D97-AF65-F5344CB8AC3E}">
-        <p14:creationId xmlns:p14="http://schemas.microsoft.com/office/powerpoint/2010/main" val="1424051777"/>
+        <p14:creationId xmlns:p14="http://schemas.microsoft.com/office/powerpoint/2010/main" val="1270359071"/>
       </p:ext>
     </p:extLst>
   </p:cSld>
@@ -12247,7 +15935,7 @@
             </a:r>
           </a:p>
           <a:p>
-            <a:pPr marL="400050" lvl="1" indent="0">
+            <a:pPr marL="800100" lvl="2" indent="0">
               <a:buNone/>
             </a:pPr>
             <a:endParaRPr lang="en-US" b="0" i="0" dirty="0">
@@ -12268,7 +15956,7 @@
                 <a:effectLst/>
                 <a:latin typeface="-apple-system"/>
               </a:rPr>
-              <a:t>Specify sorting/grouping (optional): </a:t>
+              <a:t>Specify the table and columns: </a:t>
             </a:r>
           </a:p>
           <a:p>
@@ -12281,7 +15969,182 @@
                 <a:effectLst/>
                 <a:latin typeface="-apple-system"/>
               </a:rPr>
-              <a:t>Statements like ORDER BY and GROUP BY can control row sorting and grouping in the output.</a:t>
+              <a:t>The statement needs to indicate from which database table and columns you want to access or operate on. Often this is done after the operation type using a FROM clause.</a:t>
+            </a:r>
+          </a:p>
+          <a:p>
+            <a:pPr marL="1257300" lvl="2" indent="-457200"/>
+            <a:endParaRPr lang="en-US" dirty="0">
+              <a:solidFill>
+                <a:srgbClr val="1C1917"/>
+              </a:solidFill>
+              <a:latin typeface="-apple-system"/>
+            </a:endParaRPr>
+          </a:p>
+          <a:p>
+            <a:pPr marL="0" indent="0" algn="ctr" rtl="0" latinLnBrk="0">
+              <a:buNone/>
+            </a:pPr>
+            <a:r>
+              <a:rPr lang="en-US" dirty="0">
+                <a:solidFill>
+                  <a:srgbClr val="C678DD"/>
+                </a:solidFill>
+                <a:effectLst/>
+                <a:latin typeface="Fira Code" panose="020B0809050000020004" pitchFamily="49" charset="0"/>
+              </a:rPr>
+              <a:t>SELECT</a:t>
+            </a:r>
+            <a:r>
+              <a:rPr lang="en-US" dirty="0">
+                <a:solidFill>
+                  <a:srgbClr val="ABB2BF"/>
+                </a:solidFill>
+                <a:effectLst/>
+                <a:latin typeface="Fira Code" panose="020B0809050000020004" pitchFamily="49" charset="0"/>
+              </a:rPr>
+              <a:t> id, name, address </a:t>
+            </a:r>
+          </a:p>
+          <a:p>
+            <a:pPr marL="0" indent="0" algn="ctr" rtl="0" latinLnBrk="0">
+              <a:buNone/>
+            </a:pPr>
+            <a:r>
+              <a:rPr lang="en-US" dirty="0">
+                <a:solidFill>
+                  <a:srgbClr val="C678DD"/>
+                </a:solidFill>
+                <a:effectLst/>
+                <a:highlight>
+                  <a:srgbClr val="FFFF00"/>
+                </a:highlight>
+                <a:latin typeface="Fira Code" panose="020B0809050000020004" pitchFamily="49" charset="0"/>
+              </a:rPr>
+              <a:t>FROM</a:t>
+            </a:r>
+            <a:r>
+              <a:rPr lang="en-US" dirty="0">
+                <a:solidFill>
+                  <a:srgbClr val="ABB2BF"/>
+                </a:solidFill>
+                <a:effectLst/>
+                <a:highlight>
+                  <a:srgbClr val="FFFF00"/>
+                </a:highlight>
+                <a:latin typeface="Fira Code" panose="020B0809050000020004" pitchFamily="49" charset="0"/>
+              </a:rPr>
+              <a:t> Customers </a:t>
+            </a:r>
+          </a:p>
+          <a:p>
+            <a:pPr marL="0" indent="0" algn="ctr" rtl="0" latinLnBrk="0">
+              <a:buNone/>
+            </a:pPr>
+            <a:r>
+              <a:rPr lang="en-US" dirty="0">
+                <a:solidFill>
+                  <a:srgbClr val="C678DD"/>
+                </a:solidFill>
+                <a:effectLst/>
+                <a:latin typeface="Fira Code" panose="020B0809050000020004" pitchFamily="49" charset="0"/>
+              </a:rPr>
+              <a:t>WHERE</a:t>
+            </a:r>
+            <a:r>
+              <a:rPr lang="en-US" dirty="0">
+                <a:solidFill>
+                  <a:srgbClr val="ABB2BF"/>
+                </a:solidFill>
+                <a:effectLst/>
+                <a:latin typeface="Fira Code" panose="020B0809050000020004" pitchFamily="49" charset="0"/>
+              </a:rPr>
+              <a:t> state </a:t>
+            </a:r>
+            <a:r>
+              <a:rPr lang="en-US" dirty="0">
+                <a:solidFill>
+                  <a:srgbClr val="61AFEF"/>
+                </a:solidFill>
+                <a:effectLst/>
+                <a:latin typeface="Fira Code" panose="020B0809050000020004" pitchFamily="49" charset="0"/>
+              </a:rPr>
+              <a:t>=</a:t>
+            </a:r>
+            <a:r>
+              <a:rPr lang="en-US" dirty="0">
+                <a:solidFill>
+                  <a:srgbClr val="ABB2BF"/>
+                </a:solidFill>
+                <a:effectLst/>
+                <a:latin typeface="Fira Code" panose="020B0809050000020004" pitchFamily="49" charset="0"/>
+              </a:rPr>
+              <a:t> </a:t>
+            </a:r>
+            <a:r>
+              <a:rPr lang="en-US" dirty="0">
+                <a:solidFill>
+                  <a:srgbClr val="98C379"/>
+                </a:solidFill>
+                <a:effectLst/>
+                <a:latin typeface="Fira Code" panose="020B0809050000020004" pitchFamily="49" charset="0"/>
+              </a:rPr>
+              <a:t>'CA’</a:t>
+            </a:r>
+            <a:r>
+              <a:rPr lang="en-US" dirty="0">
+                <a:solidFill>
+                  <a:srgbClr val="ABB2BF"/>
+                </a:solidFill>
+                <a:effectLst/>
+                <a:latin typeface="Fira Code" panose="020B0809050000020004" pitchFamily="49" charset="0"/>
+              </a:rPr>
+              <a:t> </a:t>
+            </a:r>
+          </a:p>
+          <a:p>
+            <a:pPr marL="0" indent="0" algn="ctr" rtl="0" latinLnBrk="0">
+              <a:buNone/>
+            </a:pPr>
+            <a:r>
+              <a:rPr lang="en-US" dirty="0">
+                <a:solidFill>
+                  <a:srgbClr val="C678DD"/>
+                </a:solidFill>
+                <a:effectLst/>
+                <a:latin typeface="Fira Code" panose="020B0809050000020004" pitchFamily="49" charset="0"/>
+              </a:rPr>
+              <a:t>ORDER</a:t>
+            </a:r>
+            <a:r>
+              <a:rPr lang="en-US" dirty="0">
+                <a:solidFill>
+                  <a:srgbClr val="ABB2BF"/>
+                </a:solidFill>
+                <a:effectLst/>
+                <a:latin typeface="Fira Code" panose="020B0809050000020004" pitchFamily="49" charset="0"/>
+              </a:rPr>
+              <a:t> </a:t>
+            </a:r>
+            <a:r>
+              <a:rPr lang="en-US" dirty="0">
+                <a:solidFill>
+                  <a:srgbClr val="C678DD"/>
+                </a:solidFill>
+                <a:effectLst/>
+                <a:latin typeface="Fira Code" panose="020B0809050000020004" pitchFamily="49" charset="0"/>
+              </a:rPr>
+              <a:t>BY</a:t>
+            </a:r>
+            <a:r>
+              <a:rPr lang="en-US" dirty="0">
+                <a:solidFill>
+                  <a:srgbClr val="ABB2BF"/>
+                </a:solidFill>
+                <a:effectLst/>
+                <a:latin typeface="Fira Code" panose="020B0809050000020004" pitchFamily="49" charset="0"/>
+              </a:rPr>
+              <a:t> name;</a:t>
             </a:r>
           </a:p>
           <a:p>
@@ -12297,188 +16160,6 @@
             </a:endParaRPr>
           </a:p>
           <a:p>
-            <a:pPr marL="0" indent="0" algn="ctr" rtl="0" latinLnBrk="0">
-              <a:buNone/>
-            </a:pPr>
-            <a:r>
-              <a:rPr lang="en-US" dirty="0">
-                <a:solidFill>
-                  <a:srgbClr val="C678DD"/>
-                </a:solidFill>
-                <a:effectLst/>
-                <a:latin typeface="Fira Code" panose="020B0809050000020004" pitchFamily="49" charset="0"/>
-              </a:rPr>
-              <a:t>SELECT</a:t>
-            </a:r>
-            <a:r>
-              <a:rPr lang="en-US" dirty="0">
-                <a:solidFill>
-                  <a:srgbClr val="ABB2BF"/>
-                </a:solidFill>
-                <a:effectLst/>
-                <a:latin typeface="Fira Code" panose="020B0809050000020004" pitchFamily="49" charset="0"/>
-              </a:rPr>
-              <a:t> id, name, address </a:t>
-            </a:r>
-          </a:p>
-          <a:p>
-            <a:pPr marL="0" indent="0" algn="ctr" rtl="0" latinLnBrk="0">
-              <a:buNone/>
-            </a:pPr>
-            <a:r>
-              <a:rPr lang="en-US" dirty="0">
-                <a:solidFill>
-                  <a:srgbClr val="C678DD"/>
-                </a:solidFill>
-                <a:effectLst/>
-                <a:latin typeface="Fira Code" panose="020B0809050000020004" pitchFamily="49" charset="0"/>
-              </a:rPr>
-              <a:t>FROM</a:t>
-            </a:r>
-            <a:r>
-              <a:rPr lang="en-US" dirty="0">
-                <a:solidFill>
-                  <a:srgbClr val="ABB2BF"/>
-                </a:solidFill>
-                <a:effectLst/>
-                <a:latin typeface="Fira Code" panose="020B0809050000020004" pitchFamily="49" charset="0"/>
-              </a:rPr>
-              <a:t> Customers </a:t>
-            </a:r>
-          </a:p>
-          <a:p>
-            <a:pPr marL="0" indent="0" algn="ctr" rtl="0" latinLnBrk="0">
-              <a:buNone/>
-            </a:pPr>
-            <a:r>
-              <a:rPr lang="en-US" dirty="0">
-                <a:solidFill>
-                  <a:srgbClr val="C678DD"/>
-                </a:solidFill>
-                <a:effectLst/>
-                <a:latin typeface="Fira Code" panose="020B0809050000020004" pitchFamily="49" charset="0"/>
-              </a:rPr>
-              <a:t>WHERE</a:t>
-            </a:r>
-            <a:r>
-              <a:rPr lang="en-US" dirty="0">
-                <a:solidFill>
-                  <a:srgbClr val="ABB2BF"/>
-                </a:solidFill>
-                <a:effectLst/>
-                <a:latin typeface="Fira Code" panose="020B0809050000020004" pitchFamily="49" charset="0"/>
-              </a:rPr>
-              <a:t> state </a:t>
-            </a:r>
-            <a:r>
-              <a:rPr lang="en-US" dirty="0">
-                <a:solidFill>
-                  <a:srgbClr val="61AFEF"/>
-                </a:solidFill>
-                <a:effectLst/>
-                <a:latin typeface="Fira Code" panose="020B0809050000020004" pitchFamily="49" charset="0"/>
-              </a:rPr>
-              <a:t>=</a:t>
-            </a:r>
-            <a:r>
-              <a:rPr lang="en-US" dirty="0">
-                <a:solidFill>
-                  <a:srgbClr val="ABB2BF"/>
-                </a:solidFill>
-                <a:effectLst/>
-                <a:latin typeface="Fira Code" panose="020B0809050000020004" pitchFamily="49" charset="0"/>
-              </a:rPr>
-              <a:t> </a:t>
-            </a:r>
-            <a:r>
-              <a:rPr lang="en-US" dirty="0">
-                <a:solidFill>
-                  <a:srgbClr val="98C379"/>
-                </a:solidFill>
-                <a:effectLst/>
-                <a:latin typeface="Fira Code" panose="020B0809050000020004" pitchFamily="49" charset="0"/>
-              </a:rPr>
-              <a:t>'CA’</a:t>
-            </a:r>
-            <a:r>
-              <a:rPr lang="en-US" dirty="0">
-                <a:solidFill>
-                  <a:srgbClr val="ABB2BF"/>
-                </a:solidFill>
-                <a:effectLst/>
-                <a:latin typeface="Fira Code" panose="020B0809050000020004" pitchFamily="49" charset="0"/>
-              </a:rPr>
-              <a:t> </a:t>
-            </a:r>
-          </a:p>
-          <a:p>
-            <a:pPr marL="0" indent="0" algn="ctr" rtl="0" latinLnBrk="0">
-              <a:buNone/>
-            </a:pPr>
-            <a:r>
-              <a:rPr lang="en-US" dirty="0">
-                <a:solidFill>
-                  <a:srgbClr val="C678DD"/>
-                </a:solidFill>
-                <a:effectLst/>
-                <a:highlight>
-                  <a:srgbClr val="FFFF00"/>
-                </a:highlight>
-                <a:latin typeface="Fira Code" panose="020B0809050000020004" pitchFamily="49" charset="0"/>
-              </a:rPr>
-              <a:t>ORDER</a:t>
-            </a:r>
-            <a:r>
-              <a:rPr lang="en-US" dirty="0">
-                <a:solidFill>
-                  <a:srgbClr val="ABB2BF"/>
-                </a:solidFill>
-                <a:effectLst/>
-                <a:highlight>
-                  <a:srgbClr val="FFFF00"/>
-                </a:highlight>
-                <a:latin typeface="Fira Code" panose="020B0809050000020004" pitchFamily="49" charset="0"/>
-              </a:rPr>
-              <a:t> </a:t>
-            </a:r>
-            <a:r>
-              <a:rPr lang="en-US" dirty="0">
-                <a:solidFill>
-                  <a:srgbClr val="C678DD"/>
-                </a:solidFill>
-                <a:effectLst/>
-                <a:highlight>
-                  <a:srgbClr val="FFFF00"/>
-                </a:highlight>
-                <a:latin typeface="Fira Code" panose="020B0809050000020004" pitchFamily="49" charset="0"/>
-              </a:rPr>
-              <a:t>BY</a:t>
-            </a:r>
-            <a:r>
-              <a:rPr lang="en-US" dirty="0">
-                <a:solidFill>
-                  <a:srgbClr val="ABB2BF"/>
-                </a:solidFill>
-                <a:effectLst/>
-                <a:highlight>
-                  <a:srgbClr val="FFFF00"/>
-                </a:highlight>
-                <a:latin typeface="Fira Code" panose="020B0809050000020004" pitchFamily="49" charset="0"/>
-              </a:rPr>
-              <a:t> name</a:t>
-            </a:r>
-            <a:r>
-              <a:rPr lang="en-US" dirty="0">
-                <a:solidFill>
-                  <a:srgbClr val="ABB2BF"/>
-                </a:solidFill>
-                <a:effectLst/>
-                <a:latin typeface="Fira Code" panose="020B0809050000020004" pitchFamily="49" charset="0"/>
-              </a:rPr>
-              <a:t>;</a:t>
-            </a:r>
-          </a:p>
-          <a:p>
             <a:pPr marL="914400" lvl="2" indent="0">
               <a:buNone/>
             </a:pPr>
@@ -12495,7 +16176,7 @@
     </p:spTree>
     <p:extLst>
       <p:ext uri="{BB962C8B-B14F-4D97-AF65-F5344CB8AC3E}">
-        <p14:creationId xmlns:p14="http://schemas.microsoft.com/office/powerpoint/2010/main" val="3440684354"/>
+        <p14:creationId xmlns:p14="http://schemas.microsoft.com/office/powerpoint/2010/main" val="924900005"/>
       </p:ext>
     </p:extLst>
   </p:cSld>
@@ -14368,21 +18049,6 @@
 </file>
 
 <file path=customXml/item1.xml><?xml version="1.0" encoding="utf-8"?>
-<p:properties xmlns:p="http://schemas.microsoft.com/office/2006/metadata/properties" xmlns:xsi="http://www.w3.org/2001/XMLSchema-instance" xmlns:pc="http://schemas.microsoft.com/office/infopath/2007/PartnerControls">
-  <documentManagement/>
-</p:properties>
-</file>
-
-<file path=customXml/item2.xml><?xml version="1.0" encoding="utf-8"?>
-<?mso-contentType ?>
-<FormTemplates xmlns="http://schemas.microsoft.com/sharepoint/v3/contenttype/forms">
-  <Display>DocumentLibraryForm</Display>
-  <Edit>DocumentLibraryForm</Edit>
-  <New>DocumentLibraryForm</New>
-</FormTemplates>
-</file>
-
-<file path=customXml/item3.xml><?xml version="1.0" encoding="utf-8"?>
 <ct:contentTypeSchema xmlns:ct="http://schemas.microsoft.com/office/2006/metadata/contentType" xmlns:ma="http://schemas.microsoft.com/office/2006/metadata/properties/metaAttributes" ct:_="" ma:_="" ma:contentTypeName="Document" ma:contentTypeID="0x010100D717D047DAB2764FBE8B85865ADF125C" ma:contentTypeVersion="0" ma:contentTypeDescription="Create a new document." ma:contentTypeScope="" ma:versionID="3154522c01a2510568c44eaa3f86772f">
   <xsd:schema xmlns:xsd="http://www.w3.org/2001/XMLSchema" xmlns:xs="http://www.w3.org/2001/XMLSchema" xmlns:p="http://schemas.microsoft.com/office/2006/metadata/properties" targetNamespace="http://schemas.microsoft.com/office/2006/metadata/properties" ma:root="true" ma:fieldsID="1b05d82d297216baf5b26c55225140df">
     <xsd:element name="properties">
@@ -14496,17 +18162,33 @@
 </ct:contentTypeSchema>
 </file>
 
+<file path=customXml/item2.xml><?xml version="1.0" encoding="utf-8"?>
+<?mso-contentType ?>
+<FormTemplates xmlns="http://schemas.microsoft.com/sharepoint/v3/contenttype/forms">
+  <Display>DocumentLibraryForm</Display>
+  <Edit>DocumentLibraryForm</Edit>
+  <New>DocumentLibraryForm</New>
+</FormTemplates>
+</file>
+
+<file path=customXml/item3.xml><?xml version="1.0" encoding="utf-8"?>
+<p:properties xmlns:p="http://schemas.microsoft.com/office/2006/metadata/properties" xmlns:xsi="http://www.w3.org/2001/XMLSchema-instance" xmlns:pc="http://schemas.microsoft.com/office/infopath/2007/PartnerControls">
+  <documentManagement/>
+</p:properties>
+</file>
+
 <file path=customXml/itemProps1.xml><?xml version="1.0" encoding="utf-8"?>
-<ds:datastoreItem xmlns:ds="http://schemas.openxmlformats.org/officeDocument/2006/customXml" ds:itemID="{C530F82F-BEB8-4CE5-BAAE-EC5C7B644B7C}">
+<ds:datastoreItem xmlns:ds="http://schemas.openxmlformats.org/officeDocument/2006/customXml" ds:itemID="{959784AE-7718-4684-9BBC-9AAC52D5A526}">
   <ds:schemaRefs>
-    <ds:schemaRef ds:uri="http://schemas.microsoft.com/office/2006/documentManagement/types"/>
+    <ds:schemaRef ds:uri="http://schemas.microsoft.com/office/2006/metadata/contentType"/>
+    <ds:schemaRef ds:uri="http://schemas.microsoft.com/office/2006/metadata/properties/metaAttributes"/>
+    <ds:schemaRef ds:uri="http://www.w3.org/2001/XMLSchema"/>
     <ds:schemaRef ds:uri="http://schemas.microsoft.com/office/2006/metadata/properties"/>
-    <ds:schemaRef ds:uri="http://www.w3.org/XML/1998/namespace"/>
+    <ds:schemaRef ds:uri="http://schemas.openxmlformats.org/package/2006/metadata/core-properties"/>
     <ds:schemaRef ds:uri="http://purl.org/dc/elements/1.1/"/>
-    <ds:schemaRef ds:uri="http://purl.org/dc/dcmitype/"/>
     <ds:schemaRef ds:uri="http://purl.org/dc/terms/"/>
+    <ds:schemaRef ds:uri="http://schemas.microsoft.com/internal/obd"/>
     <ds:schemaRef ds:uri="http://schemas.microsoft.com/office/infopath/2007/PartnerControls"/>
-    <ds:schemaRef ds:uri="http://schemas.openxmlformats.org/package/2006/metadata/core-properties"/>
   </ds:schemaRefs>
 </ds:datastoreItem>
 </file>
@@ -14520,17 +18202,16 @@
 </file>
 
 <file path=customXml/itemProps3.xml><?xml version="1.0" encoding="utf-8"?>
-<ds:datastoreItem xmlns:ds="http://schemas.openxmlformats.org/officeDocument/2006/customXml" ds:itemID="{959784AE-7718-4684-9BBC-9AAC52D5A526}">
+<ds:datastoreItem xmlns:ds="http://schemas.openxmlformats.org/officeDocument/2006/customXml" ds:itemID="{C530F82F-BEB8-4CE5-BAAE-EC5C7B644B7C}">
   <ds:schemaRefs>
-    <ds:schemaRef ds:uri="http://schemas.microsoft.com/office/2006/metadata/contentType"/>
-    <ds:schemaRef ds:uri="http://schemas.microsoft.com/office/2006/metadata/properties/metaAttributes"/>
-    <ds:schemaRef ds:uri="http://www.w3.org/2001/XMLSchema"/>
+    <ds:schemaRef ds:uri="http://schemas.microsoft.com/office/2006/documentManagement/types"/>
     <ds:schemaRef ds:uri="http://schemas.microsoft.com/office/2006/metadata/properties"/>
+    <ds:schemaRef ds:uri="http://www.w3.org/XML/1998/namespace"/>
+    <ds:schemaRef ds:uri="http://purl.org/dc/elements/1.1/"/>
+    <ds:schemaRef ds:uri="http://purl.org/dc/dcmitype/"/>
+    <ds:schemaRef ds:uri="http://purl.org/dc/terms/"/>
+    <ds:schemaRef ds:uri="http://schemas.microsoft.com/office/infopath/2007/PartnerControls"/>
     <ds:schemaRef ds:uri="http://schemas.openxmlformats.org/package/2006/metadata/core-properties"/>
-    <ds:schemaRef ds:uri="http://purl.org/dc/elements/1.1/"/>
-    <ds:schemaRef ds:uri="http://purl.org/dc/terms/"/>
-    <ds:schemaRef ds:uri="http://schemas.microsoft.com/internal/obd"/>
-    <ds:schemaRef ds:uri="http://schemas.microsoft.com/office/infopath/2007/PartnerControls"/>
   </ds:schemaRefs>
 </ds:datastoreItem>
 </file>